--- a/Presentations/LBR PP.pptx
+++ b/Presentations/LBR PP.pptx
@@ -5,20 +5,28 @@
     <p:sldMasterId id="2147483662" r:id="rId1"/>
   </p:sldMasterIdLst>
   <p:notesMasterIdLst>
-    <p:notesMasterId r:id="rId10"/>
+    <p:notesMasterId r:id="rId18"/>
   </p:notesMasterIdLst>
   <p:handoutMasterIdLst>
-    <p:handoutMasterId r:id="rId11"/>
+    <p:handoutMasterId r:id="rId19"/>
   </p:handoutMasterIdLst>
   <p:sldIdLst>
     <p:sldId id="262" r:id="rId2"/>
     <p:sldId id="295" r:id="rId3"/>
     <p:sldId id="297" r:id="rId4"/>
-    <p:sldId id="304" r:id="rId5"/>
-    <p:sldId id="303" r:id="rId6"/>
-    <p:sldId id="305" r:id="rId7"/>
-    <p:sldId id="302" r:id="rId8"/>
-    <p:sldId id="301" r:id="rId9"/>
+    <p:sldId id="303" r:id="rId5"/>
+    <p:sldId id="305" r:id="rId6"/>
+    <p:sldId id="302" r:id="rId7"/>
+    <p:sldId id="304" r:id="rId8"/>
+    <p:sldId id="310" r:id="rId9"/>
+    <p:sldId id="306" r:id="rId10"/>
+    <p:sldId id="311" r:id="rId11"/>
+    <p:sldId id="312" r:id="rId12"/>
+    <p:sldId id="307" r:id="rId13"/>
+    <p:sldId id="309" r:id="rId14"/>
+    <p:sldId id="308" r:id="rId15"/>
+    <p:sldId id="313" r:id="rId16"/>
+    <p:sldId id="301" r:id="rId17"/>
   </p:sldIdLst>
   <p:sldSz cx="12192000" cy="6858000"/>
   <p:notesSz cx="6797675" cy="9926638"/>
@@ -155,10 +163,18 @@
             <p14:sldId id="262"/>
             <p14:sldId id="295"/>
             <p14:sldId id="297"/>
-            <p14:sldId id="304"/>
             <p14:sldId id="303"/>
             <p14:sldId id="305"/>
             <p14:sldId id="302"/>
+            <p14:sldId id="304"/>
+            <p14:sldId id="310"/>
+            <p14:sldId id="306"/>
+            <p14:sldId id="311"/>
+            <p14:sldId id="312"/>
+            <p14:sldId id="307"/>
+            <p14:sldId id="309"/>
+            <p14:sldId id="308"/>
+            <p14:sldId id="313"/>
             <p14:sldId id="301"/>
           </p14:sldIdLst>
         </p14:section>
@@ -4795,7 +4811,7 @@
               <a:pPr eaLnBrk="0" hangingPunct="0">
                 <a:defRPr/>
               </a:pPr>
-              <a:t>03.10.2018</a:t>
+              <a:t>06.10.2018</a:t>
             </a:fld>
             <a:endParaRPr lang="de-DE" altLang="de-DE">
               <a:ea typeface="ＭＳ Ｐゴシック" pitchFamily="-32" charset="-128"/>
@@ -5704,96 +5720,6 @@
       </p:grpSpPr>
       <p:sp>
         <p:nvSpPr>
-          <p:cNvPr id="2" name="Folienbildplatzhalter 1"/>
-          <p:cNvSpPr>
-            <a:spLocks noGrp="1" noRot="1" noChangeAspect="1"/>
-          </p:cNvSpPr>
-          <p:nvPr>
-            <p:ph type="sldImg"/>
-          </p:nvPr>
-        </p:nvSpPr>
-        <p:spPr/>
-      </p:sp>
-      <p:sp>
-        <p:nvSpPr>
-          <p:cNvPr id="3" name="Notizenplatzhalter 2"/>
-          <p:cNvSpPr>
-            <a:spLocks noGrp="1"/>
-          </p:cNvSpPr>
-          <p:nvPr>
-            <p:ph type="body" idx="1"/>
-          </p:nvPr>
-        </p:nvSpPr>
-        <p:spPr/>
-        <p:txBody>
-          <a:bodyPr/>
-          <a:lstStyle/>
-          <a:p>
-            <a:endParaRPr lang="de-DE" dirty="0"/>
-          </a:p>
-        </p:txBody>
-      </p:sp>
-      <p:sp>
-        <p:nvSpPr>
-          <p:cNvPr id="4" name="Foliennummernplatzhalter 3"/>
-          <p:cNvSpPr>
-            <a:spLocks noGrp="1"/>
-          </p:cNvSpPr>
-          <p:nvPr>
-            <p:ph type="sldNum" sz="quarter" idx="5"/>
-          </p:nvPr>
-        </p:nvSpPr>
-        <p:spPr/>
-        <p:txBody>
-          <a:bodyPr/>
-          <a:lstStyle/>
-          <a:p>
-            <a:pPr>
-              <a:defRPr/>
-            </a:pPr>
-            <a:fld id="{2044D6B4-E255-4B33-8A07-81EE94002818}" type="slidenum">
-              <a:rPr lang="de-DE" altLang="de-DE" smtClean="0"/>
-              <a:pPr>
-                <a:defRPr/>
-              </a:pPr>
-              <a:t>4</a:t>
-            </a:fld>
-            <a:endParaRPr lang="de-DE" altLang="de-DE"/>
-          </a:p>
-        </p:txBody>
-      </p:sp>
-    </p:spTree>
-    <p:extLst>
-      <p:ext uri="{BB962C8B-B14F-4D97-AF65-F5344CB8AC3E}">
-        <p14:creationId xmlns:p14="http://schemas.microsoft.com/office/powerpoint/2010/main" val="414675155"/>
-      </p:ext>
-    </p:extLst>
-  </p:cSld>
-  <p:clrMapOvr>
-    <a:masterClrMapping/>
-  </p:clrMapOvr>
-</p:notes>
-</file>
-
-<file path=ppt/notesSlides/notesSlide4.xml><?xml version="1.0" encoding="utf-8"?>
-<p:notes xmlns:a="http://schemas.openxmlformats.org/drawingml/2006/main" xmlns:r="http://schemas.openxmlformats.org/officeDocument/2006/relationships" xmlns:p="http://schemas.openxmlformats.org/presentationml/2006/main">
-  <p:cSld>
-    <p:spTree>
-      <p:nvGrpSpPr>
-        <p:cNvPr id="1" name=""/>
-        <p:cNvGrpSpPr/>
-        <p:nvPr/>
-      </p:nvGrpSpPr>
-      <p:grpSpPr>
-        <a:xfrm>
-          <a:off x="0" y="0"/>
-          <a:ext cx="0" cy="0"/>
-          <a:chOff x="0" y="0"/>
-          <a:chExt cx="0" cy="0"/>
-        </a:xfrm>
-      </p:grpSpPr>
-      <p:sp>
-        <p:nvSpPr>
           <p:cNvPr id="12290" name="Rectangle 2">
             <a:extLst>
               <a:ext uri="{FF2B5EF4-FFF2-40B4-BE49-F238E27FC236}">
@@ -5890,7 +5816,7 @@
               <a:pPr>
                 <a:defRPr/>
               </a:pPr>
-              <a:t>7</a:t>
+              <a:t>6</a:t>
             </a:fld>
             <a:endParaRPr lang="de-DE" altLang="de-DE" dirty="0"/>
           </a:p>
@@ -5904,7 +5830,194 @@
 </p:notes>
 </file>
 
+<file path=ppt/notesSlides/notesSlide4.xml><?xml version="1.0" encoding="utf-8"?>
+<p:notes xmlns:a="http://schemas.openxmlformats.org/drawingml/2006/main" xmlns:r="http://schemas.openxmlformats.org/officeDocument/2006/relationships" xmlns:p="http://schemas.openxmlformats.org/presentationml/2006/main">
+  <p:cSld>
+    <p:spTree>
+      <p:nvGrpSpPr>
+        <p:cNvPr id="1" name=""/>
+        <p:cNvGrpSpPr/>
+        <p:nvPr/>
+      </p:nvGrpSpPr>
+      <p:grpSpPr>
+        <a:xfrm>
+          <a:off x="0" y="0"/>
+          <a:ext cx="0" cy="0"/>
+          <a:chOff x="0" y="0"/>
+          <a:chExt cx="0" cy="0"/>
+        </a:xfrm>
+      </p:grpSpPr>
+      <p:sp>
+        <p:nvSpPr>
+          <p:cNvPr id="2" name="Folienbildplatzhalter 1"/>
+          <p:cNvSpPr>
+            <a:spLocks noGrp="1" noRot="1" noChangeAspect="1"/>
+          </p:cNvSpPr>
+          <p:nvPr>
+            <p:ph type="sldImg"/>
+          </p:nvPr>
+        </p:nvSpPr>
+        <p:spPr/>
+      </p:sp>
+      <p:sp>
+        <p:nvSpPr>
+          <p:cNvPr id="3" name="Notizenplatzhalter 2"/>
+          <p:cNvSpPr>
+            <a:spLocks noGrp="1"/>
+          </p:cNvSpPr>
+          <p:nvPr>
+            <p:ph type="body" idx="1"/>
+          </p:nvPr>
+        </p:nvSpPr>
+        <p:spPr/>
+        <p:txBody>
+          <a:bodyPr/>
+          <a:lstStyle/>
+          <a:p>
+            <a:endParaRPr lang="de-DE" dirty="0"/>
+          </a:p>
+        </p:txBody>
+      </p:sp>
+      <p:sp>
+        <p:nvSpPr>
+          <p:cNvPr id="4" name="Foliennummernplatzhalter 3"/>
+          <p:cNvSpPr>
+            <a:spLocks noGrp="1"/>
+          </p:cNvSpPr>
+          <p:nvPr>
+            <p:ph type="sldNum" sz="quarter" idx="5"/>
+          </p:nvPr>
+        </p:nvSpPr>
+        <p:spPr/>
+        <p:txBody>
+          <a:bodyPr/>
+          <a:lstStyle/>
+          <a:p>
+            <a:pPr>
+              <a:defRPr/>
+            </a:pPr>
+            <a:fld id="{2044D6B4-E255-4B33-8A07-81EE94002818}" type="slidenum">
+              <a:rPr lang="de-DE" altLang="de-DE" smtClean="0"/>
+              <a:pPr>
+                <a:defRPr/>
+              </a:pPr>
+              <a:t>7</a:t>
+            </a:fld>
+            <a:endParaRPr lang="de-DE" altLang="de-DE"/>
+          </a:p>
+        </p:txBody>
+      </p:sp>
+    </p:spTree>
+    <p:extLst>
+      <p:ext uri="{BB962C8B-B14F-4D97-AF65-F5344CB8AC3E}">
+        <p14:creationId xmlns:p14="http://schemas.microsoft.com/office/powerpoint/2010/main" val="414675155"/>
+      </p:ext>
+    </p:extLst>
+  </p:cSld>
+  <p:clrMapOvr>
+    <a:masterClrMapping/>
+  </p:clrMapOvr>
+</p:notes>
+</file>
+
 <file path=ppt/notesSlides/notesSlide5.xml><?xml version="1.0" encoding="utf-8"?>
+<p:notes xmlns:a="http://schemas.openxmlformats.org/drawingml/2006/main" xmlns:r="http://schemas.openxmlformats.org/officeDocument/2006/relationships" xmlns:p="http://schemas.openxmlformats.org/presentationml/2006/main">
+  <p:cSld>
+    <p:spTree>
+      <p:nvGrpSpPr>
+        <p:cNvPr id="1" name=""/>
+        <p:cNvGrpSpPr/>
+        <p:nvPr/>
+      </p:nvGrpSpPr>
+      <p:grpSpPr>
+        <a:xfrm>
+          <a:off x="0" y="0"/>
+          <a:ext cx="0" cy="0"/>
+          <a:chOff x="0" y="0"/>
+          <a:chExt cx="0" cy="0"/>
+        </a:xfrm>
+      </p:grpSpPr>
+      <p:sp>
+        <p:nvSpPr>
+          <p:cNvPr id="2" name="Folienbildplatzhalter 1"/>
+          <p:cNvSpPr>
+            <a:spLocks noGrp="1" noRot="1" noChangeAspect="1"/>
+          </p:cNvSpPr>
+          <p:nvPr>
+            <p:ph type="sldImg"/>
+          </p:nvPr>
+        </p:nvSpPr>
+        <p:spPr/>
+      </p:sp>
+      <p:sp>
+        <p:nvSpPr>
+          <p:cNvPr id="3" name="Notizenplatzhalter 2"/>
+          <p:cNvSpPr>
+            <a:spLocks noGrp="1"/>
+          </p:cNvSpPr>
+          <p:nvPr>
+            <p:ph type="body" idx="1"/>
+          </p:nvPr>
+        </p:nvSpPr>
+        <p:spPr/>
+        <p:txBody>
+          <a:bodyPr/>
+          <a:lstStyle/>
+          <a:p>
+            <a:r>
+              <a:rPr lang="de-DE" dirty="0" err="1"/>
+              <a:t>Php</a:t>
+            </a:r>
+            <a:r>
+              <a:rPr lang="de-DE" dirty="0"/>
+              <a:t> braucht keine Extras</a:t>
+            </a:r>
+          </a:p>
+        </p:txBody>
+      </p:sp>
+      <p:sp>
+        <p:nvSpPr>
+          <p:cNvPr id="4" name="Foliennummernplatzhalter 3"/>
+          <p:cNvSpPr>
+            <a:spLocks noGrp="1"/>
+          </p:cNvSpPr>
+          <p:nvPr>
+            <p:ph type="sldNum" sz="quarter" idx="5"/>
+          </p:nvPr>
+        </p:nvSpPr>
+        <p:spPr/>
+        <p:txBody>
+          <a:bodyPr/>
+          <a:lstStyle/>
+          <a:p>
+            <a:pPr>
+              <a:defRPr/>
+            </a:pPr>
+            <a:fld id="{2044D6B4-E255-4B33-8A07-81EE94002818}" type="slidenum">
+              <a:rPr lang="de-DE" altLang="de-DE" smtClean="0"/>
+              <a:pPr>
+                <a:defRPr/>
+              </a:pPr>
+              <a:t>11</a:t>
+            </a:fld>
+            <a:endParaRPr lang="de-DE" altLang="de-DE"/>
+          </a:p>
+        </p:txBody>
+      </p:sp>
+    </p:spTree>
+    <p:extLst>
+      <p:ext uri="{BB962C8B-B14F-4D97-AF65-F5344CB8AC3E}">
+        <p14:creationId xmlns:p14="http://schemas.microsoft.com/office/powerpoint/2010/main" val="2362291981"/>
+      </p:ext>
+    </p:extLst>
+  </p:cSld>
+  <p:clrMapOvr>
+    <a:masterClrMapping/>
+  </p:clrMapOvr>
+</p:notes>
+</file>
+
+<file path=ppt/notesSlides/notesSlide6.xml><?xml version="1.0" encoding="utf-8"?>
 <p:notes xmlns:a="http://schemas.openxmlformats.org/drawingml/2006/main" xmlns:r="http://schemas.openxmlformats.org/officeDocument/2006/relationships" xmlns:p="http://schemas.openxmlformats.org/presentationml/2006/main">
   <p:cSld>
     <p:spTree>
@@ -6136,7 +6249,7 @@
                 <a:latin typeface="Times New Roman" panose="02020603050405020304" pitchFamily="18" charset="0"/>
               </a:rPr>
               <a:pPr algn="r"/>
-              <a:t>8</a:t>
+              <a:t>16</a:t>
             </a:fld>
             <a:endParaRPr lang="de-DE" altLang="de-DE" sz="1200" dirty="0">
               <a:latin typeface="Times New Roman" panose="02020603050405020304" pitchFamily="18" charset="0"/>
@@ -6438,49 +6551,6 @@
           </a:p>
         </p:txBody>
       </p:sp>
-      <p:sp>
-        <p:nvSpPr>
-          <p:cNvPr id="8" name="Rectangle 13">
-            <a:extLst>
-              <a:ext uri="{FF2B5EF4-FFF2-40B4-BE49-F238E27FC236}">
-                <a16:creationId xmlns:a16="http://schemas.microsoft.com/office/drawing/2014/main" id="{4A040714-D0D3-4DD2-BE66-B84885D9F8DD}"/>
-              </a:ext>
-            </a:extLst>
-          </p:cNvPr>
-          <p:cNvSpPr>
-            <a:spLocks noGrp="1" noChangeArrowheads="1"/>
-          </p:cNvSpPr>
-          <p:nvPr>
-            <p:ph type="ftr" sz="quarter" idx="10"/>
-          </p:nvPr>
-        </p:nvSpPr>
-        <p:spPr>
-          <a:xfrm>
-            <a:off x="202406" y="6667497"/>
-            <a:ext cx="11785600" cy="381000"/>
-          </a:xfrm>
-          <a:prstGeom prst="rect">
-            <a:avLst/>
-          </a:prstGeom>
-        </p:spPr>
-        <p:txBody>
-          <a:bodyPr/>
-          <a:lstStyle>
-            <a:lvl1pPr>
-              <a:defRPr dirty="0" smtClean="0"/>
-            </a:lvl1pPr>
-          </a:lstStyle>
-          <a:p>
-            <a:pPr>
-              <a:defRPr/>
-            </a:pPr>
-            <a:r>
-              <a:rPr lang="de-DE" altLang="de-DE"/>
-              <a:t>Location-Based-Recommendations / Henrik / ‹Nr.›</a:t>
-            </a:r>
-          </a:p>
-        </p:txBody>
-      </p:sp>
     </p:spTree>
     <p:extLst>
       <p:ext uri="{BB962C8B-B14F-4D97-AF65-F5344CB8AC3E}">
@@ -6634,10 +6704,7 @@
             <a:pPr>
               <a:defRPr/>
             </a:pPr>
-            <a:r>
-              <a:rPr lang="de-DE" altLang="de-DE"/>
-              <a:t>Location-Based-Recommendations / Henrik / ‹Nr.›</a:t>
-            </a:r>
+            <a:endParaRPr lang="de-DE" altLang="de-DE"/>
           </a:p>
         </p:txBody>
       </p:sp>
@@ -6711,10 +6778,7 @@
             <a:pPr>
               <a:defRPr/>
             </a:pPr>
-            <a:r>
-              <a:rPr lang="de-DE" altLang="de-DE"/>
-              <a:t>Location-Based-Recommendations / Henrik / ‹Nr.›</a:t>
-            </a:r>
+            <a:endParaRPr lang="de-DE" altLang="de-DE"/>
           </a:p>
         </p:txBody>
       </p:sp>
@@ -6830,49 +6894,6 @@
             <a:r>
               <a:rPr lang="de-DE"/>
               <a:t>Fünfte Ebene</a:t>
-            </a:r>
-          </a:p>
-        </p:txBody>
-      </p:sp>
-      <p:sp>
-        <p:nvSpPr>
-          <p:cNvPr id="4" name="Rectangle 13">
-            <a:extLst>
-              <a:ext uri="{FF2B5EF4-FFF2-40B4-BE49-F238E27FC236}">
-                <a16:creationId xmlns:a16="http://schemas.microsoft.com/office/drawing/2014/main" id="{9DAD09C5-EB48-4FB0-8D33-07EF027BBEBF}"/>
-              </a:ext>
-            </a:extLst>
-          </p:cNvPr>
-          <p:cNvSpPr>
-            <a:spLocks noGrp="1" noChangeArrowheads="1"/>
-          </p:cNvSpPr>
-          <p:nvPr>
-            <p:ph type="ftr" sz="quarter" idx="10"/>
-          </p:nvPr>
-        </p:nvSpPr>
-        <p:spPr>
-          <a:xfrm>
-            <a:off x="202406" y="6667497"/>
-            <a:ext cx="11785600" cy="381000"/>
-          </a:xfrm>
-          <a:prstGeom prst="rect">
-            <a:avLst/>
-          </a:prstGeom>
-        </p:spPr>
-        <p:txBody>
-          <a:bodyPr/>
-          <a:lstStyle>
-            <a:lvl1pPr>
-              <a:defRPr dirty="0" smtClean="0"/>
-            </a:lvl1pPr>
-          </a:lstStyle>
-          <a:p>
-            <a:pPr>
-              <a:defRPr/>
-            </a:pPr>
-            <a:r>
-              <a:rPr lang="de-DE" altLang="de-DE"/>
-              <a:t>Location-Based-Recommendations / Henrik / ‹Nr.›</a:t>
             </a:r>
           </a:p>
         </p:txBody>
@@ -7006,50 +7027,6 @@
           </a:p>
         </p:txBody>
       </p:sp>
-      <p:sp>
-        <p:nvSpPr>
-          <p:cNvPr id="4" name="Rectangle 13">
-            <a:extLst>
-              <a:ext uri="{FF2B5EF4-FFF2-40B4-BE49-F238E27FC236}">
-                <a16:creationId xmlns:a16="http://schemas.microsoft.com/office/drawing/2014/main" id="{3D1B8F1C-7AE1-4EED-AD15-CBDF1B268C58}"/>
-              </a:ext>
-            </a:extLst>
-          </p:cNvPr>
-          <p:cNvSpPr>
-            <a:spLocks noGrp="1" noChangeArrowheads="1"/>
-          </p:cNvSpPr>
-          <p:nvPr>
-            <p:ph type="ftr" sz="quarter" idx="10"/>
-          </p:nvPr>
-        </p:nvSpPr>
-        <p:spPr>
-          <a:xfrm>
-            <a:off x="202406" y="6667497"/>
-            <a:ext cx="11785600" cy="381000"/>
-          </a:xfrm>
-          <a:prstGeom prst="rect">
-            <a:avLst/>
-          </a:prstGeom>
-          <a:ln/>
-        </p:spPr>
-        <p:txBody>
-          <a:bodyPr/>
-          <a:lstStyle>
-            <a:lvl1pPr>
-              <a:defRPr/>
-            </a:lvl1pPr>
-          </a:lstStyle>
-          <a:p>
-            <a:pPr>
-              <a:defRPr/>
-            </a:pPr>
-            <a:r>
-              <a:rPr lang="de-DE" altLang="de-DE"/>
-              <a:t>Location-Based-Recommendations / Henrik / ‹Nr.›</a:t>
-            </a:r>
-          </a:p>
-        </p:txBody>
-      </p:sp>
     </p:spTree>
     <p:extLst>
       <p:ext uri="{BB962C8B-B14F-4D97-AF65-F5344CB8AC3E}">
@@ -7269,50 +7246,6 @@
             <a:r>
               <a:rPr lang="de-DE"/>
               <a:t>Fünfte Ebene</a:t>
-            </a:r>
-          </a:p>
-        </p:txBody>
-      </p:sp>
-      <p:sp>
-        <p:nvSpPr>
-          <p:cNvPr id="5" name="Rectangle 13">
-            <a:extLst>
-              <a:ext uri="{FF2B5EF4-FFF2-40B4-BE49-F238E27FC236}">
-                <a16:creationId xmlns:a16="http://schemas.microsoft.com/office/drawing/2014/main" id="{4259C085-7892-4912-A0D5-94C5F164CF25}"/>
-              </a:ext>
-            </a:extLst>
-          </p:cNvPr>
-          <p:cNvSpPr>
-            <a:spLocks noGrp="1" noChangeArrowheads="1"/>
-          </p:cNvSpPr>
-          <p:nvPr>
-            <p:ph type="ftr" sz="quarter" idx="10"/>
-          </p:nvPr>
-        </p:nvSpPr>
-        <p:spPr>
-          <a:xfrm>
-            <a:off x="202406" y="6667497"/>
-            <a:ext cx="11785600" cy="381000"/>
-          </a:xfrm>
-          <a:prstGeom prst="rect">
-            <a:avLst/>
-          </a:prstGeom>
-          <a:ln/>
-        </p:spPr>
-        <p:txBody>
-          <a:bodyPr/>
-          <a:lstStyle>
-            <a:lvl1pPr>
-              <a:defRPr/>
-            </a:lvl1pPr>
-          </a:lstStyle>
-          <a:p>
-            <a:pPr>
-              <a:defRPr/>
-            </a:pPr>
-            <a:r>
-              <a:rPr lang="de-DE" altLang="de-DE"/>
-              <a:t>Location-Based-Recommendations / Henrik / ‹Nr.›</a:t>
             </a:r>
           </a:p>
         </p:txBody>
@@ -7679,50 +7612,6 @@
           </a:p>
         </p:txBody>
       </p:sp>
-      <p:sp>
-        <p:nvSpPr>
-          <p:cNvPr id="7" name="Rectangle 13">
-            <a:extLst>
-              <a:ext uri="{FF2B5EF4-FFF2-40B4-BE49-F238E27FC236}">
-                <a16:creationId xmlns:a16="http://schemas.microsoft.com/office/drawing/2014/main" id="{3FF87019-0CC4-41E9-A858-3AB06B6AA495}"/>
-              </a:ext>
-            </a:extLst>
-          </p:cNvPr>
-          <p:cNvSpPr>
-            <a:spLocks noGrp="1" noChangeArrowheads="1"/>
-          </p:cNvSpPr>
-          <p:nvPr>
-            <p:ph type="ftr" sz="quarter" idx="10"/>
-          </p:nvPr>
-        </p:nvSpPr>
-        <p:spPr>
-          <a:xfrm>
-            <a:off x="202406" y="6667497"/>
-            <a:ext cx="11785600" cy="381000"/>
-          </a:xfrm>
-          <a:prstGeom prst="rect">
-            <a:avLst/>
-          </a:prstGeom>
-          <a:ln/>
-        </p:spPr>
-        <p:txBody>
-          <a:bodyPr/>
-          <a:lstStyle>
-            <a:lvl1pPr>
-              <a:defRPr/>
-            </a:lvl1pPr>
-          </a:lstStyle>
-          <a:p>
-            <a:pPr>
-              <a:defRPr/>
-            </a:pPr>
-            <a:r>
-              <a:rPr lang="de-DE" altLang="de-DE"/>
-              <a:t>Location-Based-Recommendations / Henrik / ‹Nr.›</a:t>
-            </a:r>
-          </a:p>
-        </p:txBody>
-      </p:sp>
     </p:spTree>
     <p:extLst>
       <p:ext uri="{BB962C8B-B14F-4D97-AF65-F5344CB8AC3E}">
@@ -7815,10 +7704,7 @@
             <a:pPr>
               <a:defRPr/>
             </a:pPr>
-            <a:r>
-              <a:rPr lang="de-DE" altLang="de-DE"/>
-              <a:t>Location-Based-Recommendations / Henrik / ‹Nr.›</a:t>
-            </a:r>
+            <a:endParaRPr lang="de-DE" altLang="de-DE"/>
           </a:p>
         </p:txBody>
       </p:sp>
@@ -8072,10 +7958,7 @@
             <a:pPr>
               <a:defRPr/>
             </a:pPr>
-            <a:r>
-              <a:rPr lang="de-DE" altLang="de-DE"/>
-              <a:t>Location-Based-Recommendations / Henrik / ‹Nr.›</a:t>
-            </a:r>
+            <a:endParaRPr lang="de-DE" altLang="de-DE"/>
           </a:p>
         </p:txBody>
       </p:sp>
@@ -8307,10 +8190,7 @@
             <a:pPr>
               <a:defRPr/>
             </a:pPr>
-            <a:r>
-              <a:rPr lang="de-DE" altLang="de-DE"/>
-              <a:t>Location-Based-Recommendations / Henrik / ‹Nr.›</a:t>
-            </a:r>
+            <a:endParaRPr lang="de-DE" altLang="de-DE"/>
           </a:p>
         </p:txBody>
       </p:sp>
@@ -8457,10 +8337,7 @@
             <a:pPr>
               <a:defRPr/>
             </a:pPr>
-            <a:r>
-              <a:rPr lang="de-DE" altLang="de-DE"/>
-              <a:t>Location-Based-Recommendations / Henrik / ‹Nr.›</a:t>
-            </a:r>
+            <a:endParaRPr lang="de-DE" altLang="de-DE"/>
           </a:p>
         </p:txBody>
       </p:sp>
@@ -8999,7 +8876,7 @@
   <p:transition>
     <p:fade/>
   </p:transition>
-  <p:hf hdr="0" ftr="0" dt="0"/>
+  <p:hf hdr="0" dt="0"/>
   <p:txStyles>
     <p:titleStyle>
       <a:lvl1pPr algn="l" rtl="0" eaLnBrk="0" fontAlgn="base" hangingPunct="0">
@@ -9764,6 +9641,2349 @@
 </p:sld>
 </file>
 
+<file path=ppt/slides/slide10.xml><?xml version="1.0" encoding="utf-8"?>
+<p:sld xmlns:a="http://schemas.openxmlformats.org/drawingml/2006/main" xmlns:r="http://schemas.openxmlformats.org/officeDocument/2006/relationships" xmlns:p="http://schemas.openxmlformats.org/presentationml/2006/main">
+  <p:cSld>
+    <p:spTree>
+      <p:nvGrpSpPr>
+        <p:cNvPr id="1" name=""/>
+        <p:cNvGrpSpPr/>
+        <p:nvPr/>
+      </p:nvGrpSpPr>
+      <p:grpSpPr>
+        <a:xfrm>
+          <a:off x="0" y="0"/>
+          <a:ext cx="0" cy="0"/>
+          <a:chOff x="0" y="0"/>
+          <a:chExt cx="0" cy="0"/>
+        </a:xfrm>
+      </p:grpSpPr>
+      <p:sp>
+        <p:nvSpPr>
+          <p:cNvPr id="2" name="Titel 1">
+            <a:extLst>
+              <a:ext uri="{FF2B5EF4-FFF2-40B4-BE49-F238E27FC236}">
+                <a16:creationId xmlns:a16="http://schemas.microsoft.com/office/drawing/2014/main" id="{AFEDBDB3-EB1F-4D56-88AA-389A74F6A870}"/>
+              </a:ext>
+            </a:extLst>
+          </p:cNvPr>
+          <p:cNvSpPr>
+            <a:spLocks noGrp="1"/>
+          </p:cNvSpPr>
+          <p:nvPr>
+            <p:ph type="title"/>
+          </p:nvPr>
+        </p:nvSpPr>
+        <p:spPr>
+          <a:xfrm>
+            <a:off x="1320800" y="1196752"/>
+            <a:ext cx="10261600" cy="762000"/>
+          </a:xfrm>
+        </p:spPr>
+        <p:txBody>
+          <a:bodyPr/>
+          <a:lstStyle/>
+          <a:p>
+            <a:pPr marL="285750" indent="-285750" eaLnBrk="1" hangingPunct="1">
+              <a:lnSpc>
+                <a:spcPct val="150000"/>
+              </a:lnSpc>
+              <a:defRPr/>
+            </a:pPr>
+            <a:r>
+              <a:rPr lang="de-DE" dirty="0"/>
+              <a:t>Arbeiten mit der Koordinaten</a:t>
+            </a:r>
+          </a:p>
+        </p:txBody>
+      </p:sp>
+      <p:sp>
+        <p:nvSpPr>
+          <p:cNvPr id="3" name="Rechteck: abgerundete Ecken 2">
+            <a:extLst>
+              <a:ext uri="{FF2B5EF4-FFF2-40B4-BE49-F238E27FC236}">
+                <a16:creationId xmlns:a16="http://schemas.microsoft.com/office/drawing/2014/main" id="{797AEA79-C893-4CB2-B518-61AAE065D7D8}"/>
+              </a:ext>
+            </a:extLst>
+          </p:cNvPr>
+          <p:cNvSpPr/>
+          <p:nvPr/>
+        </p:nvSpPr>
+        <p:spPr bwMode="auto">
+          <a:xfrm>
+            <a:off x="7159394" y="2492896"/>
+            <a:ext cx="4697246" cy="3606290"/>
+          </a:xfrm>
+          <a:prstGeom prst="roundRect">
+            <a:avLst>
+              <a:gd name="adj" fmla="val 6691"/>
+            </a:avLst>
+          </a:prstGeom>
+          <a:solidFill>
+            <a:srgbClr val="C6C7CB">
+              <a:alpha val="90000"/>
+            </a:srgbClr>
+          </a:solidFill>
+          <a:ln>
+            <a:noFill/>
+          </a:ln>
+          <a:effectLst/>
+          <a:extLst/>
+        </p:spPr>
+        <p:txBody>
+          <a:bodyPr vert="horz" wrap="square" lIns="0" tIns="0" rIns="0" bIns="0" numCol="1" rtlCol="0" anchor="ctr" anchorCtr="0" compatLnSpc="1">
+            <a:prstTxWarp prst="textNoShape">
+              <a:avLst/>
+            </a:prstTxWarp>
+          </a:bodyPr>
+          <a:lstStyle/>
+          <a:p>
+            <a:pPr marL="0" marR="0" indent="0" algn="ctr" defTabSz="914400" rtl="0" eaLnBrk="1" fontAlgn="base" latinLnBrk="0" hangingPunct="1">
+              <a:lnSpc>
+                <a:spcPct val="100000"/>
+              </a:lnSpc>
+              <a:spcBef>
+                <a:spcPct val="0"/>
+              </a:spcBef>
+              <a:spcAft>
+                <a:spcPct val="0"/>
+              </a:spcAft>
+              <a:buClrTx/>
+              <a:buSzTx/>
+              <a:buFontTx/>
+              <a:buNone/>
+              <a:tabLst/>
+            </a:pPr>
+            <a:endParaRPr kumimoji="0" lang="de-DE" sz="1100" b="0" i="0" u="none" strike="noStrike" cap="none" normalizeH="0" baseline="0">
+              <a:ln>
+                <a:noFill/>
+              </a:ln>
+              <a:solidFill>
+                <a:schemeClr val="tx1"/>
+              </a:solidFill>
+              <a:effectLst/>
+              <a:latin typeface="Arial" charset="0"/>
+            </a:endParaRPr>
+          </a:p>
+        </p:txBody>
+      </p:sp>
+      <p:sp>
+        <p:nvSpPr>
+          <p:cNvPr id="5" name="Inhaltsplatzhalter 4">
+            <a:extLst>
+              <a:ext uri="{FF2B5EF4-FFF2-40B4-BE49-F238E27FC236}">
+                <a16:creationId xmlns:a16="http://schemas.microsoft.com/office/drawing/2014/main" id="{390D73EE-249C-4972-8DA8-A1B1F4D45926}"/>
+              </a:ext>
+            </a:extLst>
+          </p:cNvPr>
+          <p:cNvSpPr>
+            <a:spLocks noGrp="1"/>
+          </p:cNvSpPr>
+          <p:nvPr>
+            <p:ph sz="half" idx="1"/>
+          </p:nvPr>
+        </p:nvSpPr>
+        <p:spPr>
+          <a:xfrm>
+            <a:off x="1180214" y="2089317"/>
+            <a:ext cx="4521200" cy="3276600"/>
+          </a:xfrm>
+        </p:spPr>
+        <p:txBody>
+          <a:bodyPr/>
+          <a:lstStyle/>
+          <a:p>
+            <a:r>
+              <a:rPr lang="de-DE" dirty="0"/>
+              <a:t>Verschiedene Darstellungen von Koordinaten</a:t>
+            </a:r>
+          </a:p>
+          <a:p>
+            <a:r>
+              <a:rPr lang="de-DE" dirty="0"/>
+              <a:t>Am verbreiteten ist:</a:t>
+            </a:r>
+          </a:p>
+        </p:txBody>
+      </p:sp>
+      <p:sp>
+        <p:nvSpPr>
+          <p:cNvPr id="4" name="Textfeld 3">
+            <a:extLst>
+              <a:ext uri="{FF2B5EF4-FFF2-40B4-BE49-F238E27FC236}">
+                <a16:creationId xmlns:a16="http://schemas.microsoft.com/office/drawing/2014/main" id="{75FB5C37-EF4D-45EA-BC58-2EC98C8CE386}"/>
+              </a:ext>
+            </a:extLst>
+          </p:cNvPr>
+          <p:cNvSpPr txBox="1"/>
+          <p:nvPr/>
+        </p:nvSpPr>
+        <p:spPr>
+          <a:xfrm>
+            <a:off x="2135560" y="51684"/>
+            <a:ext cx="7488832" cy="496996"/>
+          </a:xfrm>
+          <a:prstGeom prst="rect">
+            <a:avLst/>
+          </a:prstGeom>
+          <a:noFill/>
+        </p:spPr>
+        <p:txBody>
+          <a:bodyPr wrap="square" rtlCol="0">
+            <a:spAutoFit/>
+          </a:bodyPr>
+          <a:lstStyle/>
+          <a:p>
+            <a:pPr marL="285750" indent="-285750" eaLnBrk="1" hangingPunct="1">
+              <a:lnSpc>
+                <a:spcPct val="150000"/>
+              </a:lnSpc>
+              <a:defRPr/>
+            </a:pPr>
+            <a:r>
+              <a:rPr lang="de-DE" sz="2000" b="1" dirty="0">
+                <a:solidFill>
+                  <a:srgbClr val="980528"/>
+                </a:solidFill>
+              </a:rPr>
+              <a:t>Einzelne Systembestandteile - Datenbank</a:t>
+            </a:r>
+          </a:p>
+        </p:txBody>
+      </p:sp>
+      <mc:AlternateContent xmlns:mc="http://schemas.openxmlformats.org/markup-compatibility/2006">
+        <mc:Choice xmlns:a14="http://schemas.microsoft.com/office/drawing/2010/main" Requires="a14">
+          <p:sp>
+            <p:nvSpPr>
+              <p:cNvPr id="7" name="Inhaltsplatzhalter 6">
+                <a:extLst>
+                  <a:ext uri="{FF2B5EF4-FFF2-40B4-BE49-F238E27FC236}">
+                    <a16:creationId xmlns:a16="http://schemas.microsoft.com/office/drawing/2014/main" id="{39CCA539-79B7-4FF7-96B0-1B36956C4C7A}"/>
+                  </a:ext>
+                </a:extLst>
+              </p:cNvPr>
+              <p:cNvSpPr>
+                <a:spLocks noGrp="1"/>
+              </p:cNvSpPr>
+              <p:nvPr>
+                <p:ph sz="half" idx="2"/>
+              </p:nvPr>
+            </p:nvSpPr>
+            <p:spPr>
+              <a:xfrm>
+                <a:off x="7318859" y="2089317"/>
+                <a:ext cx="4521200" cy="3879304"/>
+              </a:xfrm>
+            </p:spPr>
+            <p:txBody>
+              <a:bodyPr/>
+              <a:lstStyle/>
+              <a:p>
+                <a:r>
+                  <a:rPr lang="de-DE" dirty="0"/>
+                  <a:t>Entfernungsberechnung:</a:t>
+                </a:r>
+              </a:p>
+              <a:p>
+                <a14:m>
+                  <m:oMath xmlns:m="http://schemas.openxmlformats.org/officeDocument/2006/math">
+                    <m:r>
+                      <a:rPr lang="de-DE" b="0" i="1" smtClean="0">
+                        <a:latin typeface="Cambria Math" panose="02040503050406030204" pitchFamily="18" charset="0"/>
+                      </a:rPr>
+                      <m:t>6371 </m:t>
+                    </m:r>
+                    <m:r>
+                      <a:rPr lang="de-DE" b="0" i="0" smtClean="0">
+                        <a:latin typeface="Cambria Math" panose="02040503050406030204" pitchFamily="18" charset="0"/>
+                      </a:rPr>
+                      <m:t>∗ </m:t>
+                    </m:r>
+                    <m:r>
+                      <m:rPr>
+                        <m:sty m:val="p"/>
+                      </m:rPr>
+                      <a:rPr lang="de-DE" b="0" i="0" smtClean="0">
+                        <a:latin typeface="Cambria Math" panose="02040503050406030204" pitchFamily="18" charset="0"/>
+                      </a:rPr>
+                      <m:t>acos</m:t>
+                    </m:r>
+                    <m:r>
+                      <a:rPr lang="de-DE" b="0" i="1" smtClean="0">
+                        <a:latin typeface="Cambria Math" panose="02040503050406030204" pitchFamily="18" charset="0"/>
+                      </a:rPr>
+                      <m:t>⁡(</m:t>
+                    </m:r>
+                    <m:func>
+                      <m:funcPr>
+                        <m:ctrlPr>
+                          <a:rPr lang="de-DE" b="0" i="1" smtClean="0">
+                            <a:latin typeface="Cambria Math" panose="02040503050406030204" pitchFamily="18" charset="0"/>
+                          </a:rPr>
+                        </m:ctrlPr>
+                      </m:funcPr>
+                      <m:fName>
+                        <m:r>
+                          <m:rPr>
+                            <m:sty m:val="p"/>
+                          </m:rPr>
+                          <a:rPr lang="de-DE" b="0" i="0" smtClean="0">
+                            <a:latin typeface="Cambria Math" panose="02040503050406030204" pitchFamily="18" charset="0"/>
+                          </a:rPr>
+                          <m:t>cos</m:t>
+                        </m:r>
+                      </m:fName>
+                      <m:e>
+                        <m:d>
+                          <m:dPr>
+                            <m:ctrlPr>
+                              <a:rPr lang="de-DE" b="0" i="1" smtClean="0">
+                                <a:latin typeface="Cambria Math" panose="02040503050406030204" pitchFamily="18" charset="0"/>
+                              </a:rPr>
+                            </m:ctrlPr>
+                          </m:dPr>
+                          <m:e>
+                            <m:r>
+                              <a:rPr lang="de-DE" b="0" i="1" smtClean="0">
+                                <a:latin typeface="Cambria Math" panose="02040503050406030204" pitchFamily="18" charset="0"/>
+                              </a:rPr>
+                              <m:t>𝑟𝑎𝑑𝑖𝑎𝑛𝑠</m:t>
+                            </m:r>
+                            <m:d>
+                              <m:dPr>
+                                <m:ctrlPr>
+                                  <a:rPr lang="de-DE" b="0" i="1" smtClean="0">
+                                    <a:latin typeface="Cambria Math" panose="02040503050406030204" pitchFamily="18" charset="0"/>
+                                  </a:rPr>
+                                </m:ctrlPr>
+                              </m:dPr>
+                              <m:e>
+                                <m:r>
+                                  <a:rPr lang="de-DE" b="0" i="1" smtClean="0">
+                                    <a:latin typeface="Cambria Math" panose="02040503050406030204" pitchFamily="18" charset="0"/>
+                                  </a:rPr>
+                                  <m:t>52.2</m:t>
+                                </m:r>
+                              </m:e>
+                            </m:d>
+                          </m:e>
+                        </m:d>
+                      </m:e>
+                    </m:func>
+                    <m:r>
+                      <a:rPr lang="de-DE" b="0" i="1" smtClean="0">
+                        <a:latin typeface="Cambria Math" panose="02040503050406030204" pitchFamily="18" charset="0"/>
+                      </a:rPr>
+                      <m:t> </m:t>
+                    </m:r>
+                  </m:oMath>
+                </a14:m>
+                <a:endParaRPr lang="de-DE" b="0" dirty="0"/>
+              </a:p>
+              <a:p>
+                <a:pPr marL="0" indent="0">
+                  <a:buNone/>
+                </a:pPr>
+                <a14:m>
+                  <m:oMathPara xmlns:m="http://schemas.openxmlformats.org/officeDocument/2006/math">
+                    <m:oMathParaPr>
+                      <m:jc m:val="centerGroup"/>
+                    </m:oMathParaPr>
+                    <m:oMath xmlns:m="http://schemas.openxmlformats.org/officeDocument/2006/math">
+                      <m:r>
+                        <a:rPr lang="de-DE" i="1" smtClean="0">
+                          <a:latin typeface="Cambria Math" panose="02040503050406030204" pitchFamily="18" charset="0"/>
+                        </a:rPr>
+                        <m:t>∗</m:t>
+                      </m:r>
+                      <m:func>
+                        <m:funcPr>
+                          <m:ctrlPr>
+                            <a:rPr lang="de-DE" i="1">
+                              <a:latin typeface="Cambria Math" panose="02040503050406030204" pitchFamily="18" charset="0"/>
+                            </a:rPr>
+                          </m:ctrlPr>
+                        </m:funcPr>
+                        <m:fName>
+                          <m:r>
+                            <m:rPr>
+                              <m:sty m:val="p"/>
+                            </m:rPr>
+                            <a:rPr lang="de-DE">
+                              <a:latin typeface="Cambria Math" panose="02040503050406030204" pitchFamily="18" charset="0"/>
+                            </a:rPr>
+                            <m:t>cos</m:t>
+                          </m:r>
+                        </m:fName>
+                        <m:e>
+                          <m:d>
+                            <m:dPr>
+                              <m:ctrlPr>
+                                <a:rPr lang="de-DE" i="1">
+                                  <a:latin typeface="Cambria Math" panose="02040503050406030204" pitchFamily="18" charset="0"/>
+                                </a:rPr>
+                              </m:ctrlPr>
+                            </m:dPr>
+                            <m:e>
+                              <m:r>
+                                <a:rPr lang="de-DE" i="1">
+                                  <a:latin typeface="Cambria Math" panose="02040503050406030204" pitchFamily="18" charset="0"/>
+                                </a:rPr>
+                                <m:t>𝑟𝑎𝑑𝑖𝑎𝑛𝑠</m:t>
+                              </m:r>
+                              <m:d>
+                                <m:dPr>
+                                  <m:ctrlPr>
+                                    <a:rPr lang="de-DE" i="1">
+                                      <a:latin typeface="Cambria Math" panose="02040503050406030204" pitchFamily="18" charset="0"/>
+                                    </a:rPr>
+                                  </m:ctrlPr>
+                                </m:dPr>
+                                <m:e>
+                                  <m:r>
+                                    <a:rPr lang="de-DE" i="1">
+                                      <a:latin typeface="Cambria Math" panose="02040503050406030204" pitchFamily="18" charset="0"/>
+                                    </a:rPr>
+                                    <m:t>𝑙𝑎𝑡𝑖𝑡𝑢𝑑𝑒</m:t>
+                                  </m:r>
+                                </m:e>
+                              </m:d>
+                            </m:e>
+                          </m:d>
+                          <m:r>
+                            <a:rPr lang="de-DE" i="1">
+                              <a:latin typeface="Cambria Math" panose="02040503050406030204" pitchFamily="18" charset="0"/>
+                            </a:rPr>
+                            <m:t>∗</m:t>
+                          </m:r>
+                        </m:e>
+                      </m:func>
+                    </m:oMath>
+                  </m:oMathPara>
+                </a14:m>
+                <a:endParaRPr lang="de-DE" i="1" dirty="0">
+                  <a:latin typeface="Cambria Math" panose="02040503050406030204" pitchFamily="18" charset="0"/>
+                </a:endParaRPr>
+              </a:p>
+              <a:p>
+                <a:pPr marL="0" indent="0">
+                  <a:buNone/>
+                </a:pPr>
+                <a14:m>
+                  <m:oMathPara xmlns:m="http://schemas.openxmlformats.org/officeDocument/2006/math">
+                    <m:oMathParaPr>
+                      <m:jc m:val="centerGroup"/>
+                    </m:oMathParaPr>
+                    <m:oMath xmlns:m="http://schemas.openxmlformats.org/officeDocument/2006/math">
+                      <m:func>
+                        <m:funcPr>
+                          <m:ctrlPr>
+                            <a:rPr lang="de-DE" i="1">
+                              <a:latin typeface="Cambria Math" panose="02040503050406030204" pitchFamily="18" charset="0"/>
+                            </a:rPr>
+                          </m:ctrlPr>
+                        </m:funcPr>
+                        <m:fName>
+                          <m:r>
+                            <m:rPr>
+                              <m:sty m:val="p"/>
+                            </m:rPr>
+                            <a:rPr lang="de-DE">
+                              <a:latin typeface="Cambria Math" panose="02040503050406030204" pitchFamily="18" charset="0"/>
+                            </a:rPr>
+                            <m:t>cos</m:t>
+                          </m:r>
+                        </m:fName>
+                        <m:e>
+                          <m:d>
+                            <m:dPr>
+                              <m:ctrlPr>
+                                <a:rPr lang="de-DE" i="1">
+                                  <a:latin typeface="Cambria Math" panose="02040503050406030204" pitchFamily="18" charset="0"/>
+                                </a:rPr>
+                              </m:ctrlPr>
+                            </m:dPr>
+                            <m:e>
+                              <m:r>
+                                <a:rPr lang="de-DE" i="1">
+                                  <a:latin typeface="Cambria Math" panose="02040503050406030204" pitchFamily="18" charset="0"/>
+                                </a:rPr>
+                                <m:t>𝑟𝑎𝑑𝑖𝑎𝑛𝑠</m:t>
+                              </m:r>
+                              <m:d>
+                                <m:dPr>
+                                  <m:ctrlPr>
+                                    <a:rPr lang="de-DE" i="1">
+                                      <a:latin typeface="Cambria Math" panose="02040503050406030204" pitchFamily="18" charset="0"/>
+                                    </a:rPr>
+                                  </m:ctrlPr>
+                                </m:dPr>
+                                <m:e>
+                                  <m:r>
+                                    <a:rPr lang="de-DE" i="1">
+                                      <a:latin typeface="Cambria Math" panose="02040503050406030204" pitchFamily="18" charset="0"/>
+                                    </a:rPr>
+                                    <m:t>𝑙𝑜𝑛𝑔𝑖𝑡𝑢𝑑𝑒</m:t>
+                                  </m:r>
+                                </m:e>
+                              </m:d>
+                              <m:r>
+                                <a:rPr lang="de-DE" i="1">
+                                  <a:latin typeface="Cambria Math" panose="02040503050406030204" pitchFamily="18" charset="0"/>
+                                </a:rPr>
+                                <m:t>−</m:t>
+                              </m:r>
+                              <m:r>
+                                <a:rPr lang="de-DE" i="1">
+                                  <a:latin typeface="Cambria Math" panose="02040503050406030204" pitchFamily="18" charset="0"/>
+                                </a:rPr>
+                                <m:t>𝑟𝑎𝑑𝑖𝑎𝑛𝑠</m:t>
+                              </m:r>
+                              <m:d>
+                                <m:dPr>
+                                  <m:ctrlPr>
+                                    <a:rPr lang="de-DE" i="1">
+                                      <a:latin typeface="Cambria Math" panose="02040503050406030204" pitchFamily="18" charset="0"/>
+                                    </a:rPr>
+                                  </m:ctrlPr>
+                                </m:dPr>
+                                <m:e>
+                                  <m:r>
+                                    <a:rPr lang="de-DE" i="1">
+                                      <a:latin typeface="Cambria Math" panose="02040503050406030204" pitchFamily="18" charset="0"/>
+                                    </a:rPr>
+                                    <m:t>8.04</m:t>
+                                  </m:r>
+                                </m:e>
+                              </m:d>
+                            </m:e>
+                          </m:d>
+                        </m:e>
+                      </m:func>
+                      <m:r>
+                        <a:rPr lang="de-DE" i="1">
+                          <a:latin typeface="Cambria Math" panose="02040503050406030204" pitchFamily="18" charset="0"/>
+                        </a:rPr>
+                        <m:t>+</m:t>
+                      </m:r>
+                      <m:func>
+                        <m:funcPr>
+                          <m:ctrlPr>
+                            <a:rPr lang="de-DE" i="1">
+                              <a:latin typeface="Cambria Math" panose="02040503050406030204" pitchFamily="18" charset="0"/>
+                            </a:rPr>
+                          </m:ctrlPr>
+                        </m:funcPr>
+                        <m:fName>
+                          <m:r>
+                            <m:rPr>
+                              <m:sty m:val="p"/>
+                            </m:rPr>
+                            <a:rPr lang="de-DE">
+                              <a:latin typeface="Cambria Math" panose="02040503050406030204" pitchFamily="18" charset="0"/>
+                            </a:rPr>
+                            <m:t>sin</m:t>
+                          </m:r>
+                        </m:fName>
+                        <m:e>
+                          <m:d>
+                            <m:dPr>
+                              <m:ctrlPr>
+                                <a:rPr lang="de-DE" i="1">
+                                  <a:latin typeface="Cambria Math" panose="02040503050406030204" pitchFamily="18" charset="0"/>
+                                </a:rPr>
+                              </m:ctrlPr>
+                            </m:dPr>
+                            <m:e>
+                              <m:r>
+                                <a:rPr lang="de-DE" i="1">
+                                  <a:latin typeface="Cambria Math" panose="02040503050406030204" pitchFamily="18" charset="0"/>
+                                </a:rPr>
+                                <m:t>𝑟𝑎𝑑𝑖𝑎𝑛𝑠</m:t>
+                              </m:r>
+                              <m:d>
+                                <m:dPr>
+                                  <m:ctrlPr>
+                                    <a:rPr lang="de-DE" i="1">
+                                      <a:latin typeface="Cambria Math" panose="02040503050406030204" pitchFamily="18" charset="0"/>
+                                    </a:rPr>
+                                  </m:ctrlPr>
+                                </m:dPr>
+                                <m:e>
+                                  <m:r>
+                                    <a:rPr lang="de-DE" i="1">
+                                      <a:latin typeface="Cambria Math" panose="02040503050406030204" pitchFamily="18" charset="0"/>
+                                    </a:rPr>
+                                    <m:t>52.2</m:t>
+                                  </m:r>
+                                </m:e>
+                              </m:d>
+                            </m:e>
+                          </m:d>
+                        </m:e>
+                      </m:func>
+                      <m:r>
+                        <a:rPr lang="de-DE" i="1">
+                          <a:latin typeface="Cambria Math" panose="02040503050406030204" pitchFamily="18" charset="0"/>
+                        </a:rPr>
+                        <m:t>∗</m:t>
+                      </m:r>
+                      <m:r>
+                        <m:rPr>
+                          <m:sty m:val="p"/>
+                        </m:rPr>
+                        <a:rPr lang="de-DE">
+                          <a:latin typeface="Cambria Math" panose="02040503050406030204" pitchFamily="18" charset="0"/>
+                        </a:rPr>
+                        <m:t>sin</m:t>
+                      </m:r>
+                      <m:r>
+                        <a:rPr lang="de-DE" i="1">
+                          <a:latin typeface="Cambria Math" panose="02040503050406030204" pitchFamily="18" charset="0"/>
+                        </a:rPr>
+                        <m:t>⁡(</m:t>
+                      </m:r>
+                      <m:r>
+                        <a:rPr lang="de-DE" i="1">
+                          <a:latin typeface="Cambria Math" panose="02040503050406030204" pitchFamily="18" charset="0"/>
+                        </a:rPr>
+                        <m:t>𝑟𝑎𝑑𝑖𝑎𝑛𝑠</m:t>
+                      </m:r>
+                      <m:d>
+                        <m:dPr>
+                          <m:ctrlPr>
+                            <a:rPr lang="de-DE" i="1">
+                              <a:latin typeface="Cambria Math" panose="02040503050406030204" pitchFamily="18" charset="0"/>
+                            </a:rPr>
+                          </m:ctrlPr>
+                        </m:dPr>
+                        <m:e>
+                          <m:r>
+                            <a:rPr lang="de-DE" i="1">
+                              <a:latin typeface="Cambria Math" panose="02040503050406030204" pitchFamily="18" charset="0"/>
+                            </a:rPr>
+                            <m:t>𝑙𝑎𝑡𝑖𝑡𝑢𝑑𝑒</m:t>
+                          </m:r>
+                        </m:e>
+                      </m:d>
+                      <m:r>
+                        <a:rPr lang="de-DE" i="1">
+                          <a:latin typeface="Cambria Math" panose="02040503050406030204" pitchFamily="18" charset="0"/>
+                        </a:rPr>
+                        <m:t>))</m:t>
+                      </m:r>
+                    </m:oMath>
+                  </m:oMathPara>
+                </a14:m>
+                <a:endParaRPr lang="de-DE" dirty="0"/>
+              </a:p>
+            </p:txBody>
+          </p:sp>
+        </mc:Choice>
+        <mc:Fallback>
+          <p:sp>
+            <p:nvSpPr>
+              <p:cNvPr id="7" name="Inhaltsplatzhalter 6">
+                <a:extLst>
+                  <a:ext uri="{FF2B5EF4-FFF2-40B4-BE49-F238E27FC236}">
+                    <a16:creationId xmlns:a16="http://schemas.microsoft.com/office/drawing/2014/main" id="{39CCA539-79B7-4FF7-96B0-1B36956C4C7A}"/>
+                  </a:ext>
+                </a:extLst>
+              </p:cNvPr>
+              <p:cNvSpPr>
+                <a:spLocks noGrp="1" noRot="1" noChangeAspect="1" noMove="1" noResize="1" noEditPoints="1" noAdjustHandles="1" noChangeArrowheads="1" noChangeShapeType="1" noTextEdit="1"/>
+              </p:cNvSpPr>
+              <p:nvPr>
+                <p:ph sz="half" idx="2"/>
+              </p:nvPr>
+            </p:nvSpPr>
+            <p:spPr>
+              <a:xfrm>
+                <a:off x="7318859" y="2089317"/>
+                <a:ext cx="4521200" cy="3879304"/>
+              </a:xfrm>
+              <a:blipFill>
+                <a:blip r:embed="rId2"/>
+                <a:stretch>
+                  <a:fillRect l="-4453" t="-2830"/>
+                </a:stretch>
+              </a:blipFill>
+            </p:spPr>
+            <p:txBody>
+              <a:bodyPr/>
+              <a:lstStyle/>
+              <a:p>
+                <a:r>
+                  <a:rPr lang="de-DE">
+                    <a:noFill/>
+                  </a:rPr>
+                  <a:t> </a:t>
+                </a:r>
+              </a:p>
+            </p:txBody>
+          </p:sp>
+        </mc:Fallback>
+      </mc:AlternateContent>
+      <p:pic>
+        <p:nvPicPr>
+          <p:cNvPr id="8" name="Grafik 7">
+            <a:extLst>
+              <a:ext uri="{FF2B5EF4-FFF2-40B4-BE49-F238E27FC236}">
+                <a16:creationId xmlns:a16="http://schemas.microsoft.com/office/drawing/2014/main" id="{FC5A4D10-67AD-447C-9C1B-A374FA4BC2C3}"/>
+              </a:ext>
+            </a:extLst>
+          </p:cNvPr>
+          <p:cNvPicPr>
+            <a:picLocks noChangeAspect="1"/>
+          </p:cNvPicPr>
+          <p:nvPr/>
+        </p:nvPicPr>
+        <p:blipFill>
+          <a:blip r:embed="rId3">
+            <a:extLst>
+              <a:ext uri="{28A0092B-C50C-407E-A947-70E740481C1C}">
+                <a14:useLocalDpi xmlns:a14="http://schemas.microsoft.com/office/drawing/2010/main" val="0"/>
+              </a:ext>
+            </a:extLst>
+          </a:blip>
+          <a:stretch>
+            <a:fillRect/>
+          </a:stretch>
+        </p:blipFill>
+        <p:spPr>
+          <a:xfrm>
+            <a:off x="1307433" y="4086918"/>
+            <a:ext cx="4541936" cy="1624661"/>
+          </a:xfrm>
+          <a:prstGeom prst="rect">
+            <a:avLst/>
+          </a:prstGeom>
+        </p:spPr>
+      </p:pic>
+    </p:spTree>
+    <p:extLst>
+      <p:ext uri="{BB962C8B-B14F-4D97-AF65-F5344CB8AC3E}">
+        <p14:creationId xmlns:p14="http://schemas.microsoft.com/office/powerpoint/2010/main" val="2624511971"/>
+      </p:ext>
+    </p:extLst>
+  </p:cSld>
+  <p:clrMapOvr>
+    <a:masterClrMapping/>
+  </p:clrMapOvr>
+  <p:transition>
+    <p:fade/>
+  </p:transition>
+</p:sld>
+</file>
+
+<file path=ppt/slides/slide11.xml><?xml version="1.0" encoding="utf-8"?>
+<p:sld xmlns:a="http://schemas.openxmlformats.org/drawingml/2006/main" xmlns:r="http://schemas.openxmlformats.org/officeDocument/2006/relationships" xmlns:p="http://schemas.openxmlformats.org/presentationml/2006/main">
+  <p:cSld>
+    <p:spTree>
+      <p:nvGrpSpPr>
+        <p:cNvPr id="1" name=""/>
+        <p:cNvGrpSpPr/>
+        <p:nvPr/>
+      </p:nvGrpSpPr>
+      <p:grpSpPr>
+        <a:xfrm>
+          <a:off x="0" y="0"/>
+          <a:ext cx="0" cy="0"/>
+          <a:chOff x="0" y="0"/>
+          <a:chExt cx="0" cy="0"/>
+        </a:xfrm>
+      </p:grpSpPr>
+      <p:sp>
+        <p:nvSpPr>
+          <p:cNvPr id="2" name="Titel 1">
+            <a:extLst>
+              <a:ext uri="{FF2B5EF4-FFF2-40B4-BE49-F238E27FC236}">
+                <a16:creationId xmlns:a16="http://schemas.microsoft.com/office/drawing/2014/main" id="{AFEDBDB3-EB1F-4D56-88AA-389A74F6A870}"/>
+              </a:ext>
+            </a:extLst>
+          </p:cNvPr>
+          <p:cNvSpPr>
+            <a:spLocks noGrp="1"/>
+          </p:cNvSpPr>
+          <p:nvPr>
+            <p:ph type="title"/>
+          </p:nvPr>
+        </p:nvSpPr>
+        <p:spPr/>
+        <p:txBody>
+          <a:bodyPr/>
+          <a:lstStyle/>
+          <a:p>
+            <a:pPr marL="285750" indent="-285750" eaLnBrk="1" hangingPunct="1">
+              <a:lnSpc>
+                <a:spcPct val="150000"/>
+              </a:lnSpc>
+              <a:defRPr/>
+            </a:pPr>
+            <a:r>
+              <a:rPr lang="de-DE" dirty="0"/>
+              <a:t>Java-Datenbank Verbindung</a:t>
+            </a:r>
+          </a:p>
+        </p:txBody>
+      </p:sp>
+      <p:sp>
+        <p:nvSpPr>
+          <p:cNvPr id="5" name="Inhaltsplatzhalter 4">
+            <a:extLst>
+              <a:ext uri="{FF2B5EF4-FFF2-40B4-BE49-F238E27FC236}">
+                <a16:creationId xmlns:a16="http://schemas.microsoft.com/office/drawing/2014/main" id="{390D73EE-249C-4972-8DA8-A1B1F4D45926}"/>
+              </a:ext>
+            </a:extLst>
+          </p:cNvPr>
+          <p:cNvSpPr>
+            <a:spLocks noGrp="1"/>
+          </p:cNvSpPr>
+          <p:nvPr>
+            <p:ph idx="1"/>
+          </p:nvPr>
+        </p:nvSpPr>
+        <p:spPr>
+          <a:xfrm>
+            <a:off x="1639392" y="2132856"/>
+            <a:ext cx="9245600" cy="2304256"/>
+          </a:xfrm>
+        </p:spPr>
+        <p:txBody>
+          <a:bodyPr/>
+          <a:lstStyle/>
+          <a:p>
+            <a:r>
+              <a:rPr lang="de-DE" dirty="0"/>
+              <a:t>Für jede Datenbank gibt es eine API zur Verbindung</a:t>
+            </a:r>
+          </a:p>
+          <a:p>
+            <a:r>
+              <a:rPr lang="de-DE" dirty="0"/>
+              <a:t>Bei Java spricht man diese mit JDBC an.</a:t>
+            </a:r>
+          </a:p>
+          <a:p>
+            <a:r>
+              <a:rPr lang="de-DE" dirty="0"/>
+              <a:t>Aber für jede DB (MS-SQL/MySQL/Oracle) gibt es unterschiedliche JDBC-Versionien für je andere Java-Version die alle unterschiedlich eingerichtet werden müssen (</a:t>
+            </a:r>
+            <a:r>
+              <a:rPr lang="de-DE" dirty="0" err="1"/>
+              <a:t>Classpath</a:t>
+            </a:r>
+            <a:r>
+              <a:rPr lang="de-DE" dirty="0"/>
+              <a:t>)</a:t>
+            </a:r>
+          </a:p>
+        </p:txBody>
+      </p:sp>
+      <p:sp>
+        <p:nvSpPr>
+          <p:cNvPr id="4" name="Textfeld 3">
+            <a:extLst>
+              <a:ext uri="{FF2B5EF4-FFF2-40B4-BE49-F238E27FC236}">
+                <a16:creationId xmlns:a16="http://schemas.microsoft.com/office/drawing/2014/main" id="{75FB5C37-EF4D-45EA-BC58-2EC98C8CE386}"/>
+              </a:ext>
+            </a:extLst>
+          </p:cNvPr>
+          <p:cNvSpPr txBox="1"/>
+          <p:nvPr/>
+        </p:nvSpPr>
+        <p:spPr>
+          <a:xfrm>
+            <a:off x="2135560" y="51684"/>
+            <a:ext cx="7488832" cy="496996"/>
+          </a:xfrm>
+          <a:prstGeom prst="rect">
+            <a:avLst/>
+          </a:prstGeom>
+          <a:noFill/>
+        </p:spPr>
+        <p:txBody>
+          <a:bodyPr wrap="square" rtlCol="0">
+            <a:spAutoFit/>
+          </a:bodyPr>
+          <a:lstStyle/>
+          <a:p>
+            <a:pPr marL="285750" indent="-285750" eaLnBrk="1" hangingPunct="1">
+              <a:lnSpc>
+                <a:spcPct val="150000"/>
+              </a:lnSpc>
+              <a:defRPr/>
+            </a:pPr>
+            <a:r>
+              <a:rPr lang="de-DE" sz="2000" b="1" dirty="0">
+                <a:solidFill>
+                  <a:srgbClr val="980528"/>
+                </a:solidFill>
+              </a:rPr>
+              <a:t>Einzelne Systembestandteile - Datenbank</a:t>
+            </a:r>
+          </a:p>
+        </p:txBody>
+      </p:sp>
+      <p:sp>
+        <p:nvSpPr>
+          <p:cNvPr id="6" name="Inhaltsplatzhalter 4">
+            <a:extLst>
+              <a:ext uri="{FF2B5EF4-FFF2-40B4-BE49-F238E27FC236}">
+                <a16:creationId xmlns:a16="http://schemas.microsoft.com/office/drawing/2014/main" id="{446798CE-DDE8-48A2-881F-4B02FC72CF03}"/>
+              </a:ext>
+            </a:extLst>
+          </p:cNvPr>
+          <p:cNvSpPr txBox="1">
+            <a:spLocks/>
+          </p:cNvSpPr>
+          <p:nvPr/>
+        </p:nvSpPr>
+        <p:spPr bwMode="auto">
+          <a:xfrm>
+            <a:off x="2351584" y="4437112"/>
+            <a:ext cx="9245600" cy="1296144"/>
+          </a:xfrm>
+          <a:prstGeom prst="rect">
+            <a:avLst/>
+          </a:prstGeom>
+          <a:noFill/>
+          <a:ln>
+            <a:noFill/>
+          </a:ln>
+          <a:effectLst/>
+          <a:extLst>
+            <a:ext uri="{909E8E84-426E-40DD-AFC4-6F175D3DCCD1}">
+              <a14:hiddenFill xmlns:a14="http://schemas.microsoft.com/office/drawing/2010/main">
+                <a:solidFill>
+                  <a:schemeClr val="accent1"/>
+                </a:solidFill>
+              </a14:hiddenFill>
+            </a:ext>
+            <a:ext uri="{91240B29-F687-4F45-9708-019B960494DF}">
+              <a14:hiddenLine xmlns:a14="http://schemas.microsoft.com/office/drawing/2010/main" w="9525">
+                <a:solidFill>
+                  <a:schemeClr val="tx1"/>
+                </a:solidFill>
+                <a:miter lim="800000"/>
+                <a:headEnd/>
+                <a:tailEnd/>
+              </a14:hiddenLine>
+            </a:ext>
+            <a:ext uri="{AF507438-7753-43E0-B8FC-AC1667EBCBE1}">
+              <a14:hiddenEffects xmlns:a14="http://schemas.microsoft.com/office/drawing/2010/main">
+                <a:effectLst>
+                  <a:outerShdw dist="35921" dir="2700000" algn="ctr" rotWithShape="0">
+                    <a:schemeClr val="bg2"/>
+                  </a:outerShdw>
+                </a:effectLst>
+              </a14:hiddenEffects>
+            </a:ext>
+          </a:extLst>
+        </p:spPr>
+        <p:txBody>
+          <a:bodyPr vert="horz" wrap="square" lIns="0" tIns="0" rIns="0" bIns="0" numCol="1" anchor="t" anchorCtr="0" compatLnSpc="1">
+            <a:prstTxWarp prst="textNoShape">
+              <a:avLst/>
+            </a:prstTxWarp>
+          </a:bodyPr>
+          <a:lstStyle>
+            <a:lvl1pPr marL="342900" indent="-342900" algn="l" rtl="0" eaLnBrk="0" fontAlgn="base" hangingPunct="0">
+              <a:spcBef>
+                <a:spcPct val="20000"/>
+              </a:spcBef>
+              <a:spcAft>
+                <a:spcPct val="0"/>
+              </a:spcAft>
+              <a:buClr>
+                <a:schemeClr val="accent2"/>
+              </a:buClr>
+              <a:buFont typeface="Wingdings" panose="05000000000000000000" pitchFamily="2" charset="2"/>
+              <a:buChar char="§"/>
+              <a:defRPr sz="2400">
+                <a:solidFill>
+                  <a:schemeClr val="tx1"/>
+                </a:solidFill>
+                <a:latin typeface="+mn-lt"/>
+                <a:ea typeface="+mn-ea"/>
+                <a:cs typeface="+mn-cs"/>
+              </a:defRPr>
+            </a:lvl1pPr>
+            <a:lvl2pPr marL="742950" indent="-285750" algn="l" rtl="0" eaLnBrk="0" fontAlgn="base" hangingPunct="0">
+              <a:spcBef>
+                <a:spcPct val="20000"/>
+              </a:spcBef>
+              <a:spcAft>
+                <a:spcPct val="0"/>
+              </a:spcAft>
+              <a:buClr>
+                <a:schemeClr val="accent2"/>
+              </a:buClr>
+              <a:buFont typeface="Wingdings" panose="05000000000000000000" pitchFamily="2" charset="2"/>
+              <a:buChar char="§"/>
+              <a:defRPr sz="2000">
+                <a:solidFill>
+                  <a:schemeClr val="tx1"/>
+                </a:solidFill>
+                <a:latin typeface="+mn-lt"/>
+              </a:defRPr>
+            </a:lvl2pPr>
+            <a:lvl3pPr marL="1143000" indent="-228600" algn="l" rtl="0" eaLnBrk="0" fontAlgn="base" hangingPunct="0">
+              <a:spcBef>
+                <a:spcPct val="20000"/>
+              </a:spcBef>
+              <a:spcAft>
+                <a:spcPct val="0"/>
+              </a:spcAft>
+              <a:buClr>
+                <a:schemeClr val="accent2"/>
+              </a:buClr>
+              <a:buFont typeface="Wingdings" panose="05000000000000000000" pitchFamily="2" charset="2"/>
+              <a:buChar char="§"/>
+              <a:defRPr>
+                <a:solidFill>
+                  <a:schemeClr val="tx1"/>
+                </a:solidFill>
+                <a:latin typeface="+mn-lt"/>
+              </a:defRPr>
+            </a:lvl3pPr>
+            <a:lvl4pPr marL="1600200" indent="-228600" algn="l" rtl="0" eaLnBrk="0" fontAlgn="base" hangingPunct="0">
+              <a:spcBef>
+                <a:spcPct val="20000"/>
+              </a:spcBef>
+              <a:spcAft>
+                <a:spcPct val="0"/>
+              </a:spcAft>
+              <a:buClr>
+                <a:schemeClr val="accent2"/>
+              </a:buClr>
+              <a:buFont typeface="Wingdings" panose="05000000000000000000" pitchFamily="2" charset="2"/>
+              <a:buChar char="§"/>
+              <a:defRPr sz="1400">
+                <a:solidFill>
+                  <a:schemeClr val="tx1"/>
+                </a:solidFill>
+                <a:latin typeface="+mn-lt"/>
+              </a:defRPr>
+            </a:lvl4pPr>
+            <a:lvl5pPr marL="2057400" indent="-228600" algn="l" rtl="0" eaLnBrk="0" fontAlgn="base" hangingPunct="0">
+              <a:spcBef>
+                <a:spcPct val="20000"/>
+              </a:spcBef>
+              <a:spcAft>
+                <a:spcPct val="0"/>
+              </a:spcAft>
+              <a:buClr>
+                <a:schemeClr val="accent2"/>
+              </a:buClr>
+              <a:buFont typeface="Wingdings" panose="05000000000000000000" pitchFamily="2" charset="2"/>
+              <a:buChar char="§"/>
+              <a:defRPr sz="1400">
+                <a:solidFill>
+                  <a:schemeClr val="tx1"/>
+                </a:solidFill>
+                <a:latin typeface="+mn-lt"/>
+              </a:defRPr>
+            </a:lvl5pPr>
+            <a:lvl6pPr marL="2514600" indent="-228600" algn="l" rtl="0" fontAlgn="base">
+              <a:spcBef>
+                <a:spcPct val="20000"/>
+              </a:spcBef>
+              <a:spcAft>
+                <a:spcPct val="0"/>
+              </a:spcAft>
+              <a:buClr>
+                <a:schemeClr val="accent2"/>
+              </a:buClr>
+              <a:buFont typeface="Wingdings" pitchFamily="-32" charset="2"/>
+              <a:buChar char="§"/>
+              <a:defRPr sz="1400">
+                <a:solidFill>
+                  <a:schemeClr val="tx1"/>
+                </a:solidFill>
+                <a:latin typeface="+mn-lt"/>
+              </a:defRPr>
+            </a:lvl6pPr>
+            <a:lvl7pPr marL="2971800" indent="-228600" algn="l" rtl="0" fontAlgn="base">
+              <a:spcBef>
+                <a:spcPct val="20000"/>
+              </a:spcBef>
+              <a:spcAft>
+                <a:spcPct val="0"/>
+              </a:spcAft>
+              <a:buClr>
+                <a:schemeClr val="accent2"/>
+              </a:buClr>
+              <a:buFont typeface="Wingdings" pitchFamily="-32" charset="2"/>
+              <a:buChar char="§"/>
+              <a:defRPr sz="1400">
+                <a:solidFill>
+                  <a:schemeClr val="tx1"/>
+                </a:solidFill>
+                <a:latin typeface="+mn-lt"/>
+              </a:defRPr>
+            </a:lvl7pPr>
+            <a:lvl8pPr marL="3429000" indent="-228600" algn="l" rtl="0" fontAlgn="base">
+              <a:spcBef>
+                <a:spcPct val="20000"/>
+              </a:spcBef>
+              <a:spcAft>
+                <a:spcPct val="0"/>
+              </a:spcAft>
+              <a:buClr>
+                <a:schemeClr val="accent2"/>
+              </a:buClr>
+              <a:buFont typeface="Wingdings" pitchFamily="-32" charset="2"/>
+              <a:buChar char="§"/>
+              <a:defRPr sz="1400">
+                <a:solidFill>
+                  <a:schemeClr val="tx1"/>
+                </a:solidFill>
+                <a:latin typeface="+mn-lt"/>
+              </a:defRPr>
+            </a:lvl8pPr>
+            <a:lvl9pPr marL="3886200" indent="-228600" algn="l" rtl="0" fontAlgn="base">
+              <a:spcBef>
+                <a:spcPct val="20000"/>
+              </a:spcBef>
+              <a:spcAft>
+                <a:spcPct val="0"/>
+              </a:spcAft>
+              <a:buClr>
+                <a:schemeClr val="accent2"/>
+              </a:buClr>
+              <a:buFont typeface="Wingdings" pitchFamily="-32" charset="2"/>
+              <a:buChar char="§"/>
+              <a:defRPr sz="1400">
+                <a:solidFill>
+                  <a:schemeClr val="tx1"/>
+                </a:solidFill>
+                <a:latin typeface="+mn-lt"/>
+              </a:defRPr>
+            </a:lvl9pPr>
+          </a:lstStyle>
+          <a:p>
+            <a:r>
+              <a:rPr lang="de-DE" kern="0" dirty="0"/>
+              <a:t>Nutzung von Maven/</a:t>
+            </a:r>
+            <a:r>
+              <a:rPr lang="de-DE" kern="0" dirty="0" err="1"/>
+              <a:t>Gradle</a:t>
+            </a:r>
+            <a:endParaRPr lang="de-DE" kern="0" dirty="0"/>
+          </a:p>
+          <a:p>
+            <a:r>
+              <a:rPr lang="de-DE" kern="0" dirty="0"/>
+              <a:t>JDBC liefert dann ein Set mit allen Tabellenzeilen für die Query zurück </a:t>
+            </a:r>
+          </a:p>
+        </p:txBody>
+      </p:sp>
+      <p:sp>
+        <p:nvSpPr>
+          <p:cNvPr id="11" name="Pfeil: nach rechts 10">
+            <a:extLst>
+              <a:ext uri="{FF2B5EF4-FFF2-40B4-BE49-F238E27FC236}">
+                <a16:creationId xmlns:a16="http://schemas.microsoft.com/office/drawing/2014/main" id="{6FD69CCE-F4EA-4102-AD61-D9CF28807BC6}"/>
+              </a:ext>
+            </a:extLst>
+          </p:cNvPr>
+          <p:cNvSpPr/>
+          <p:nvPr/>
+        </p:nvSpPr>
+        <p:spPr bwMode="auto">
+          <a:xfrm>
+            <a:off x="839416" y="4725144"/>
+            <a:ext cx="1008112" cy="576064"/>
+          </a:xfrm>
+          <a:prstGeom prst="rightArrow">
+            <a:avLst>
+              <a:gd name="adj1" fmla="val 42194"/>
+              <a:gd name="adj2" fmla="val 44052"/>
+            </a:avLst>
+          </a:prstGeom>
+          <a:solidFill>
+            <a:srgbClr val="980528"/>
+          </a:solidFill>
+          <a:ln>
+            <a:solidFill>
+              <a:srgbClr val="800000"/>
+            </a:solidFill>
+          </a:ln>
+          <a:effectLst/>
+          <a:extLst/>
+        </p:spPr>
+        <p:txBody>
+          <a:bodyPr vert="horz" wrap="square" lIns="0" tIns="0" rIns="0" bIns="0" numCol="1" rtlCol="0" anchor="ctr" anchorCtr="0" compatLnSpc="1">
+            <a:prstTxWarp prst="textNoShape">
+              <a:avLst/>
+            </a:prstTxWarp>
+          </a:bodyPr>
+          <a:lstStyle/>
+          <a:p>
+            <a:pPr marL="0" marR="0" indent="0" algn="ctr" defTabSz="914400" rtl="0" eaLnBrk="1" fontAlgn="base" latinLnBrk="0" hangingPunct="1">
+              <a:lnSpc>
+                <a:spcPct val="100000"/>
+              </a:lnSpc>
+              <a:spcBef>
+                <a:spcPct val="0"/>
+              </a:spcBef>
+              <a:spcAft>
+                <a:spcPct val="0"/>
+              </a:spcAft>
+              <a:buClrTx/>
+              <a:buSzTx/>
+              <a:buFontTx/>
+              <a:buNone/>
+              <a:tabLst/>
+            </a:pPr>
+            <a:endParaRPr kumimoji="0" lang="de-DE" sz="1100" b="0" i="0" u="none" strike="noStrike" cap="none" normalizeH="0" baseline="0">
+              <a:ln>
+                <a:noFill/>
+              </a:ln>
+              <a:solidFill>
+                <a:schemeClr val="tx1"/>
+              </a:solidFill>
+              <a:effectLst/>
+              <a:latin typeface="Arial" charset="0"/>
+            </a:endParaRPr>
+          </a:p>
+        </p:txBody>
+      </p:sp>
+    </p:spTree>
+    <p:extLst>
+      <p:ext uri="{BB962C8B-B14F-4D97-AF65-F5344CB8AC3E}">
+        <p14:creationId xmlns:p14="http://schemas.microsoft.com/office/powerpoint/2010/main" val="3953576284"/>
+      </p:ext>
+    </p:extLst>
+  </p:cSld>
+  <p:clrMapOvr>
+    <a:masterClrMapping/>
+  </p:clrMapOvr>
+  <p:transition>
+    <p:fade/>
+  </p:transition>
+</p:sld>
+</file>
+
+<file path=ppt/slides/slide12.xml><?xml version="1.0" encoding="utf-8"?>
+<p:sld xmlns:a="http://schemas.openxmlformats.org/drawingml/2006/main" xmlns:r="http://schemas.openxmlformats.org/officeDocument/2006/relationships" xmlns:p="http://schemas.openxmlformats.org/presentationml/2006/main">
+  <p:cSld>
+    <p:spTree>
+      <p:nvGrpSpPr>
+        <p:cNvPr id="1" name=""/>
+        <p:cNvGrpSpPr/>
+        <p:nvPr/>
+      </p:nvGrpSpPr>
+      <p:grpSpPr>
+        <a:xfrm>
+          <a:off x="0" y="0"/>
+          <a:ext cx="0" cy="0"/>
+          <a:chOff x="0" y="0"/>
+          <a:chExt cx="0" cy="0"/>
+        </a:xfrm>
+      </p:grpSpPr>
+      <p:sp>
+        <p:nvSpPr>
+          <p:cNvPr id="2" name="Titel 1">
+            <a:extLst>
+              <a:ext uri="{FF2B5EF4-FFF2-40B4-BE49-F238E27FC236}">
+                <a16:creationId xmlns:a16="http://schemas.microsoft.com/office/drawing/2014/main" id="{AFEDBDB3-EB1F-4D56-88AA-389A74F6A870}"/>
+              </a:ext>
+            </a:extLst>
+          </p:cNvPr>
+          <p:cNvSpPr>
+            <a:spLocks noGrp="1"/>
+          </p:cNvSpPr>
+          <p:nvPr>
+            <p:ph type="title"/>
+          </p:nvPr>
+        </p:nvSpPr>
+        <p:spPr/>
+        <p:txBody>
+          <a:bodyPr/>
+          <a:lstStyle/>
+          <a:p>
+            <a:pPr marL="285750" indent="-285750" eaLnBrk="1" hangingPunct="1">
+              <a:lnSpc>
+                <a:spcPct val="150000"/>
+              </a:lnSpc>
+              <a:defRPr/>
+            </a:pPr>
+            <a:endParaRPr lang="de-DE" dirty="0"/>
+          </a:p>
+        </p:txBody>
+      </p:sp>
+      <p:sp>
+        <p:nvSpPr>
+          <p:cNvPr id="3" name="Inhaltsplatzhalter 2">
+            <a:extLst>
+              <a:ext uri="{FF2B5EF4-FFF2-40B4-BE49-F238E27FC236}">
+                <a16:creationId xmlns:a16="http://schemas.microsoft.com/office/drawing/2014/main" id="{D0198355-1BBB-4856-9C60-4FCF17E4DD44}"/>
+              </a:ext>
+            </a:extLst>
+          </p:cNvPr>
+          <p:cNvSpPr>
+            <a:spLocks noGrp="1"/>
+          </p:cNvSpPr>
+          <p:nvPr>
+            <p:ph idx="1"/>
+          </p:nvPr>
+        </p:nvSpPr>
+        <p:spPr/>
+        <p:txBody>
+          <a:bodyPr/>
+          <a:lstStyle/>
+          <a:p>
+            <a:endParaRPr lang="de-DE" dirty="0"/>
+          </a:p>
+        </p:txBody>
+      </p:sp>
+      <p:sp>
+        <p:nvSpPr>
+          <p:cNvPr id="4" name="Textfeld 3">
+            <a:extLst>
+              <a:ext uri="{FF2B5EF4-FFF2-40B4-BE49-F238E27FC236}">
+                <a16:creationId xmlns:a16="http://schemas.microsoft.com/office/drawing/2014/main" id="{75FB5C37-EF4D-45EA-BC58-2EC98C8CE386}"/>
+              </a:ext>
+            </a:extLst>
+          </p:cNvPr>
+          <p:cNvSpPr txBox="1"/>
+          <p:nvPr/>
+        </p:nvSpPr>
+        <p:spPr>
+          <a:xfrm>
+            <a:off x="2135560" y="51684"/>
+            <a:ext cx="7488832" cy="496996"/>
+          </a:xfrm>
+          <a:prstGeom prst="rect">
+            <a:avLst/>
+          </a:prstGeom>
+          <a:noFill/>
+        </p:spPr>
+        <p:txBody>
+          <a:bodyPr wrap="square" rtlCol="0">
+            <a:spAutoFit/>
+          </a:bodyPr>
+          <a:lstStyle/>
+          <a:p>
+            <a:pPr marL="285750" indent="-285750" eaLnBrk="1" hangingPunct="1">
+              <a:lnSpc>
+                <a:spcPct val="150000"/>
+              </a:lnSpc>
+              <a:defRPr/>
+            </a:pPr>
+            <a:r>
+              <a:rPr lang="de-DE" sz="2000" b="1" dirty="0">
+                <a:solidFill>
+                  <a:srgbClr val="980528"/>
+                </a:solidFill>
+              </a:rPr>
+              <a:t>Einzelne Systembestandteile – LBR Server</a:t>
+            </a:r>
+          </a:p>
+        </p:txBody>
+      </p:sp>
+    </p:spTree>
+    <p:extLst>
+      <p:ext uri="{BB962C8B-B14F-4D97-AF65-F5344CB8AC3E}">
+        <p14:creationId xmlns:p14="http://schemas.microsoft.com/office/powerpoint/2010/main" val="2129902250"/>
+      </p:ext>
+    </p:extLst>
+  </p:cSld>
+  <p:clrMapOvr>
+    <a:masterClrMapping/>
+  </p:clrMapOvr>
+  <p:transition>
+    <p:fade/>
+  </p:transition>
+</p:sld>
+</file>
+
+<file path=ppt/slides/slide13.xml><?xml version="1.0" encoding="utf-8"?>
+<p:sld xmlns:a="http://schemas.openxmlformats.org/drawingml/2006/main" xmlns:r="http://schemas.openxmlformats.org/officeDocument/2006/relationships" xmlns:p="http://schemas.openxmlformats.org/presentationml/2006/main">
+  <p:cSld>
+    <p:spTree>
+      <p:nvGrpSpPr>
+        <p:cNvPr id="1" name=""/>
+        <p:cNvGrpSpPr/>
+        <p:nvPr/>
+      </p:nvGrpSpPr>
+      <p:grpSpPr>
+        <a:xfrm>
+          <a:off x="0" y="0"/>
+          <a:ext cx="0" cy="0"/>
+          <a:chOff x="0" y="0"/>
+          <a:chExt cx="0" cy="0"/>
+        </a:xfrm>
+      </p:grpSpPr>
+      <p:sp>
+        <p:nvSpPr>
+          <p:cNvPr id="2" name="Titel 1">
+            <a:extLst>
+              <a:ext uri="{FF2B5EF4-FFF2-40B4-BE49-F238E27FC236}">
+                <a16:creationId xmlns:a16="http://schemas.microsoft.com/office/drawing/2014/main" id="{AFEDBDB3-EB1F-4D56-88AA-389A74F6A870}"/>
+              </a:ext>
+            </a:extLst>
+          </p:cNvPr>
+          <p:cNvSpPr>
+            <a:spLocks noGrp="1"/>
+          </p:cNvSpPr>
+          <p:nvPr>
+            <p:ph type="title"/>
+          </p:nvPr>
+        </p:nvSpPr>
+        <p:spPr/>
+        <p:txBody>
+          <a:bodyPr/>
+          <a:lstStyle/>
+          <a:p>
+            <a:pPr marL="285750" indent="-285750" eaLnBrk="1" hangingPunct="1">
+              <a:lnSpc>
+                <a:spcPct val="150000"/>
+              </a:lnSpc>
+              <a:defRPr/>
+            </a:pPr>
+            <a:endParaRPr lang="de-DE" dirty="0"/>
+          </a:p>
+        </p:txBody>
+      </p:sp>
+      <p:sp>
+        <p:nvSpPr>
+          <p:cNvPr id="3" name="Inhaltsplatzhalter 2">
+            <a:extLst>
+              <a:ext uri="{FF2B5EF4-FFF2-40B4-BE49-F238E27FC236}">
+                <a16:creationId xmlns:a16="http://schemas.microsoft.com/office/drawing/2014/main" id="{D0198355-1BBB-4856-9C60-4FCF17E4DD44}"/>
+              </a:ext>
+            </a:extLst>
+          </p:cNvPr>
+          <p:cNvSpPr>
+            <a:spLocks noGrp="1"/>
+          </p:cNvSpPr>
+          <p:nvPr>
+            <p:ph idx="1"/>
+          </p:nvPr>
+        </p:nvSpPr>
+        <p:spPr/>
+        <p:txBody>
+          <a:bodyPr/>
+          <a:lstStyle/>
+          <a:p>
+            <a:endParaRPr lang="de-DE" dirty="0"/>
+          </a:p>
+        </p:txBody>
+      </p:sp>
+      <p:sp>
+        <p:nvSpPr>
+          <p:cNvPr id="4" name="Textfeld 3">
+            <a:extLst>
+              <a:ext uri="{FF2B5EF4-FFF2-40B4-BE49-F238E27FC236}">
+                <a16:creationId xmlns:a16="http://schemas.microsoft.com/office/drawing/2014/main" id="{75FB5C37-EF4D-45EA-BC58-2EC98C8CE386}"/>
+              </a:ext>
+            </a:extLst>
+          </p:cNvPr>
+          <p:cNvSpPr txBox="1"/>
+          <p:nvPr/>
+        </p:nvSpPr>
+        <p:spPr>
+          <a:xfrm>
+            <a:off x="2135560" y="51684"/>
+            <a:ext cx="7488832" cy="496996"/>
+          </a:xfrm>
+          <a:prstGeom prst="rect">
+            <a:avLst/>
+          </a:prstGeom>
+          <a:noFill/>
+        </p:spPr>
+        <p:txBody>
+          <a:bodyPr wrap="square" rtlCol="0">
+            <a:spAutoFit/>
+          </a:bodyPr>
+          <a:lstStyle/>
+          <a:p>
+            <a:pPr marL="285750" indent="-285750" eaLnBrk="1" hangingPunct="1">
+              <a:lnSpc>
+                <a:spcPct val="150000"/>
+              </a:lnSpc>
+              <a:defRPr/>
+            </a:pPr>
+            <a:r>
+              <a:rPr lang="de-DE" sz="2000" b="1" dirty="0">
+                <a:solidFill>
+                  <a:srgbClr val="980528"/>
+                </a:solidFill>
+              </a:rPr>
+              <a:t>Einzelne Systembestandteile - CSI</a:t>
+            </a:r>
+          </a:p>
+        </p:txBody>
+      </p:sp>
+    </p:spTree>
+    <p:extLst>
+      <p:ext uri="{BB962C8B-B14F-4D97-AF65-F5344CB8AC3E}">
+        <p14:creationId xmlns:p14="http://schemas.microsoft.com/office/powerpoint/2010/main" val="82512363"/>
+      </p:ext>
+    </p:extLst>
+  </p:cSld>
+  <p:clrMapOvr>
+    <a:masterClrMapping/>
+  </p:clrMapOvr>
+  <p:transition>
+    <p:fade/>
+  </p:transition>
+</p:sld>
+</file>
+
+<file path=ppt/slides/slide14.xml><?xml version="1.0" encoding="utf-8"?>
+<p:sld xmlns:a="http://schemas.openxmlformats.org/drawingml/2006/main" xmlns:r="http://schemas.openxmlformats.org/officeDocument/2006/relationships" xmlns:p="http://schemas.openxmlformats.org/presentationml/2006/main">
+  <p:cSld>
+    <p:spTree>
+      <p:nvGrpSpPr>
+        <p:cNvPr id="1" name=""/>
+        <p:cNvGrpSpPr/>
+        <p:nvPr/>
+      </p:nvGrpSpPr>
+      <p:grpSpPr>
+        <a:xfrm>
+          <a:off x="0" y="0"/>
+          <a:ext cx="0" cy="0"/>
+          <a:chOff x="0" y="0"/>
+          <a:chExt cx="0" cy="0"/>
+        </a:xfrm>
+      </p:grpSpPr>
+      <p:sp>
+        <p:nvSpPr>
+          <p:cNvPr id="2" name="Titel 1">
+            <a:extLst>
+              <a:ext uri="{FF2B5EF4-FFF2-40B4-BE49-F238E27FC236}">
+                <a16:creationId xmlns:a16="http://schemas.microsoft.com/office/drawing/2014/main" id="{AFEDBDB3-EB1F-4D56-88AA-389A74F6A870}"/>
+              </a:ext>
+            </a:extLst>
+          </p:cNvPr>
+          <p:cNvSpPr>
+            <a:spLocks noGrp="1"/>
+          </p:cNvSpPr>
+          <p:nvPr>
+            <p:ph type="title"/>
+          </p:nvPr>
+        </p:nvSpPr>
+        <p:spPr/>
+        <p:txBody>
+          <a:bodyPr/>
+          <a:lstStyle/>
+          <a:p>
+            <a:pPr marL="285750" indent="-285750" eaLnBrk="1" hangingPunct="1">
+              <a:lnSpc>
+                <a:spcPct val="150000"/>
+              </a:lnSpc>
+              <a:defRPr/>
+            </a:pPr>
+            <a:endParaRPr lang="de-DE" dirty="0"/>
+          </a:p>
+        </p:txBody>
+      </p:sp>
+      <p:sp>
+        <p:nvSpPr>
+          <p:cNvPr id="3" name="Inhaltsplatzhalter 2">
+            <a:extLst>
+              <a:ext uri="{FF2B5EF4-FFF2-40B4-BE49-F238E27FC236}">
+                <a16:creationId xmlns:a16="http://schemas.microsoft.com/office/drawing/2014/main" id="{D0198355-1BBB-4856-9C60-4FCF17E4DD44}"/>
+              </a:ext>
+            </a:extLst>
+          </p:cNvPr>
+          <p:cNvSpPr>
+            <a:spLocks noGrp="1"/>
+          </p:cNvSpPr>
+          <p:nvPr>
+            <p:ph idx="1"/>
+          </p:nvPr>
+        </p:nvSpPr>
+        <p:spPr/>
+        <p:txBody>
+          <a:bodyPr/>
+          <a:lstStyle/>
+          <a:p>
+            <a:endParaRPr lang="de-DE" dirty="0"/>
+          </a:p>
+        </p:txBody>
+      </p:sp>
+      <p:sp>
+        <p:nvSpPr>
+          <p:cNvPr id="4" name="Textfeld 3">
+            <a:extLst>
+              <a:ext uri="{FF2B5EF4-FFF2-40B4-BE49-F238E27FC236}">
+                <a16:creationId xmlns:a16="http://schemas.microsoft.com/office/drawing/2014/main" id="{75FB5C37-EF4D-45EA-BC58-2EC98C8CE386}"/>
+              </a:ext>
+            </a:extLst>
+          </p:cNvPr>
+          <p:cNvSpPr txBox="1"/>
+          <p:nvPr/>
+        </p:nvSpPr>
+        <p:spPr>
+          <a:xfrm>
+            <a:off x="2135560" y="51684"/>
+            <a:ext cx="7488832" cy="496996"/>
+          </a:xfrm>
+          <a:prstGeom prst="rect">
+            <a:avLst/>
+          </a:prstGeom>
+          <a:noFill/>
+        </p:spPr>
+        <p:txBody>
+          <a:bodyPr wrap="square" rtlCol="0">
+            <a:spAutoFit/>
+          </a:bodyPr>
+          <a:lstStyle/>
+          <a:p>
+            <a:pPr marL="285750" indent="-285750" eaLnBrk="1" hangingPunct="1">
+              <a:lnSpc>
+                <a:spcPct val="150000"/>
+              </a:lnSpc>
+              <a:defRPr/>
+            </a:pPr>
+            <a:r>
+              <a:rPr lang="de-DE" sz="2000" b="1" dirty="0">
+                <a:solidFill>
+                  <a:srgbClr val="980528"/>
+                </a:solidFill>
+              </a:rPr>
+              <a:t>Einzelne Systembestandteile - APP</a:t>
+            </a:r>
+          </a:p>
+        </p:txBody>
+      </p:sp>
+    </p:spTree>
+    <p:extLst>
+      <p:ext uri="{BB962C8B-B14F-4D97-AF65-F5344CB8AC3E}">
+        <p14:creationId xmlns:p14="http://schemas.microsoft.com/office/powerpoint/2010/main" val="2679431194"/>
+      </p:ext>
+    </p:extLst>
+  </p:cSld>
+  <p:clrMapOvr>
+    <a:masterClrMapping/>
+  </p:clrMapOvr>
+  <p:transition>
+    <p:fade/>
+  </p:transition>
+</p:sld>
+</file>
+
+<file path=ppt/slides/slide15.xml><?xml version="1.0" encoding="utf-8"?>
+<p:sld xmlns:a="http://schemas.openxmlformats.org/drawingml/2006/main" xmlns:r="http://schemas.openxmlformats.org/officeDocument/2006/relationships" xmlns:p="http://schemas.openxmlformats.org/presentationml/2006/main">
+  <p:cSld>
+    <p:spTree>
+      <p:nvGrpSpPr>
+        <p:cNvPr id="1" name=""/>
+        <p:cNvGrpSpPr/>
+        <p:nvPr/>
+      </p:nvGrpSpPr>
+      <p:grpSpPr>
+        <a:xfrm>
+          <a:off x="0" y="0"/>
+          <a:ext cx="0" cy="0"/>
+          <a:chOff x="0" y="0"/>
+          <a:chExt cx="0" cy="0"/>
+        </a:xfrm>
+      </p:grpSpPr>
+      <p:sp>
+        <p:nvSpPr>
+          <p:cNvPr id="2" name="Titel 1">
+            <a:extLst>
+              <a:ext uri="{FF2B5EF4-FFF2-40B4-BE49-F238E27FC236}">
+                <a16:creationId xmlns:a16="http://schemas.microsoft.com/office/drawing/2014/main" id="{AFEDBDB3-EB1F-4D56-88AA-389A74F6A870}"/>
+              </a:ext>
+            </a:extLst>
+          </p:cNvPr>
+          <p:cNvSpPr>
+            <a:spLocks noGrp="1"/>
+          </p:cNvSpPr>
+          <p:nvPr>
+            <p:ph type="title"/>
+          </p:nvPr>
+        </p:nvSpPr>
+        <p:spPr>
+          <a:xfrm>
+            <a:off x="623392" y="1052736"/>
+            <a:ext cx="10261600" cy="762000"/>
+          </a:xfrm>
+        </p:spPr>
+        <p:txBody>
+          <a:bodyPr/>
+          <a:lstStyle/>
+          <a:p>
+            <a:pPr marL="285750" indent="-285750" eaLnBrk="1" hangingPunct="1">
+              <a:lnSpc>
+                <a:spcPct val="150000"/>
+              </a:lnSpc>
+              <a:defRPr/>
+            </a:pPr>
+            <a:r>
+              <a:rPr lang="de-DE" dirty="0"/>
+              <a:t>Probleme bei der Entwicklung</a:t>
+            </a:r>
+          </a:p>
+        </p:txBody>
+      </p:sp>
+      <p:sp>
+        <p:nvSpPr>
+          <p:cNvPr id="3" name="Inhaltsplatzhalter 2">
+            <a:extLst>
+              <a:ext uri="{FF2B5EF4-FFF2-40B4-BE49-F238E27FC236}">
+                <a16:creationId xmlns:a16="http://schemas.microsoft.com/office/drawing/2014/main" id="{D0198355-1BBB-4856-9C60-4FCF17E4DD44}"/>
+              </a:ext>
+            </a:extLst>
+          </p:cNvPr>
+          <p:cNvSpPr>
+            <a:spLocks noGrp="1"/>
+          </p:cNvSpPr>
+          <p:nvPr>
+            <p:ph idx="1"/>
+          </p:nvPr>
+        </p:nvSpPr>
+        <p:spPr/>
+        <p:txBody>
+          <a:bodyPr/>
+          <a:lstStyle/>
+          <a:p>
+            <a:r>
+              <a:rPr lang="de-DE" dirty="0"/>
+              <a:t>DNS für Erreichbarkeit aus dem Netz und Hardware für Dauerbetrieb.</a:t>
+            </a:r>
+          </a:p>
+          <a:p>
+            <a:r>
+              <a:rPr lang="de-DE" dirty="0"/>
+              <a:t>Kostenpflichtige </a:t>
+            </a:r>
+            <a:r>
+              <a:rPr lang="de-DE" dirty="0" err="1"/>
+              <a:t>API‘s</a:t>
+            </a:r>
+            <a:r>
+              <a:rPr lang="de-DE" dirty="0"/>
+              <a:t> (Google Maps).</a:t>
+            </a:r>
+          </a:p>
+          <a:p>
+            <a:r>
+              <a:rPr lang="de-DE" dirty="0"/>
+              <a:t>Zu Umfangreiche und zu viele Frameworks mit lange Dokus. Erschwert Überblick und beansprucht Zeit zum einlesen.</a:t>
+            </a:r>
+          </a:p>
+          <a:p>
+            <a:r>
+              <a:rPr lang="de-DE" dirty="0"/>
+              <a:t>Unbekannte Tools/IDE‘s</a:t>
+            </a:r>
+          </a:p>
+          <a:p>
+            <a:r>
+              <a:rPr lang="de-DE" dirty="0"/>
+              <a:t>Inkompatible Datentypen</a:t>
+            </a:r>
+          </a:p>
+        </p:txBody>
+      </p:sp>
+      <p:sp>
+        <p:nvSpPr>
+          <p:cNvPr id="4" name="Textfeld 3">
+            <a:extLst>
+              <a:ext uri="{FF2B5EF4-FFF2-40B4-BE49-F238E27FC236}">
+                <a16:creationId xmlns:a16="http://schemas.microsoft.com/office/drawing/2014/main" id="{75FB5C37-EF4D-45EA-BC58-2EC98C8CE386}"/>
+              </a:ext>
+            </a:extLst>
+          </p:cNvPr>
+          <p:cNvSpPr txBox="1"/>
+          <p:nvPr/>
+        </p:nvSpPr>
+        <p:spPr>
+          <a:xfrm>
+            <a:off x="2135560" y="51684"/>
+            <a:ext cx="7488832" cy="496996"/>
+          </a:xfrm>
+          <a:prstGeom prst="rect">
+            <a:avLst/>
+          </a:prstGeom>
+          <a:noFill/>
+        </p:spPr>
+        <p:txBody>
+          <a:bodyPr wrap="square" rtlCol="0">
+            <a:spAutoFit/>
+          </a:bodyPr>
+          <a:lstStyle/>
+          <a:p>
+            <a:pPr marL="285750" indent="-285750" eaLnBrk="1" hangingPunct="1">
+              <a:lnSpc>
+                <a:spcPct val="150000"/>
+              </a:lnSpc>
+              <a:defRPr/>
+            </a:pPr>
+            <a:r>
+              <a:rPr lang="de-DE" sz="2000" b="1" dirty="0">
+                <a:solidFill>
+                  <a:srgbClr val="980528"/>
+                </a:solidFill>
+              </a:rPr>
+              <a:t>Probleme und Herausforderungen</a:t>
+            </a:r>
+          </a:p>
+        </p:txBody>
+      </p:sp>
+    </p:spTree>
+    <p:extLst>
+      <p:ext uri="{BB962C8B-B14F-4D97-AF65-F5344CB8AC3E}">
+        <p14:creationId xmlns:p14="http://schemas.microsoft.com/office/powerpoint/2010/main" val="1360283301"/>
+      </p:ext>
+    </p:extLst>
+  </p:cSld>
+  <p:clrMapOvr>
+    <a:masterClrMapping/>
+  </p:clrMapOvr>
+  <p:transition>
+    <p:fade/>
+  </p:transition>
+</p:sld>
+</file>
+
+<file path=ppt/slides/slide16.xml><?xml version="1.0" encoding="utf-8"?>
+<p:sld xmlns:a="http://schemas.openxmlformats.org/drawingml/2006/main" xmlns:r="http://schemas.openxmlformats.org/officeDocument/2006/relationships" xmlns:p="http://schemas.openxmlformats.org/presentationml/2006/main">
+  <p:cSld>
+    <p:spTree>
+      <p:nvGrpSpPr>
+        <p:cNvPr id="1" name=""/>
+        <p:cNvGrpSpPr/>
+        <p:nvPr/>
+      </p:nvGrpSpPr>
+      <p:grpSpPr>
+        <a:xfrm>
+          <a:off x="0" y="0"/>
+          <a:ext cx="0" cy="0"/>
+          <a:chOff x="0" y="0"/>
+          <a:chExt cx="0" cy="0"/>
+        </a:xfrm>
+      </p:grpSpPr>
+      <p:sp>
+        <p:nvSpPr>
+          <p:cNvPr id="13314" name="Rectangle 2">
+            <a:extLst>
+              <a:ext uri="{FF2B5EF4-FFF2-40B4-BE49-F238E27FC236}">
+                <a16:creationId xmlns:a16="http://schemas.microsoft.com/office/drawing/2014/main" id="{5D5731D2-4F8F-4A32-8006-9EE329AF7C28}"/>
+              </a:ext>
+            </a:extLst>
+          </p:cNvPr>
+          <p:cNvSpPr>
+            <a:spLocks noGrp="1" noChangeArrowheads="1"/>
+          </p:cNvSpPr>
+          <p:nvPr>
+            <p:ph type="title"/>
+          </p:nvPr>
+        </p:nvSpPr>
+        <p:spPr>
+          <a:xfrm>
+            <a:off x="965200" y="1271588"/>
+            <a:ext cx="10261600" cy="544512"/>
+          </a:xfrm>
+        </p:spPr>
+        <p:txBody>
+          <a:bodyPr/>
+          <a:lstStyle/>
+          <a:p>
+            <a:pPr marL="342900" indent="-342900" eaLnBrk="1" hangingPunct="1">
+              <a:lnSpc>
+                <a:spcPct val="150000"/>
+              </a:lnSpc>
+            </a:pPr>
+            <a:r>
+              <a:rPr lang="de-DE" altLang="de-DE" sz="2400" dirty="0"/>
+              <a:t>Muster »Grafik«</a:t>
+            </a:r>
+            <a:endParaRPr lang="de-DE" altLang="de-DE" sz="1400" dirty="0"/>
+          </a:p>
+        </p:txBody>
+      </p:sp>
+      <p:graphicFrame>
+        <p:nvGraphicFramePr>
+          <p:cNvPr id="5" name="Diagramm 4">
+            <a:extLst>
+              <a:ext uri="{FF2B5EF4-FFF2-40B4-BE49-F238E27FC236}">
+                <a16:creationId xmlns:a16="http://schemas.microsoft.com/office/drawing/2014/main" id="{1EF792B1-CE38-4D4B-8E01-FAA863DA01EE}"/>
+              </a:ext>
+            </a:extLst>
+          </p:cNvPr>
+          <p:cNvGraphicFramePr/>
+          <p:nvPr/>
+        </p:nvGraphicFramePr>
+        <p:xfrm>
+          <a:off x="3048000" y="1397000"/>
+          <a:ext cx="6096000" cy="4064000"/>
+        </p:xfrm>
+        <a:graphic>
+          <a:graphicData uri="http://schemas.openxmlformats.org/drawingml/2006/diagram">
+            <dgm:relIds xmlns:dgm="http://schemas.openxmlformats.org/drawingml/2006/diagram" xmlns:r="http://schemas.openxmlformats.org/officeDocument/2006/relationships" r:dm="rId3" r:lo="rId4" r:qs="rId5" r:cs="rId6"/>
+          </a:graphicData>
+        </a:graphic>
+      </p:graphicFrame>
+      <p:sp>
+        <p:nvSpPr>
+          <p:cNvPr id="13316" name="Textfeld 6">
+            <a:extLst>
+              <a:ext uri="{FF2B5EF4-FFF2-40B4-BE49-F238E27FC236}">
+                <a16:creationId xmlns:a16="http://schemas.microsoft.com/office/drawing/2014/main" id="{4DD937A8-9CD8-41FB-917A-7D2CB19EF3E5}"/>
+              </a:ext>
+            </a:extLst>
+          </p:cNvPr>
+          <p:cNvSpPr txBox="1">
+            <a:spLocks noChangeArrowheads="1"/>
+          </p:cNvSpPr>
+          <p:nvPr/>
+        </p:nvSpPr>
+        <p:spPr bwMode="auto">
+          <a:xfrm>
+            <a:off x="9191625" y="2133600"/>
+            <a:ext cx="1441450" cy="260350"/>
+          </a:xfrm>
+          <a:prstGeom prst="rect">
+            <a:avLst/>
+          </a:prstGeom>
+          <a:noFill/>
+          <a:ln>
+            <a:noFill/>
+          </a:ln>
+          <a:extLst>
+            <a:ext uri="{909E8E84-426E-40DD-AFC4-6F175D3DCCD1}">
+              <a14:hiddenFill xmlns:a14="http://schemas.microsoft.com/office/drawing/2010/main">
+                <a:solidFill>
+                  <a:srgbClr val="FFFFFF"/>
+                </a:solidFill>
+              </a14:hiddenFill>
+            </a:ext>
+            <a:ext uri="{91240B29-F687-4F45-9708-019B960494DF}">
+              <a14:hiddenLine xmlns:a14="http://schemas.microsoft.com/office/drawing/2010/main" w="9525">
+                <a:solidFill>
+                  <a:srgbClr val="000000"/>
+                </a:solidFill>
+                <a:miter lim="800000"/>
+                <a:headEnd/>
+                <a:tailEnd/>
+              </a14:hiddenLine>
+            </a:ext>
+          </a:extLst>
+        </p:spPr>
+        <p:txBody>
+          <a:bodyPr>
+            <a:spAutoFit/>
+          </a:bodyPr>
+          <a:lstStyle>
+            <a:lvl1pPr>
+              <a:spcBef>
+                <a:spcPct val="20000"/>
+              </a:spcBef>
+              <a:buClr>
+                <a:schemeClr val="accent2"/>
+              </a:buClr>
+              <a:buFont typeface="Wingdings" panose="05000000000000000000" pitchFamily="2" charset="2"/>
+              <a:buChar char="§"/>
+              <a:defRPr sz="2400">
+                <a:solidFill>
+                  <a:schemeClr val="tx1"/>
+                </a:solidFill>
+                <a:latin typeface="Arial" panose="020B0604020202020204" pitchFamily="34" charset="0"/>
+              </a:defRPr>
+            </a:lvl1pPr>
+            <a:lvl2pPr marL="742950" indent="-285750">
+              <a:spcBef>
+                <a:spcPct val="20000"/>
+              </a:spcBef>
+              <a:buClr>
+                <a:schemeClr val="accent2"/>
+              </a:buClr>
+              <a:buFont typeface="Wingdings" panose="05000000000000000000" pitchFamily="2" charset="2"/>
+              <a:buChar char="§"/>
+              <a:defRPr sz="2000">
+                <a:solidFill>
+                  <a:schemeClr val="tx1"/>
+                </a:solidFill>
+                <a:latin typeface="Arial" panose="020B0604020202020204" pitchFamily="34" charset="0"/>
+              </a:defRPr>
+            </a:lvl2pPr>
+            <a:lvl3pPr marL="1143000" indent="-228600">
+              <a:spcBef>
+                <a:spcPct val="20000"/>
+              </a:spcBef>
+              <a:buClr>
+                <a:schemeClr val="accent2"/>
+              </a:buClr>
+              <a:buFont typeface="Wingdings" panose="05000000000000000000" pitchFamily="2" charset="2"/>
+              <a:buChar char="§"/>
+              <a:defRPr>
+                <a:solidFill>
+                  <a:schemeClr val="tx1"/>
+                </a:solidFill>
+                <a:latin typeface="Arial" panose="020B0604020202020204" pitchFamily="34" charset="0"/>
+              </a:defRPr>
+            </a:lvl3pPr>
+            <a:lvl4pPr marL="1600200" indent="-228600">
+              <a:spcBef>
+                <a:spcPct val="20000"/>
+              </a:spcBef>
+              <a:buClr>
+                <a:schemeClr val="accent2"/>
+              </a:buClr>
+              <a:buFont typeface="Wingdings" panose="05000000000000000000" pitchFamily="2" charset="2"/>
+              <a:buChar char="§"/>
+              <a:defRPr sz="1400">
+                <a:solidFill>
+                  <a:schemeClr val="tx1"/>
+                </a:solidFill>
+                <a:latin typeface="Arial" panose="020B0604020202020204" pitchFamily="34" charset="0"/>
+              </a:defRPr>
+            </a:lvl4pPr>
+            <a:lvl5pPr marL="2057400" indent="-228600">
+              <a:spcBef>
+                <a:spcPct val="20000"/>
+              </a:spcBef>
+              <a:buClr>
+                <a:schemeClr val="accent2"/>
+              </a:buClr>
+              <a:buFont typeface="Wingdings" panose="05000000000000000000" pitchFamily="2" charset="2"/>
+              <a:buChar char="§"/>
+              <a:defRPr sz="1400">
+                <a:solidFill>
+                  <a:schemeClr val="tx1"/>
+                </a:solidFill>
+                <a:latin typeface="Arial" panose="020B0604020202020204" pitchFamily="34" charset="0"/>
+              </a:defRPr>
+            </a:lvl5pPr>
+            <a:lvl6pPr marL="2514600" indent="-228600" eaLnBrk="0" fontAlgn="base" hangingPunct="0">
+              <a:spcBef>
+                <a:spcPct val="20000"/>
+              </a:spcBef>
+              <a:spcAft>
+                <a:spcPct val="0"/>
+              </a:spcAft>
+              <a:buClr>
+                <a:schemeClr val="accent2"/>
+              </a:buClr>
+              <a:buFont typeface="Wingdings" panose="05000000000000000000" pitchFamily="2" charset="2"/>
+              <a:buChar char="§"/>
+              <a:defRPr sz="1400">
+                <a:solidFill>
+                  <a:schemeClr val="tx1"/>
+                </a:solidFill>
+                <a:latin typeface="Arial" panose="020B0604020202020204" pitchFamily="34" charset="0"/>
+              </a:defRPr>
+            </a:lvl6pPr>
+            <a:lvl7pPr marL="2971800" indent="-228600" eaLnBrk="0" fontAlgn="base" hangingPunct="0">
+              <a:spcBef>
+                <a:spcPct val="20000"/>
+              </a:spcBef>
+              <a:spcAft>
+                <a:spcPct val="0"/>
+              </a:spcAft>
+              <a:buClr>
+                <a:schemeClr val="accent2"/>
+              </a:buClr>
+              <a:buFont typeface="Wingdings" panose="05000000000000000000" pitchFamily="2" charset="2"/>
+              <a:buChar char="§"/>
+              <a:defRPr sz="1400">
+                <a:solidFill>
+                  <a:schemeClr val="tx1"/>
+                </a:solidFill>
+                <a:latin typeface="Arial" panose="020B0604020202020204" pitchFamily="34" charset="0"/>
+              </a:defRPr>
+            </a:lvl7pPr>
+            <a:lvl8pPr marL="3429000" indent="-228600" eaLnBrk="0" fontAlgn="base" hangingPunct="0">
+              <a:spcBef>
+                <a:spcPct val="20000"/>
+              </a:spcBef>
+              <a:spcAft>
+                <a:spcPct val="0"/>
+              </a:spcAft>
+              <a:buClr>
+                <a:schemeClr val="accent2"/>
+              </a:buClr>
+              <a:buFont typeface="Wingdings" panose="05000000000000000000" pitchFamily="2" charset="2"/>
+              <a:buChar char="§"/>
+              <a:defRPr sz="1400">
+                <a:solidFill>
+                  <a:schemeClr val="tx1"/>
+                </a:solidFill>
+                <a:latin typeface="Arial" panose="020B0604020202020204" pitchFamily="34" charset="0"/>
+              </a:defRPr>
+            </a:lvl8pPr>
+            <a:lvl9pPr marL="3886200" indent="-228600" eaLnBrk="0" fontAlgn="base" hangingPunct="0">
+              <a:spcBef>
+                <a:spcPct val="20000"/>
+              </a:spcBef>
+              <a:spcAft>
+                <a:spcPct val="0"/>
+              </a:spcAft>
+              <a:buClr>
+                <a:schemeClr val="accent2"/>
+              </a:buClr>
+              <a:buFont typeface="Wingdings" panose="05000000000000000000" pitchFamily="2" charset="2"/>
+              <a:buChar char="§"/>
+              <a:defRPr sz="1400">
+                <a:solidFill>
+                  <a:schemeClr val="tx1"/>
+                </a:solidFill>
+                <a:latin typeface="Arial" panose="020B0604020202020204" pitchFamily="34" charset="0"/>
+              </a:defRPr>
+            </a:lvl9pPr>
+          </a:lstStyle>
+          <a:p>
+            <a:pPr eaLnBrk="1" hangingPunct="1">
+              <a:spcBef>
+                <a:spcPct val="0"/>
+              </a:spcBef>
+              <a:buClrTx/>
+              <a:buFontTx/>
+              <a:buNone/>
+            </a:pPr>
+            <a:r>
+              <a:rPr lang="de-DE" altLang="de-DE" sz="1100" dirty="0"/>
+              <a:t>Mustertext</a:t>
+            </a:r>
+          </a:p>
+        </p:txBody>
+      </p:sp>
+      <p:sp>
+        <p:nvSpPr>
+          <p:cNvPr id="13317" name="Textfeld 9">
+            <a:extLst>
+              <a:ext uri="{FF2B5EF4-FFF2-40B4-BE49-F238E27FC236}">
+                <a16:creationId xmlns:a16="http://schemas.microsoft.com/office/drawing/2014/main" id="{DA83DA27-F594-4AB0-BAA5-63D698BEC4B4}"/>
+              </a:ext>
+            </a:extLst>
+          </p:cNvPr>
+          <p:cNvSpPr txBox="1">
+            <a:spLocks noChangeArrowheads="1"/>
+          </p:cNvSpPr>
+          <p:nvPr/>
+        </p:nvSpPr>
+        <p:spPr bwMode="auto">
+          <a:xfrm>
+            <a:off x="2927350" y="5373688"/>
+            <a:ext cx="2160588" cy="261937"/>
+          </a:xfrm>
+          <a:prstGeom prst="rect">
+            <a:avLst/>
+          </a:prstGeom>
+          <a:noFill/>
+          <a:ln>
+            <a:noFill/>
+          </a:ln>
+          <a:extLst>
+            <a:ext uri="{909E8E84-426E-40DD-AFC4-6F175D3DCCD1}">
+              <a14:hiddenFill xmlns:a14="http://schemas.microsoft.com/office/drawing/2010/main">
+                <a:solidFill>
+                  <a:srgbClr val="FFFFFF"/>
+                </a:solidFill>
+              </a14:hiddenFill>
+            </a:ext>
+            <a:ext uri="{91240B29-F687-4F45-9708-019B960494DF}">
+              <a14:hiddenLine xmlns:a14="http://schemas.microsoft.com/office/drawing/2010/main" w="9525">
+                <a:solidFill>
+                  <a:srgbClr val="000000"/>
+                </a:solidFill>
+                <a:miter lim="800000"/>
+                <a:headEnd/>
+                <a:tailEnd/>
+              </a14:hiddenLine>
+            </a:ext>
+          </a:extLst>
+        </p:spPr>
+        <p:txBody>
+          <a:bodyPr>
+            <a:spAutoFit/>
+          </a:bodyPr>
+          <a:lstStyle>
+            <a:lvl1pPr>
+              <a:spcBef>
+                <a:spcPct val="20000"/>
+              </a:spcBef>
+              <a:buClr>
+                <a:schemeClr val="accent2"/>
+              </a:buClr>
+              <a:buFont typeface="Wingdings" panose="05000000000000000000" pitchFamily="2" charset="2"/>
+              <a:buChar char="§"/>
+              <a:defRPr sz="2400">
+                <a:solidFill>
+                  <a:schemeClr val="tx1"/>
+                </a:solidFill>
+                <a:latin typeface="Arial" panose="020B0604020202020204" pitchFamily="34" charset="0"/>
+              </a:defRPr>
+            </a:lvl1pPr>
+            <a:lvl2pPr marL="742950" indent="-285750">
+              <a:spcBef>
+                <a:spcPct val="20000"/>
+              </a:spcBef>
+              <a:buClr>
+                <a:schemeClr val="accent2"/>
+              </a:buClr>
+              <a:buFont typeface="Wingdings" panose="05000000000000000000" pitchFamily="2" charset="2"/>
+              <a:buChar char="§"/>
+              <a:defRPr sz="2000">
+                <a:solidFill>
+                  <a:schemeClr val="tx1"/>
+                </a:solidFill>
+                <a:latin typeface="Arial" panose="020B0604020202020204" pitchFamily="34" charset="0"/>
+              </a:defRPr>
+            </a:lvl2pPr>
+            <a:lvl3pPr marL="1143000" indent="-228600">
+              <a:spcBef>
+                <a:spcPct val="20000"/>
+              </a:spcBef>
+              <a:buClr>
+                <a:schemeClr val="accent2"/>
+              </a:buClr>
+              <a:buFont typeface="Wingdings" panose="05000000000000000000" pitchFamily="2" charset="2"/>
+              <a:buChar char="§"/>
+              <a:defRPr>
+                <a:solidFill>
+                  <a:schemeClr val="tx1"/>
+                </a:solidFill>
+                <a:latin typeface="Arial" panose="020B0604020202020204" pitchFamily="34" charset="0"/>
+              </a:defRPr>
+            </a:lvl3pPr>
+            <a:lvl4pPr marL="1600200" indent="-228600">
+              <a:spcBef>
+                <a:spcPct val="20000"/>
+              </a:spcBef>
+              <a:buClr>
+                <a:schemeClr val="accent2"/>
+              </a:buClr>
+              <a:buFont typeface="Wingdings" panose="05000000000000000000" pitchFamily="2" charset="2"/>
+              <a:buChar char="§"/>
+              <a:defRPr sz="1400">
+                <a:solidFill>
+                  <a:schemeClr val="tx1"/>
+                </a:solidFill>
+                <a:latin typeface="Arial" panose="020B0604020202020204" pitchFamily="34" charset="0"/>
+              </a:defRPr>
+            </a:lvl4pPr>
+            <a:lvl5pPr marL="2057400" indent="-228600">
+              <a:spcBef>
+                <a:spcPct val="20000"/>
+              </a:spcBef>
+              <a:buClr>
+                <a:schemeClr val="accent2"/>
+              </a:buClr>
+              <a:buFont typeface="Wingdings" panose="05000000000000000000" pitchFamily="2" charset="2"/>
+              <a:buChar char="§"/>
+              <a:defRPr sz="1400">
+                <a:solidFill>
+                  <a:schemeClr val="tx1"/>
+                </a:solidFill>
+                <a:latin typeface="Arial" panose="020B0604020202020204" pitchFamily="34" charset="0"/>
+              </a:defRPr>
+            </a:lvl5pPr>
+            <a:lvl6pPr marL="2514600" indent="-228600" eaLnBrk="0" fontAlgn="base" hangingPunct="0">
+              <a:spcBef>
+                <a:spcPct val="20000"/>
+              </a:spcBef>
+              <a:spcAft>
+                <a:spcPct val="0"/>
+              </a:spcAft>
+              <a:buClr>
+                <a:schemeClr val="accent2"/>
+              </a:buClr>
+              <a:buFont typeface="Wingdings" panose="05000000000000000000" pitchFamily="2" charset="2"/>
+              <a:buChar char="§"/>
+              <a:defRPr sz="1400">
+                <a:solidFill>
+                  <a:schemeClr val="tx1"/>
+                </a:solidFill>
+                <a:latin typeface="Arial" panose="020B0604020202020204" pitchFamily="34" charset="0"/>
+              </a:defRPr>
+            </a:lvl6pPr>
+            <a:lvl7pPr marL="2971800" indent="-228600" eaLnBrk="0" fontAlgn="base" hangingPunct="0">
+              <a:spcBef>
+                <a:spcPct val="20000"/>
+              </a:spcBef>
+              <a:spcAft>
+                <a:spcPct val="0"/>
+              </a:spcAft>
+              <a:buClr>
+                <a:schemeClr val="accent2"/>
+              </a:buClr>
+              <a:buFont typeface="Wingdings" panose="05000000000000000000" pitchFamily="2" charset="2"/>
+              <a:buChar char="§"/>
+              <a:defRPr sz="1400">
+                <a:solidFill>
+                  <a:schemeClr val="tx1"/>
+                </a:solidFill>
+                <a:latin typeface="Arial" panose="020B0604020202020204" pitchFamily="34" charset="0"/>
+              </a:defRPr>
+            </a:lvl7pPr>
+            <a:lvl8pPr marL="3429000" indent="-228600" eaLnBrk="0" fontAlgn="base" hangingPunct="0">
+              <a:spcBef>
+                <a:spcPct val="20000"/>
+              </a:spcBef>
+              <a:spcAft>
+                <a:spcPct val="0"/>
+              </a:spcAft>
+              <a:buClr>
+                <a:schemeClr val="accent2"/>
+              </a:buClr>
+              <a:buFont typeface="Wingdings" panose="05000000000000000000" pitchFamily="2" charset="2"/>
+              <a:buChar char="§"/>
+              <a:defRPr sz="1400">
+                <a:solidFill>
+                  <a:schemeClr val="tx1"/>
+                </a:solidFill>
+                <a:latin typeface="Arial" panose="020B0604020202020204" pitchFamily="34" charset="0"/>
+              </a:defRPr>
+            </a:lvl8pPr>
+            <a:lvl9pPr marL="3886200" indent="-228600" eaLnBrk="0" fontAlgn="base" hangingPunct="0">
+              <a:spcBef>
+                <a:spcPct val="20000"/>
+              </a:spcBef>
+              <a:spcAft>
+                <a:spcPct val="0"/>
+              </a:spcAft>
+              <a:buClr>
+                <a:schemeClr val="accent2"/>
+              </a:buClr>
+              <a:buFont typeface="Wingdings" panose="05000000000000000000" pitchFamily="2" charset="2"/>
+              <a:buChar char="§"/>
+              <a:defRPr sz="1400">
+                <a:solidFill>
+                  <a:schemeClr val="tx1"/>
+                </a:solidFill>
+                <a:latin typeface="Arial" panose="020B0604020202020204" pitchFamily="34" charset="0"/>
+              </a:defRPr>
+            </a:lvl9pPr>
+          </a:lstStyle>
+          <a:p>
+            <a:pPr eaLnBrk="1" hangingPunct="1">
+              <a:spcBef>
+                <a:spcPct val="0"/>
+              </a:spcBef>
+              <a:buClrTx/>
+              <a:buFontTx/>
+              <a:buNone/>
+            </a:pPr>
+            <a:r>
+              <a:rPr lang="de-DE" altLang="de-DE" sz="1100" dirty="0"/>
+              <a:t>Mustertext</a:t>
+            </a:r>
+          </a:p>
+        </p:txBody>
+      </p:sp>
+    </p:spTree>
+  </p:cSld>
+  <p:clrMapOvr>
+    <a:masterClrMapping/>
+  </p:clrMapOvr>
+  <p:transition>
+    <p:fade/>
+  </p:transition>
+</p:sld>
+</file>
+
 <file path=ppt/slides/slide2.xml><?xml version="1.0" encoding="utf-8"?>
 <p:sld xmlns:a="http://schemas.openxmlformats.org/drawingml/2006/main" xmlns:r="http://schemas.openxmlformats.org/officeDocument/2006/relationships" xmlns:p="http://schemas.openxmlformats.org/presentationml/2006/main">
   <p:cSld>
@@ -9799,7 +12019,7 @@
         </p:nvSpPr>
         <p:spPr>
           <a:xfrm>
-            <a:off x="965200" y="1052736"/>
+            <a:off x="965200" y="908720"/>
             <a:ext cx="10261600" cy="762000"/>
           </a:xfrm>
         </p:spPr>
@@ -9836,7 +12056,7 @@
         </p:nvSpPr>
         <p:spPr>
           <a:xfrm>
-            <a:off x="1270000" y="1700808"/>
+            <a:off x="1270000" y="1412776"/>
             <a:ext cx="9245600" cy="4464496"/>
           </a:xfrm>
         </p:spPr>
@@ -9876,7 +12096,19 @@
             </a:pPr>
             <a:r>
               <a:rPr lang="de-DE" sz="1600" dirty="0"/>
-              <a:t>zur möglichen Arbeitsweise </a:t>
+              <a:t>zur möglichen Arbeitsweise</a:t>
+            </a:r>
+          </a:p>
+          <a:p>
+            <a:pPr marL="685800" lvl="1" eaLnBrk="1" hangingPunct="1">
+              <a:lnSpc>
+                <a:spcPct val="150000"/>
+              </a:lnSpc>
+              <a:defRPr/>
+            </a:pPr>
+            <a:r>
+              <a:rPr lang="de-DE" sz="1600" dirty="0"/>
+              <a:t>Plan zur Umsetzung</a:t>
             </a:r>
           </a:p>
           <a:p>
@@ -9977,102 +12209,6 @@
           </a:p>
         </p:txBody>
       </p:sp>
-      <p:grpSp>
-        <p:nvGrpSpPr>
-          <p:cNvPr id="9" name="Gruppieren 8">
-            <a:extLst>
-              <a:ext uri="{FF2B5EF4-FFF2-40B4-BE49-F238E27FC236}">
-                <a16:creationId xmlns:a16="http://schemas.microsoft.com/office/drawing/2014/main" id="{46068954-32BB-487B-A271-AB9C6FFE16AD}"/>
-              </a:ext>
-            </a:extLst>
-          </p:cNvPr>
-          <p:cNvGrpSpPr/>
-          <p:nvPr/>
-        </p:nvGrpSpPr>
-        <p:grpSpPr>
-          <a:xfrm>
-            <a:off x="8061" y="6596390"/>
-            <a:ext cx="12424643" cy="261610"/>
-            <a:chOff x="8061" y="6596390"/>
-            <a:chExt cx="12424643" cy="261610"/>
-          </a:xfrm>
-        </p:grpSpPr>
-        <p:sp>
-          <p:nvSpPr>
-            <p:cNvPr id="10" name="Textfeld 9">
-              <a:extLst>
-                <a:ext uri="{FF2B5EF4-FFF2-40B4-BE49-F238E27FC236}">
-                  <a16:creationId xmlns:a16="http://schemas.microsoft.com/office/drawing/2014/main" id="{26A0528B-DAC9-4E37-9987-67AB0E67106D}"/>
-                </a:ext>
-              </a:extLst>
-            </p:cNvPr>
-            <p:cNvSpPr txBox="1"/>
-            <p:nvPr/>
-          </p:nvSpPr>
-          <p:spPr>
-            <a:xfrm>
-              <a:off x="8061" y="6596390"/>
-              <a:ext cx="3600400" cy="261610"/>
-            </a:xfrm>
-            <a:prstGeom prst="rect">
-              <a:avLst/>
-            </a:prstGeom>
-            <a:noFill/>
-          </p:spPr>
-          <p:txBody>
-            <a:bodyPr wrap="square" rtlCol="0">
-              <a:spAutoFit/>
-            </a:bodyPr>
-            <a:lstStyle/>
-            <a:p>
-              <a:r>
-                <a:rPr lang="de-DE" dirty="0"/>
-                <a:t>Leon Richardt, Henrik Gerdes, Johannes B. </a:t>
-              </a:r>
-              <a:r>
-                <a:rPr lang="de-DE" dirty="0" err="1"/>
-                <a:t>Latzel</a:t>
-              </a:r>
-              <a:endParaRPr lang="de-DE" dirty="0"/>
-            </a:p>
-          </p:txBody>
-        </p:sp>
-        <p:sp>
-          <p:nvSpPr>
-            <p:cNvPr id="11" name="Textfeld 10">
-              <a:extLst>
-                <a:ext uri="{FF2B5EF4-FFF2-40B4-BE49-F238E27FC236}">
-                  <a16:creationId xmlns:a16="http://schemas.microsoft.com/office/drawing/2014/main" id="{35BD8DC1-D813-47BF-8B22-04258DB1C48A}"/>
-                </a:ext>
-              </a:extLst>
-            </p:cNvPr>
-            <p:cNvSpPr txBox="1"/>
-            <p:nvPr/>
-          </p:nvSpPr>
-          <p:spPr>
-            <a:xfrm>
-              <a:off x="11208568" y="6596390"/>
-              <a:ext cx="1224136" cy="261610"/>
-            </a:xfrm>
-            <a:prstGeom prst="rect">
-              <a:avLst/>
-            </a:prstGeom>
-            <a:noFill/>
-          </p:spPr>
-          <p:txBody>
-            <a:bodyPr wrap="square" rtlCol="0">
-              <a:spAutoFit/>
-            </a:bodyPr>
-            <a:lstStyle/>
-            <a:p>
-              <a:r>
-                <a:rPr lang="de-DE" dirty="0"/>
-                <a:t>LBR F. 2</a:t>
-              </a:r>
-            </a:p>
-          </p:txBody>
-        </p:sp>
-      </p:grpSp>
     </p:spTree>
   </p:cSld>
   <p:clrMapOvr>
@@ -10195,37 +12331,956 @@
           <a:bodyPr/>
           <a:lstStyle/>
           <a:p>
+            <a:pPr>
+              <a:lnSpc>
+                <a:spcPct val="150000"/>
+              </a:lnSpc>
+            </a:pPr>
             <a:r>
               <a:rPr lang="de-DE" dirty="0"/>
               <a:t>Eine Android App  	-&gt; zum Abrufen der Events</a:t>
             </a:r>
           </a:p>
           <a:p>
+            <a:pPr>
+              <a:lnSpc>
+                <a:spcPct val="150000"/>
+              </a:lnSpc>
+            </a:pPr>
             <a:r>
               <a:rPr lang="de-DE" dirty="0"/>
               <a:t>Eine Datenbank 		-&gt; zum effizienten speichern der Events</a:t>
             </a:r>
           </a:p>
           <a:p>
+            <a:pPr>
+              <a:lnSpc>
+                <a:spcPct val="150000"/>
+              </a:lnSpc>
+            </a:pPr>
             <a:r>
               <a:rPr lang="de-DE" dirty="0"/>
               <a:t>Einen Server		-&gt; für der zentrale Erreichbarkeit der DB</a:t>
             </a:r>
           </a:p>
           <a:p>
+            <a:pPr>
+              <a:lnSpc>
+                <a:spcPct val="150000"/>
+              </a:lnSpc>
+            </a:pPr>
             <a:r>
               <a:rPr lang="de-DE" dirty="0"/>
               <a:t>Eine Schnittstelle zwischen App und Server </a:t>
+            </a:r>
+          </a:p>
+        </p:txBody>
+      </p:sp>
+    </p:spTree>
+  </p:cSld>
+  <p:clrMapOvr>
+    <a:masterClrMapping/>
+  </p:clrMapOvr>
+  <p:transition>
+    <p:fade/>
+  </p:transition>
+</p:sld>
+</file>
+
+<file path=ppt/slides/slide4.xml><?xml version="1.0" encoding="utf-8"?>
+<p:sld xmlns:a="http://schemas.openxmlformats.org/drawingml/2006/main" xmlns:r="http://schemas.openxmlformats.org/officeDocument/2006/relationships" xmlns:p="http://schemas.openxmlformats.org/presentationml/2006/main">
+  <p:cSld>
+    <p:spTree>
+      <p:nvGrpSpPr>
+        <p:cNvPr id="1" name=""/>
+        <p:cNvGrpSpPr/>
+        <p:nvPr/>
+      </p:nvGrpSpPr>
+      <p:grpSpPr>
+        <a:xfrm>
+          <a:off x="0" y="0"/>
+          <a:ext cx="0" cy="0"/>
+          <a:chOff x="0" y="0"/>
+          <a:chExt cx="0" cy="0"/>
+        </a:xfrm>
+      </p:grpSpPr>
+      <p:sp>
+        <p:nvSpPr>
+          <p:cNvPr id="6" name="Textplatzhalter 5">
+            <a:extLst>
+              <a:ext uri="{FF2B5EF4-FFF2-40B4-BE49-F238E27FC236}">
+                <a16:creationId xmlns:a16="http://schemas.microsoft.com/office/drawing/2014/main" id="{0139592A-E68A-4704-B63B-8018D0D38DF2}"/>
+              </a:ext>
+            </a:extLst>
+          </p:cNvPr>
+          <p:cNvSpPr>
+            <a:spLocks noGrp="1"/>
+          </p:cNvSpPr>
+          <p:nvPr>
+            <p:ph type="body" idx="1"/>
+          </p:nvPr>
+        </p:nvSpPr>
+        <p:spPr/>
+        <p:txBody>
+          <a:bodyPr/>
+          <a:lstStyle/>
+          <a:p>
+            <a:r>
+              <a:rPr lang="de-DE" dirty="0"/>
+              <a:t>Arbeitsteilung</a:t>
+            </a:r>
+          </a:p>
+        </p:txBody>
+      </p:sp>
+      <p:sp>
+        <p:nvSpPr>
+          <p:cNvPr id="7" name="Inhaltsplatzhalter 6">
+            <a:extLst>
+              <a:ext uri="{FF2B5EF4-FFF2-40B4-BE49-F238E27FC236}">
+                <a16:creationId xmlns:a16="http://schemas.microsoft.com/office/drawing/2014/main" id="{43167F95-4244-4E6E-80E5-5C2EF5714ED9}"/>
+              </a:ext>
+            </a:extLst>
+          </p:cNvPr>
+          <p:cNvSpPr>
+            <a:spLocks noGrp="1"/>
+          </p:cNvSpPr>
+          <p:nvPr>
+            <p:ph sz="half" idx="2"/>
+          </p:nvPr>
+        </p:nvSpPr>
+        <p:spPr/>
+        <p:txBody>
+          <a:bodyPr/>
+          <a:lstStyle/>
+          <a:p>
+            <a:r>
+              <a:rPr lang="de-DE" dirty="0"/>
+              <a:t>Schaffe einer gemeinsamen Zielvorstellung</a:t>
+            </a:r>
+          </a:p>
+          <a:p>
+            <a:r>
+              <a:rPr lang="de-DE" dirty="0"/>
+              <a:t>Gemeinsames entwerfen einem Muster-Designs</a:t>
+            </a:r>
+          </a:p>
+          <a:p>
+            <a:r>
+              <a:rPr lang="de-DE" dirty="0"/>
+              <a:t>Aufgabenverteilung der einzelnen Module an unterschiedliche Personen</a:t>
+            </a:r>
+          </a:p>
+        </p:txBody>
+      </p:sp>
+      <p:sp>
+        <p:nvSpPr>
+          <p:cNvPr id="8" name="Textplatzhalter 7">
+            <a:extLst>
+              <a:ext uri="{FF2B5EF4-FFF2-40B4-BE49-F238E27FC236}">
+                <a16:creationId xmlns:a16="http://schemas.microsoft.com/office/drawing/2014/main" id="{A5D5EC24-DE4B-4D21-93C0-21C2A7CA9D0A}"/>
+              </a:ext>
+            </a:extLst>
+          </p:cNvPr>
+          <p:cNvSpPr>
+            <a:spLocks noGrp="1"/>
+          </p:cNvSpPr>
+          <p:nvPr>
+            <p:ph type="body" sz="quarter" idx="3"/>
+          </p:nvPr>
+        </p:nvSpPr>
+        <p:spPr/>
+        <p:txBody>
+          <a:bodyPr/>
+          <a:lstStyle/>
+          <a:p>
+            <a:r>
+              <a:rPr lang="de-DE" dirty="0"/>
+              <a:t>Technische Umsetzung</a:t>
+            </a:r>
+          </a:p>
+        </p:txBody>
+      </p:sp>
+      <p:sp>
+        <p:nvSpPr>
+          <p:cNvPr id="9" name="Inhaltsplatzhalter 8">
+            <a:extLst>
+              <a:ext uri="{FF2B5EF4-FFF2-40B4-BE49-F238E27FC236}">
+                <a16:creationId xmlns:a16="http://schemas.microsoft.com/office/drawing/2014/main" id="{D5649541-72B6-4446-98B4-CD41E581C646}"/>
+              </a:ext>
+            </a:extLst>
+          </p:cNvPr>
+          <p:cNvSpPr>
+            <a:spLocks noGrp="1"/>
+          </p:cNvSpPr>
+          <p:nvPr>
+            <p:ph sz="quarter" idx="4"/>
+          </p:nvPr>
+        </p:nvSpPr>
+        <p:spPr/>
+        <p:txBody>
+          <a:bodyPr/>
+          <a:lstStyle/>
+          <a:p>
+            <a:r>
+              <a:rPr lang="de-DE" dirty="0"/>
+              <a:t>Arbeiten mit gemeinsamen und zentralem Code</a:t>
+            </a:r>
+          </a:p>
+          <a:p>
+            <a:pPr lvl="1">
+              <a:buFont typeface="Wingdings" panose="05000000000000000000" pitchFamily="2" charset="2"/>
+              <a:buChar char="Ø"/>
+            </a:pPr>
+            <a:r>
+              <a:rPr lang="de-DE" dirty="0"/>
+              <a:t>GitHub</a:t>
+            </a:r>
+          </a:p>
+          <a:p>
+            <a:r>
+              <a:rPr lang="de-DE" dirty="0"/>
+              <a:t>Kommunikation</a:t>
+            </a:r>
+          </a:p>
+          <a:p>
+            <a:pPr lvl="1">
+              <a:buFont typeface="Wingdings" panose="05000000000000000000" pitchFamily="2" charset="2"/>
+              <a:buChar char="Ø"/>
+            </a:pPr>
+            <a:r>
+              <a:rPr lang="de-DE" dirty="0"/>
+              <a:t>WhatsApp und Treffen</a:t>
+            </a:r>
+          </a:p>
+          <a:p>
+            <a:r>
+              <a:rPr lang="de-DE" dirty="0"/>
+              <a:t>Tools:</a:t>
+            </a:r>
+          </a:p>
+          <a:p>
+            <a:pPr lvl="1">
+              <a:buFont typeface="Wingdings" panose="05000000000000000000" pitchFamily="2" charset="2"/>
+              <a:buChar char="Ø"/>
+            </a:pPr>
+            <a:r>
+              <a:rPr lang="de-DE" dirty="0"/>
+              <a:t>Android-Studio, phpMyAdmin/RazorSQL und unterschiedliche IDE‘s nach Präferenz</a:t>
+            </a:r>
+          </a:p>
+        </p:txBody>
+      </p:sp>
+      <p:sp>
+        <p:nvSpPr>
+          <p:cNvPr id="4" name="Textfeld 3">
+            <a:extLst>
+              <a:ext uri="{FF2B5EF4-FFF2-40B4-BE49-F238E27FC236}">
+                <a16:creationId xmlns:a16="http://schemas.microsoft.com/office/drawing/2014/main" id="{FA474757-7046-435C-B178-417C5B602A24}"/>
+              </a:ext>
+            </a:extLst>
+          </p:cNvPr>
+          <p:cNvSpPr txBox="1"/>
+          <p:nvPr/>
+        </p:nvSpPr>
+        <p:spPr>
+          <a:xfrm>
+            <a:off x="2135560" y="51684"/>
+            <a:ext cx="7488832" cy="496996"/>
+          </a:xfrm>
+          <a:prstGeom prst="rect">
+            <a:avLst/>
+          </a:prstGeom>
+          <a:noFill/>
+        </p:spPr>
+        <p:txBody>
+          <a:bodyPr wrap="square" rtlCol="0">
+            <a:spAutoFit/>
+          </a:bodyPr>
+          <a:lstStyle/>
+          <a:p>
+            <a:pPr marL="285750" indent="-285750" eaLnBrk="1" hangingPunct="1">
+              <a:lnSpc>
+                <a:spcPct val="150000"/>
+              </a:lnSpc>
+              <a:defRPr/>
+            </a:pPr>
+            <a:r>
+              <a:rPr lang="de-DE" sz="2000" b="1" dirty="0">
+                <a:solidFill>
+                  <a:srgbClr val="980528"/>
+                </a:solidFill>
+              </a:rPr>
+              <a:t>Vorüberlegungen zur möglichen Arbeitsweise</a:t>
+            </a:r>
+          </a:p>
+        </p:txBody>
+      </p:sp>
+      <p:cxnSp>
+        <p:nvCxnSpPr>
+          <p:cNvPr id="3" name="Gerader Verbinder 2">
+            <a:extLst>
+              <a:ext uri="{FF2B5EF4-FFF2-40B4-BE49-F238E27FC236}">
+                <a16:creationId xmlns:a16="http://schemas.microsoft.com/office/drawing/2014/main" id="{B3159BE1-C507-4337-A888-8C6EE9522029}"/>
+              </a:ext>
+            </a:extLst>
+          </p:cNvPr>
+          <p:cNvCxnSpPr>
+            <a:cxnSpLocks/>
+          </p:cNvCxnSpPr>
+          <p:nvPr/>
+        </p:nvCxnSpPr>
+        <p:spPr bwMode="auto">
+          <a:xfrm>
+            <a:off x="5951984" y="1412776"/>
+            <a:ext cx="0" cy="4392488"/>
+          </a:xfrm>
+          <a:prstGeom prst="line">
+            <a:avLst/>
+          </a:prstGeom>
+          <a:ln w="38100" cap="flat" cmpd="sng" algn="ctr">
+            <a:solidFill>
+              <a:srgbClr val="800000"/>
+            </a:solidFill>
+            <a:prstDash val="solid"/>
+            <a:round/>
+            <a:headEnd type="none" w="med" len="med"/>
+            <a:tailEnd type="none" w="med" len="med"/>
+          </a:ln>
+          <a:extLst>
+            <a:ext uri="{909E8E84-426E-40DD-AFC4-6F175D3DCCD1}">
+              <a14:hiddenFill xmlns:a14="http://schemas.microsoft.com/office/drawing/2010/main">
+                <a:solidFill>
+                  <a:schemeClr val="accent1"/>
+                </a:solidFill>
+              </a14:hiddenFill>
+            </a:ext>
+            <a:ext uri="{AF507438-7753-43E0-B8FC-AC1667EBCBE1}">
+              <a14:hiddenEffects xmlns:a14="http://schemas.microsoft.com/office/drawing/2010/main">
+                <a:effectLst>
+                  <a:outerShdw blurRad="63500" dist="38099" dir="2700000" algn="ctr" rotWithShape="0">
+                    <a:schemeClr val="bg2">
+                      <a:alpha val="74998"/>
+                    </a:schemeClr>
+                  </a:outerShdw>
+                </a:effectLst>
+              </a14:hiddenEffects>
+            </a:ext>
+          </a:extLst>
+        </p:spPr>
+        <p:style>
+          <a:lnRef idx="1">
+            <a:schemeClr val="accent2"/>
+          </a:lnRef>
+          <a:fillRef idx="0">
+            <a:schemeClr val="accent2"/>
+          </a:fillRef>
+          <a:effectRef idx="0">
+            <a:schemeClr val="accent2"/>
+          </a:effectRef>
+          <a:fontRef idx="minor">
+            <a:schemeClr val="tx1"/>
+          </a:fontRef>
+        </p:style>
+      </p:cxnSp>
+    </p:spTree>
+    <p:extLst>
+      <p:ext uri="{BB962C8B-B14F-4D97-AF65-F5344CB8AC3E}">
+        <p14:creationId xmlns:p14="http://schemas.microsoft.com/office/powerpoint/2010/main" val="3274240568"/>
+      </p:ext>
+    </p:extLst>
+  </p:cSld>
+  <p:clrMapOvr>
+    <a:masterClrMapping/>
+  </p:clrMapOvr>
+  <p:transition>
+    <p:fade/>
+  </p:transition>
+</p:sld>
+</file>
+
+<file path=ppt/slides/slide5.xml><?xml version="1.0" encoding="utf-8"?>
+<p:sld xmlns:a="http://schemas.openxmlformats.org/drawingml/2006/main" xmlns:r="http://schemas.openxmlformats.org/officeDocument/2006/relationships" xmlns:p="http://schemas.openxmlformats.org/presentationml/2006/main">
+  <p:cSld>
+    <p:spTree>
+      <p:nvGrpSpPr>
+        <p:cNvPr id="1" name=""/>
+        <p:cNvGrpSpPr/>
+        <p:nvPr/>
+      </p:nvGrpSpPr>
+      <p:grpSpPr>
+        <a:xfrm>
+          <a:off x="0" y="0"/>
+          <a:ext cx="0" cy="0"/>
+          <a:chOff x="0" y="0"/>
+          <a:chExt cx="0" cy="0"/>
+        </a:xfrm>
+      </p:grpSpPr>
+      <p:sp>
+        <p:nvSpPr>
+          <p:cNvPr id="2" name="Titel 1">
+            <a:extLst>
+              <a:ext uri="{FF2B5EF4-FFF2-40B4-BE49-F238E27FC236}">
+                <a16:creationId xmlns:a16="http://schemas.microsoft.com/office/drawing/2014/main" id="{276FF99C-0F06-484B-848B-B5A4B7625738}"/>
+              </a:ext>
+            </a:extLst>
+          </p:cNvPr>
+          <p:cNvSpPr>
+            <a:spLocks noGrp="1"/>
+          </p:cNvSpPr>
+          <p:nvPr>
+            <p:ph type="title"/>
+          </p:nvPr>
+        </p:nvSpPr>
+        <p:spPr>
+          <a:xfrm>
+            <a:off x="839416" y="1124744"/>
+            <a:ext cx="10261600" cy="762000"/>
+          </a:xfrm>
+        </p:spPr>
+        <p:txBody>
+          <a:bodyPr/>
+          <a:lstStyle/>
+          <a:p>
+            <a:r>
+              <a:rPr lang="de-DE" dirty="0"/>
+              <a:t>Arbeitsweisen</a:t>
+            </a:r>
+          </a:p>
+        </p:txBody>
+      </p:sp>
+      <p:pic>
+        <p:nvPicPr>
+          <p:cNvPr id="1026" name="Picture 2" descr="Bildergebnis fÃ¼r razorsql">
+            <a:extLst>
+              <a:ext uri="{FF2B5EF4-FFF2-40B4-BE49-F238E27FC236}">
+                <a16:creationId xmlns:a16="http://schemas.microsoft.com/office/drawing/2014/main" id="{ADD1D01E-D302-479A-AFE1-879D3D009CD7}"/>
+              </a:ext>
+            </a:extLst>
+          </p:cNvPr>
+          <p:cNvPicPr>
+            <a:picLocks noChangeAspect="1" noChangeArrowheads="1"/>
+          </p:cNvPicPr>
+          <p:nvPr/>
+        </p:nvPicPr>
+        <p:blipFill>
+          <a:blip r:embed="rId2">
+            <a:extLst>
+              <a:ext uri="{28A0092B-C50C-407E-A947-70E740481C1C}">
+                <a14:useLocalDpi xmlns:a14="http://schemas.microsoft.com/office/drawing/2010/main" val="0"/>
+              </a:ext>
+            </a:extLst>
+          </a:blip>
+          <a:srcRect/>
+          <a:stretch>
+            <a:fillRect/>
+          </a:stretch>
+        </p:blipFill>
+        <p:spPr bwMode="auto">
+          <a:xfrm>
+            <a:off x="616810" y="2250895"/>
+            <a:ext cx="4945787" cy="3709340"/>
+          </a:xfrm>
+          <a:prstGeom prst="rect">
+            <a:avLst/>
+          </a:prstGeom>
+          <a:noFill/>
+          <a:extLst>
+            <a:ext uri="{909E8E84-426E-40DD-AFC4-6F175D3DCCD1}">
+              <a14:hiddenFill xmlns:a14="http://schemas.microsoft.com/office/drawing/2010/main">
+                <a:solidFill>
+                  <a:srgbClr val="FFFFFF"/>
+                </a:solidFill>
+              </a14:hiddenFill>
+            </a:ext>
+          </a:extLst>
+        </p:spPr>
+      </p:pic>
+      <p:pic>
+        <p:nvPicPr>
+          <p:cNvPr id="6" name="Inhaltsplatzhalter 5">
+            <a:extLst>
+              <a:ext uri="{FF2B5EF4-FFF2-40B4-BE49-F238E27FC236}">
+                <a16:creationId xmlns:a16="http://schemas.microsoft.com/office/drawing/2014/main" id="{F86C4CC0-E489-478D-ACAA-F6363EB118D8}"/>
+              </a:ext>
+            </a:extLst>
+          </p:cNvPr>
+          <p:cNvPicPr>
+            <a:picLocks noGrp="1" noChangeAspect="1"/>
+          </p:cNvPicPr>
+          <p:nvPr>
+            <p:ph sz="half" idx="1"/>
+          </p:nvPr>
+        </p:nvPicPr>
+        <p:blipFill rotWithShape="1">
+          <a:blip r:embed="rId3">
+            <a:extLst>
+              <a:ext uri="{28A0092B-C50C-407E-A947-70E740481C1C}">
+                <a14:useLocalDpi xmlns:a14="http://schemas.microsoft.com/office/drawing/2010/main" val="0"/>
+              </a:ext>
+            </a:extLst>
+          </a:blip>
+          <a:srcRect r="53306"/>
+          <a:stretch/>
+        </p:blipFill>
+        <p:spPr>
+          <a:xfrm>
+            <a:off x="3982718" y="946668"/>
+            <a:ext cx="4226564" cy="4048057"/>
+          </a:xfrm>
+        </p:spPr>
+      </p:pic>
+      <p:pic>
+        <p:nvPicPr>
+          <p:cNvPr id="9" name="Inhaltsplatzhalter 8">
+            <a:extLst>
+              <a:ext uri="{FF2B5EF4-FFF2-40B4-BE49-F238E27FC236}">
+                <a16:creationId xmlns:a16="http://schemas.microsoft.com/office/drawing/2014/main" id="{95799DC3-242F-4654-BA2F-50C1A3BBF64D}"/>
+              </a:ext>
+            </a:extLst>
+          </p:cNvPr>
+          <p:cNvPicPr>
+            <a:picLocks noGrp="1" noChangeAspect="1"/>
+          </p:cNvPicPr>
+          <p:nvPr>
+            <p:ph sz="half" idx="2"/>
+          </p:nvPr>
+        </p:nvPicPr>
+        <p:blipFill rotWithShape="1">
+          <a:blip r:embed="rId4"/>
+          <a:srcRect r="6511"/>
+          <a:stretch/>
+        </p:blipFill>
+        <p:spPr>
+          <a:xfrm>
+            <a:off x="5663952" y="3295684"/>
+            <a:ext cx="6221784" cy="3253031"/>
+          </a:xfrm>
+          <a:prstGeom prst="rect">
+            <a:avLst/>
+          </a:prstGeom>
+        </p:spPr>
+      </p:pic>
+      <p:sp>
+        <p:nvSpPr>
+          <p:cNvPr id="7" name="Textfeld 6">
+            <a:extLst>
+              <a:ext uri="{FF2B5EF4-FFF2-40B4-BE49-F238E27FC236}">
+                <a16:creationId xmlns:a16="http://schemas.microsoft.com/office/drawing/2014/main" id="{55F8F69C-F729-4507-A522-26E0C18983E0}"/>
+              </a:ext>
+            </a:extLst>
+          </p:cNvPr>
+          <p:cNvSpPr txBox="1"/>
+          <p:nvPr/>
+        </p:nvSpPr>
+        <p:spPr>
+          <a:xfrm>
+            <a:off x="2135560" y="51684"/>
+            <a:ext cx="7488832" cy="496996"/>
+          </a:xfrm>
+          <a:prstGeom prst="rect">
+            <a:avLst/>
+          </a:prstGeom>
+          <a:noFill/>
+        </p:spPr>
+        <p:txBody>
+          <a:bodyPr wrap="square" rtlCol="0">
+            <a:spAutoFit/>
+          </a:bodyPr>
+          <a:lstStyle/>
+          <a:p>
+            <a:pPr marL="285750" indent="-285750" eaLnBrk="1" hangingPunct="1">
+              <a:lnSpc>
+                <a:spcPct val="150000"/>
+              </a:lnSpc>
+              <a:defRPr/>
+            </a:pPr>
+            <a:r>
+              <a:rPr lang="de-DE" sz="2000" b="1" dirty="0">
+                <a:solidFill>
+                  <a:srgbClr val="980528"/>
+                </a:solidFill>
+              </a:rPr>
+              <a:t>Vorüberlegungen zur möglichen Arbeitsweise</a:t>
+            </a:r>
+          </a:p>
+        </p:txBody>
+      </p:sp>
+    </p:spTree>
+    <p:extLst>
+      <p:ext uri="{BB962C8B-B14F-4D97-AF65-F5344CB8AC3E}">
+        <p14:creationId xmlns:p14="http://schemas.microsoft.com/office/powerpoint/2010/main" val="3493114998"/>
+      </p:ext>
+    </p:extLst>
+  </p:cSld>
+  <p:clrMapOvr>
+    <a:masterClrMapping/>
+  </p:clrMapOvr>
+  <p:transition>
+    <p:fade/>
+  </p:transition>
+</p:sld>
+</file>
+
+<file path=ppt/slides/slide6.xml><?xml version="1.0" encoding="utf-8"?>
+<p:sld xmlns:a="http://schemas.openxmlformats.org/drawingml/2006/main" xmlns:r="http://schemas.openxmlformats.org/officeDocument/2006/relationships" xmlns:p="http://schemas.openxmlformats.org/presentationml/2006/main">
+  <p:cSld>
+    <p:spTree>
+      <p:nvGrpSpPr>
+        <p:cNvPr id="1" name=""/>
+        <p:cNvGrpSpPr/>
+        <p:nvPr/>
+      </p:nvGrpSpPr>
+      <p:grpSpPr>
+        <a:xfrm>
+          <a:off x="0" y="0"/>
+          <a:ext cx="0" cy="0"/>
+          <a:chOff x="0" y="0"/>
+          <a:chExt cx="0" cy="0"/>
+        </a:xfrm>
+      </p:grpSpPr>
+      <p:sp>
+        <p:nvSpPr>
+          <p:cNvPr id="11266" name="Rectangle 2">
+            <a:extLst>
+              <a:ext uri="{FF2B5EF4-FFF2-40B4-BE49-F238E27FC236}">
+                <a16:creationId xmlns:a16="http://schemas.microsoft.com/office/drawing/2014/main" id="{31CA22F7-862C-445F-BC0B-7104E6E25223}"/>
+              </a:ext>
+            </a:extLst>
+          </p:cNvPr>
+          <p:cNvSpPr>
+            <a:spLocks noGrp="1" noChangeArrowheads="1"/>
+          </p:cNvSpPr>
+          <p:nvPr>
+            <p:ph type="title"/>
+          </p:nvPr>
+        </p:nvSpPr>
+        <p:spPr>
+          <a:xfrm>
+            <a:off x="551384" y="1010816"/>
+            <a:ext cx="10261600" cy="762000"/>
+          </a:xfrm>
+        </p:spPr>
+        <p:txBody>
+          <a:bodyPr/>
+          <a:lstStyle/>
+          <a:p>
+            <a:pPr marL="342900" indent="-342900" eaLnBrk="1" hangingPunct="1">
+              <a:lnSpc>
+                <a:spcPct val="150000"/>
+              </a:lnSpc>
+            </a:pPr>
+            <a:r>
+              <a:rPr lang="de-DE" altLang="de-DE" sz="2400" dirty="0"/>
+              <a:t>Gesetzte Zielvorstellung und Verteilung der Aufgaben</a:t>
+            </a:r>
+            <a:endParaRPr lang="de-DE" altLang="de-DE" sz="1200" dirty="0"/>
+          </a:p>
+        </p:txBody>
+      </p:sp>
+      <p:sp>
+        <p:nvSpPr>
+          <p:cNvPr id="11267" name="Rectangle 7">
+            <a:extLst>
+              <a:ext uri="{FF2B5EF4-FFF2-40B4-BE49-F238E27FC236}">
+                <a16:creationId xmlns:a16="http://schemas.microsoft.com/office/drawing/2014/main" id="{99E8DFA9-2E75-437E-B5BF-243663E7C69D}"/>
+              </a:ext>
+            </a:extLst>
+          </p:cNvPr>
+          <p:cNvSpPr>
+            <a:spLocks noGrp="1" noChangeArrowheads="1"/>
+          </p:cNvSpPr>
+          <p:nvPr>
+            <p:ph idx="1"/>
+          </p:nvPr>
+        </p:nvSpPr>
+        <p:spPr>
+          <a:xfrm>
+            <a:off x="1127448" y="1772816"/>
+            <a:ext cx="9245600" cy="4479056"/>
+          </a:xfrm>
+        </p:spPr>
+        <p:txBody>
+          <a:bodyPr/>
+          <a:lstStyle/>
+          <a:p>
+            <a:pPr eaLnBrk="1" hangingPunct="1">
+              <a:lnSpc>
+                <a:spcPct val="150000"/>
+              </a:lnSpc>
+            </a:pPr>
+            <a:r>
+              <a:rPr lang="de-DE" altLang="de-DE" sz="1600" dirty="0"/>
+              <a:t>Design der Datentypen</a:t>
+            </a:r>
+          </a:p>
+          <a:p>
+            <a:pPr eaLnBrk="1" hangingPunct="1">
+              <a:lnSpc>
+                <a:spcPct val="150000"/>
+              </a:lnSpc>
+            </a:pPr>
+            <a:r>
+              <a:rPr lang="de-DE" altLang="de-DE" sz="1600" dirty="0"/>
+              <a:t>Berechnung der Entfernung zwischen Koordinaten</a:t>
+            </a:r>
+          </a:p>
+          <a:p>
+            <a:pPr eaLnBrk="1" hangingPunct="1">
+              <a:lnSpc>
+                <a:spcPct val="150000"/>
+              </a:lnSpc>
+            </a:pPr>
+            <a:r>
+              <a:rPr lang="de-DE" altLang="de-DE" sz="1600" dirty="0"/>
+              <a:t>Finden einer Datenbank</a:t>
+            </a:r>
+          </a:p>
+          <a:p>
+            <a:pPr eaLnBrk="1" hangingPunct="1">
+              <a:lnSpc>
+                <a:spcPct val="150000"/>
+              </a:lnSpc>
+            </a:pPr>
+            <a:r>
+              <a:rPr lang="de-DE" altLang="de-DE" sz="1600" dirty="0"/>
+              <a:t>Verbindung der DB mit Java</a:t>
+            </a:r>
+          </a:p>
+          <a:p>
+            <a:pPr eaLnBrk="1" hangingPunct="1">
+              <a:lnSpc>
+                <a:spcPct val="150000"/>
+              </a:lnSpc>
+            </a:pPr>
+            <a:r>
+              <a:rPr lang="de-DE" altLang="de-DE" sz="1600" dirty="0"/>
+              <a:t>Server:</a:t>
+            </a:r>
+          </a:p>
+          <a:p>
+            <a:pPr lvl="1" eaLnBrk="1" hangingPunct="1">
+              <a:lnSpc>
+                <a:spcPct val="150000"/>
+              </a:lnSpc>
+            </a:pPr>
+            <a:r>
+              <a:rPr lang="de-DE" altLang="de-DE" sz="1200" dirty="0"/>
+              <a:t>Erreichbar aus dem Internet</a:t>
+            </a:r>
+          </a:p>
+          <a:p>
+            <a:pPr lvl="1" eaLnBrk="1" hangingPunct="1">
+              <a:lnSpc>
+                <a:spcPct val="150000"/>
+              </a:lnSpc>
+            </a:pPr>
+            <a:r>
+              <a:rPr lang="de-DE" altLang="de-DE" sz="1200" dirty="0"/>
+              <a:t>Verarbeiten und aufbereiten der DB Ergebnisse</a:t>
+            </a:r>
+          </a:p>
+          <a:p>
+            <a:pPr lvl="1" eaLnBrk="1" hangingPunct="1">
+              <a:lnSpc>
+                <a:spcPct val="150000"/>
+              </a:lnSpc>
+            </a:pPr>
+            <a:r>
+              <a:rPr lang="de-DE" altLang="de-DE" sz="1200" dirty="0"/>
+              <a:t>Herstellung eines Client – Server – Interface (CSI)</a:t>
+            </a:r>
+          </a:p>
+          <a:p>
+            <a:pPr eaLnBrk="1" hangingPunct="1">
+              <a:lnSpc>
+                <a:spcPct val="150000"/>
+              </a:lnSpc>
+            </a:pPr>
+            <a:r>
+              <a:rPr lang="de-DE" altLang="de-DE" sz="1600" dirty="0"/>
+              <a:t>Android App:</a:t>
+            </a:r>
+          </a:p>
+          <a:p>
+            <a:pPr lvl="1" eaLnBrk="1" hangingPunct="1">
+              <a:lnSpc>
+                <a:spcPct val="150000"/>
+              </a:lnSpc>
+            </a:pPr>
+            <a:r>
+              <a:rPr lang="de-DE" altLang="de-DE" sz="1200" dirty="0"/>
+              <a:t>Gestalten einer GUI</a:t>
+            </a:r>
+          </a:p>
+          <a:p>
+            <a:pPr lvl="1" eaLnBrk="1" hangingPunct="1">
+              <a:lnSpc>
+                <a:spcPct val="150000"/>
+              </a:lnSpc>
+            </a:pPr>
+            <a:r>
+              <a:rPr lang="de-DE" altLang="de-DE" sz="1200" dirty="0"/>
+              <a:t>Umgang mit </a:t>
+            </a:r>
+            <a:r>
+              <a:rPr lang="en-US" altLang="de-DE" sz="1200" dirty="0"/>
+              <a:t>Permissions</a:t>
+            </a:r>
+            <a:r>
+              <a:rPr lang="de-DE" altLang="de-DE" sz="1200" dirty="0"/>
+              <a:t>, </a:t>
+            </a:r>
+            <a:r>
+              <a:rPr lang="en-US" altLang="de-DE" sz="1200" dirty="0"/>
+              <a:t>Notifications</a:t>
+            </a:r>
+            <a:r>
+              <a:rPr lang="de-DE" altLang="de-DE" sz="1200" dirty="0"/>
+              <a:t>, Internet, GPS</a:t>
+            </a:r>
+          </a:p>
+          <a:p>
+            <a:pPr lvl="1" eaLnBrk="1" hangingPunct="1">
+              <a:lnSpc>
+                <a:spcPct val="150000"/>
+              </a:lnSpc>
+            </a:pPr>
+            <a:r>
+              <a:rPr lang="de-DE" altLang="de-DE" sz="1200" dirty="0"/>
+              <a:t>Implementation der Google-Maps-View</a:t>
+            </a:r>
+          </a:p>
+          <a:p>
+            <a:pPr lvl="1" eaLnBrk="1" hangingPunct="1">
+              <a:lnSpc>
+                <a:spcPct val="150000"/>
+              </a:lnSpc>
+            </a:pPr>
+            <a:endParaRPr lang="de-DE" altLang="de-DE" sz="1200" dirty="0"/>
+          </a:p>
+        </p:txBody>
+      </p:sp>
+      <p:sp>
+        <p:nvSpPr>
+          <p:cNvPr id="2" name="Pfeil nach rechts 1">
+            <a:extLst>
+              <a:ext uri="{FF2B5EF4-FFF2-40B4-BE49-F238E27FC236}">
+                <a16:creationId xmlns:a16="http://schemas.microsoft.com/office/drawing/2014/main" id="{47FD096D-CDBE-4636-9186-D39E7A8DA971}"/>
+              </a:ext>
+            </a:extLst>
+          </p:cNvPr>
+          <p:cNvSpPr/>
+          <p:nvPr/>
+        </p:nvSpPr>
+        <p:spPr bwMode="auto">
+          <a:xfrm>
+            <a:off x="2566988" y="4437063"/>
+            <a:ext cx="1728787" cy="360362"/>
+          </a:xfrm>
+          <a:prstGeom prst="rightArrow">
+            <a:avLst/>
+          </a:prstGeom>
+          <a:noFill/>
+          <a:ln>
+            <a:noFill/>
+          </a:ln>
+          <a:effectLst/>
+          <a:extLst>
+            <a:ext uri="{909E8E84-426E-40DD-AFC4-6F175D3DCCD1}">
+              <a14:hiddenFill xmlns:a14="http://schemas.microsoft.com/office/drawing/2010/main">
+                <a:solidFill>
+                  <a:schemeClr val="accent1"/>
+                </a:solidFill>
+              </a14:hiddenFill>
+            </a:ext>
+            <a:ext uri="{91240B29-F687-4F45-9708-019B960494DF}">
+              <a14:hiddenLine xmlns:a14="http://schemas.microsoft.com/office/drawing/2010/main" w="9525" cap="flat" cmpd="sng" algn="ctr">
+                <a:solidFill>
+                  <a:schemeClr val="tx1"/>
+                </a:solidFill>
+                <a:prstDash val="solid"/>
+                <a:round/>
+                <a:headEnd type="none" w="med" len="med"/>
+                <a:tailEnd type="none" w="med" len="med"/>
+              </a14:hiddenLine>
+            </a:ext>
+            <a:ext uri="{AF507438-7753-43E0-B8FC-AC1667EBCBE1}">
+              <a14:hiddenEffects xmlns:a14="http://schemas.microsoft.com/office/drawing/2010/main">
+                <a:effectLst>
+                  <a:outerShdw blurRad="63500" dist="38099" dir="2700000" algn="ctr" rotWithShape="0">
+                    <a:schemeClr val="bg2">
+                      <a:alpha val="74998"/>
+                    </a:schemeClr>
+                  </a:outerShdw>
+                </a:effectLst>
+              </a14:hiddenEffects>
+            </a:ext>
+          </a:extLst>
+        </p:spPr>
+        <p:txBody>
+          <a:bodyPr lIns="0" tIns="0" rIns="0" bIns="0" anchor="ctr"/>
+          <a:lstStyle/>
+          <a:p>
+            <a:pPr algn="ctr" eaLnBrk="1" hangingPunct="1">
+              <a:defRPr/>
+            </a:pPr>
+            <a:endParaRPr lang="de-DE" dirty="0">
+              <a:latin typeface="Arial" charset="0"/>
+            </a:endParaRPr>
+          </a:p>
+        </p:txBody>
+      </p:sp>
+      <p:sp>
+        <p:nvSpPr>
+          <p:cNvPr id="6" name="Textfeld 5">
+            <a:extLst>
+              <a:ext uri="{FF2B5EF4-FFF2-40B4-BE49-F238E27FC236}">
+                <a16:creationId xmlns:a16="http://schemas.microsoft.com/office/drawing/2014/main" id="{B24040FA-1B01-448B-AF92-1C9FAE2ED8A0}"/>
+              </a:ext>
+            </a:extLst>
+          </p:cNvPr>
+          <p:cNvSpPr txBox="1"/>
+          <p:nvPr/>
+        </p:nvSpPr>
+        <p:spPr>
+          <a:xfrm>
+            <a:off x="2135560" y="51684"/>
+            <a:ext cx="7488832" cy="496996"/>
+          </a:xfrm>
+          <a:prstGeom prst="rect">
+            <a:avLst/>
+          </a:prstGeom>
+          <a:noFill/>
+        </p:spPr>
+        <p:txBody>
+          <a:bodyPr wrap="square" rtlCol="0">
+            <a:spAutoFit/>
+          </a:bodyPr>
+          <a:lstStyle/>
+          <a:p>
+            <a:pPr marL="285750" indent="-285750" eaLnBrk="1" hangingPunct="1">
+              <a:lnSpc>
+                <a:spcPct val="150000"/>
+              </a:lnSpc>
+              <a:defRPr/>
+            </a:pPr>
+            <a:r>
+              <a:rPr lang="de-DE" sz="2000" b="1" dirty="0">
+                <a:solidFill>
+                  <a:srgbClr val="980528"/>
+                </a:solidFill>
+              </a:rPr>
+              <a:t>Plan zur Umsetzung</a:t>
             </a:r>
           </a:p>
         </p:txBody>
       </p:sp>
       <p:grpSp>
         <p:nvGrpSpPr>
-          <p:cNvPr id="6" name="Gruppieren 5">
+          <p:cNvPr id="5" name="Gruppieren 4">
             <a:extLst>
               <a:ext uri="{FF2B5EF4-FFF2-40B4-BE49-F238E27FC236}">
-                <a16:creationId xmlns:a16="http://schemas.microsoft.com/office/drawing/2014/main" id="{D5C17CA9-4EE8-4215-B044-8BC4F9CDAE26}"/>
+                <a16:creationId xmlns:a16="http://schemas.microsoft.com/office/drawing/2014/main" id="{5E301011-2622-426A-84DE-278A65E876B6}"/>
               </a:ext>
             </a:extLst>
           </p:cNvPr>
@@ -10234,18 +13289,107 @@
         </p:nvGrpSpPr>
         <p:grpSpPr>
           <a:xfrm>
-            <a:off x="8061" y="6596390"/>
-            <a:ext cx="12424643" cy="261610"/>
-            <a:chOff x="8061" y="6596390"/>
-            <a:chExt cx="12424643" cy="261610"/>
+            <a:off x="6456040" y="1913007"/>
+            <a:ext cx="821292" cy="1512168"/>
+            <a:chOff x="6456040" y="1913007"/>
+            <a:chExt cx="821292" cy="1512168"/>
           </a:xfrm>
         </p:grpSpPr>
         <p:sp>
           <p:nvSpPr>
-            <p:cNvPr id="7" name="Textfeld 6">
+            <p:cNvPr id="3" name="Eckige Klammer rechts 2">
               <a:extLst>
                 <a:ext uri="{FF2B5EF4-FFF2-40B4-BE49-F238E27FC236}">
-                  <a16:creationId xmlns:a16="http://schemas.microsoft.com/office/drawing/2014/main" id="{F7B15B17-CEBE-43FF-B925-A45992DE9663}"/>
+                  <a16:creationId xmlns:a16="http://schemas.microsoft.com/office/drawing/2014/main" id="{C9B77E34-DF4C-40C8-9F2B-F4634463D418}"/>
+                </a:ext>
+              </a:extLst>
+            </p:cNvPr>
+            <p:cNvSpPr/>
+            <p:nvPr/>
+          </p:nvSpPr>
+          <p:spPr bwMode="auto">
+            <a:xfrm>
+              <a:off x="6456040" y="1913007"/>
+              <a:ext cx="432048" cy="1512168"/>
+            </a:xfrm>
+            <a:prstGeom prst="rightBracket">
+              <a:avLst/>
+            </a:prstGeom>
+            <a:noFill/>
+            <a:ln w="38100" cap="flat" cmpd="sng" algn="ctr">
+              <a:solidFill>
+                <a:srgbClr val="980528"/>
+              </a:solidFill>
+              <a:prstDash val="solid"/>
+              <a:round/>
+              <a:headEnd type="none" w="med" len="med"/>
+              <a:tailEnd type="none" w="med" len="med"/>
+            </a:ln>
+            <a:effectLst/>
+            <a:extLst>
+              <a:ext uri="{909E8E84-426E-40DD-AFC4-6F175D3DCCD1}">
+                <a14:hiddenFill xmlns:a14="http://schemas.microsoft.com/office/drawing/2010/main">
+                  <a:solidFill>
+                    <a:schemeClr val="accent1"/>
+                  </a:solidFill>
+                </a14:hiddenFill>
+              </a:ext>
+              <a:ext uri="{AF507438-7753-43E0-B8FC-AC1667EBCBE1}">
+                <a14:hiddenEffects xmlns:a14="http://schemas.microsoft.com/office/drawing/2010/main">
+                  <a:effectLst>
+                    <a:outerShdw blurRad="63500" dist="38099" dir="2700000" algn="ctr" rotWithShape="0">
+                      <a:schemeClr val="bg2">
+                        <a:alpha val="74998"/>
+                      </a:schemeClr>
+                    </a:outerShdw>
+                  </a:effectLst>
+                </a14:hiddenEffects>
+              </a:ext>
+            </a:extLst>
+          </p:spPr>
+          <p:txBody>
+            <a:bodyPr vert="horz" wrap="square" lIns="0" tIns="0" rIns="0" bIns="0" numCol="1" rtlCol="0" anchor="ctr" anchorCtr="0" compatLnSpc="1">
+              <a:prstTxWarp prst="textNoShape">
+                <a:avLst/>
+              </a:prstTxWarp>
+            </a:bodyPr>
+            <a:lstStyle/>
+            <a:p>
+              <a:pPr marL="0" marR="0" indent="0" algn="ctr" defTabSz="914400" rtl="0" eaLnBrk="1" fontAlgn="base" latinLnBrk="0" hangingPunct="1">
+                <a:lnSpc>
+                  <a:spcPct val="100000"/>
+                </a:lnSpc>
+                <a:spcBef>
+                  <a:spcPct val="0"/>
+                </a:spcBef>
+                <a:spcAft>
+                  <a:spcPct val="0"/>
+                </a:spcAft>
+                <a:buClrTx/>
+                <a:buSzTx/>
+                <a:buFontTx/>
+                <a:buNone/>
+                <a:tabLst/>
+              </a:pPr>
+              <a:endParaRPr kumimoji="0" lang="de-DE" sz="1100" b="0" i="0" u="none" strike="noStrike" cap="none" normalizeH="0" baseline="0">
+                <a:ln>
+                  <a:noFill/>
+                </a:ln>
+                <a:solidFill>
+                  <a:srgbClr val="C00000"/>
+                </a:solidFill>
+                <a:effectLst/>
+                <a:latin typeface="Arial" charset="0"/>
+              </a:endParaRPr>
+            </a:p>
+          </p:txBody>
+        </p:sp>
+        <p:sp>
+          <p:nvSpPr>
+            <p:cNvPr id="4" name="Textfeld 3">
+              <a:extLst>
+                <a:ext uri="{FF2B5EF4-FFF2-40B4-BE49-F238E27FC236}">
+                  <a16:creationId xmlns:a16="http://schemas.microsoft.com/office/drawing/2014/main" id="{6B013591-1175-4EF7-AFD4-C536ECF21026}"/>
                 </a:ext>
               </a:extLst>
             </p:cNvPr>
@@ -10253,9 +13397,159 @@
             <p:nvPr/>
           </p:nvSpPr>
           <p:spPr>
+            <a:xfrm rot="5400000">
+              <a:off x="6712011" y="2503639"/>
+              <a:ext cx="792088" cy="338554"/>
+            </a:xfrm>
+            <a:prstGeom prst="rect">
+              <a:avLst/>
+            </a:prstGeom>
+            <a:noFill/>
+          </p:spPr>
+          <p:txBody>
+            <a:bodyPr wrap="square" rtlCol="0">
+              <a:spAutoFit/>
+            </a:bodyPr>
+            <a:lstStyle/>
+            <a:p>
+              <a:pPr algn="ctr"/>
+              <a:r>
+                <a:rPr lang="de-DE" sz="1600" b="1" dirty="0">
+                  <a:solidFill>
+                    <a:srgbClr val="980528"/>
+                  </a:solidFill>
+                </a:rPr>
+                <a:t>DB</a:t>
+              </a:r>
+            </a:p>
+          </p:txBody>
+        </p:sp>
+      </p:grpSp>
+      <p:grpSp>
+        <p:nvGrpSpPr>
+          <p:cNvPr id="10" name="Gruppieren 9">
+            <a:extLst>
+              <a:ext uri="{FF2B5EF4-FFF2-40B4-BE49-F238E27FC236}">
+                <a16:creationId xmlns:a16="http://schemas.microsoft.com/office/drawing/2014/main" id="{D00AC34D-B109-44D3-91B1-96EC276DCB1E}"/>
+              </a:ext>
+            </a:extLst>
+          </p:cNvPr>
+          <p:cNvGrpSpPr/>
+          <p:nvPr/>
+        </p:nvGrpSpPr>
+        <p:grpSpPr>
+          <a:xfrm>
+            <a:off x="6456040" y="3644975"/>
+            <a:ext cx="805904" cy="1152449"/>
+            <a:chOff x="6537274" y="1804921"/>
+            <a:chExt cx="805904" cy="1152449"/>
+          </a:xfrm>
+        </p:grpSpPr>
+        <p:sp>
+          <p:nvSpPr>
+            <p:cNvPr id="11" name="Eckige Klammer rechts 10">
+              <a:extLst>
+                <a:ext uri="{FF2B5EF4-FFF2-40B4-BE49-F238E27FC236}">
+                  <a16:creationId xmlns:a16="http://schemas.microsoft.com/office/drawing/2014/main" id="{62010873-17F5-44D5-95D0-8F8EAB67141B}"/>
+                </a:ext>
+              </a:extLst>
+            </p:cNvPr>
+            <p:cNvSpPr/>
+            <p:nvPr/>
+          </p:nvSpPr>
+          <p:spPr bwMode="auto">
             <a:xfrm>
-              <a:off x="8061" y="6596390"/>
-              <a:ext cx="3600400" cy="261610"/>
+              <a:off x="6537274" y="1861079"/>
+              <a:ext cx="432048" cy="972083"/>
+            </a:xfrm>
+            <a:prstGeom prst="rightBracket">
+              <a:avLst/>
+            </a:prstGeom>
+            <a:noFill/>
+            <a:ln w="38100" cap="flat" cmpd="sng" algn="ctr">
+              <a:solidFill>
+                <a:srgbClr val="980528"/>
+              </a:solidFill>
+              <a:prstDash val="solid"/>
+              <a:round/>
+              <a:headEnd type="none" w="med" len="med"/>
+              <a:tailEnd type="none" w="med" len="med"/>
+            </a:ln>
+            <a:effectLst/>
+            <a:extLst>
+              <a:ext uri="{909E8E84-426E-40DD-AFC4-6F175D3DCCD1}">
+                <a14:hiddenFill xmlns:a14="http://schemas.microsoft.com/office/drawing/2010/main">
+                  <a:solidFill>
+                    <a:schemeClr val="accent1"/>
+                  </a:solidFill>
+                </a14:hiddenFill>
+              </a:ext>
+              <a:ext uri="{AF507438-7753-43E0-B8FC-AC1667EBCBE1}">
+                <a14:hiddenEffects xmlns:a14="http://schemas.microsoft.com/office/drawing/2010/main">
+                  <a:effectLst>
+                    <a:outerShdw blurRad="63500" dist="38099" dir="2700000" algn="ctr" rotWithShape="0">
+                      <a:schemeClr val="bg2">
+                        <a:alpha val="74998"/>
+                      </a:schemeClr>
+                    </a:outerShdw>
+                  </a:effectLst>
+                </a14:hiddenEffects>
+              </a:ext>
+            </a:extLst>
+          </p:spPr>
+          <p:txBody>
+            <a:bodyPr vert="horz" wrap="square" lIns="0" tIns="0" rIns="0" bIns="0" numCol="1" rtlCol="0" anchor="ctr" anchorCtr="0" compatLnSpc="1">
+              <a:prstTxWarp prst="textNoShape">
+                <a:avLst/>
+              </a:prstTxWarp>
+            </a:bodyPr>
+            <a:lstStyle/>
+            <a:p>
+              <a:pPr marL="0" marR="0" indent="0" algn="ctr" defTabSz="914400" rtl="0" eaLnBrk="1" fontAlgn="base" latinLnBrk="0" hangingPunct="1">
+                <a:lnSpc>
+                  <a:spcPct val="100000"/>
+                </a:lnSpc>
+                <a:spcBef>
+                  <a:spcPct val="0"/>
+                </a:spcBef>
+                <a:spcAft>
+                  <a:spcPct val="0"/>
+                </a:spcAft>
+                <a:buClrTx/>
+                <a:buSzTx/>
+                <a:buFontTx/>
+                <a:buNone/>
+                <a:tabLst/>
+              </a:pPr>
+              <a:endParaRPr kumimoji="0" lang="de-DE" sz="1100" b="0" i="0" u="none" strike="noStrike" cap="none" normalizeH="0" baseline="0">
+                <a:ln>
+                  <a:noFill/>
+                </a:ln>
+                <a:solidFill>
+                  <a:srgbClr val="C00000"/>
+                </a:solidFill>
+                <a:effectLst/>
+                <a:latin typeface="Arial" charset="0"/>
+              </a:endParaRPr>
+            </a:p>
+          </p:txBody>
+        </p:sp>
+        <p:sp>
+          <p:nvSpPr>
+            <p:cNvPr id="12" name="Textfeld 11">
+              <a:extLst>
+                <a:ext uri="{FF2B5EF4-FFF2-40B4-BE49-F238E27FC236}">
+                  <a16:creationId xmlns:a16="http://schemas.microsoft.com/office/drawing/2014/main" id="{3B19384D-9622-4826-B1A3-3566F0FEEE99}"/>
+                </a:ext>
+              </a:extLst>
+            </p:cNvPr>
+            <p:cNvSpPr txBox="1"/>
+            <p:nvPr/>
+          </p:nvSpPr>
+          <p:spPr>
+            <a:xfrm rot="5400000">
+              <a:off x="6613065" y="2227257"/>
+              <a:ext cx="1152449" cy="307777"/>
             </a:xfrm>
             <a:prstGeom prst="rect">
               <a:avLst/>
@@ -10269,23 +13563,132 @@
             <a:lstStyle/>
             <a:p>
               <a:r>
-                <a:rPr lang="de-DE" dirty="0"/>
-                <a:t>Leon Richardt, Henrik Gerdes, Johannes B. </a:t>
+                <a:rPr lang="de-DE" sz="1400" b="1" dirty="0">
+                  <a:solidFill>
+                    <a:srgbClr val="980528"/>
+                  </a:solidFill>
+                </a:rPr>
+                <a:t>Server/CSI</a:t>
               </a:r>
-              <a:r>
-                <a:rPr lang="de-DE" dirty="0" err="1"/>
-                <a:t>Latzel</a:t>
-              </a:r>
-              <a:endParaRPr lang="de-DE" dirty="0"/>
+            </a:p>
+          </p:txBody>
+        </p:sp>
+      </p:grpSp>
+      <p:grpSp>
+        <p:nvGrpSpPr>
+          <p:cNvPr id="13" name="Gruppieren 12">
+            <a:extLst>
+              <a:ext uri="{FF2B5EF4-FFF2-40B4-BE49-F238E27FC236}">
+                <a16:creationId xmlns:a16="http://schemas.microsoft.com/office/drawing/2014/main" id="{D83A92F1-84B5-4AAE-AAA0-EF8D3D730367}"/>
+              </a:ext>
+            </a:extLst>
+          </p:cNvPr>
+          <p:cNvGrpSpPr/>
+          <p:nvPr/>
+        </p:nvGrpSpPr>
+        <p:grpSpPr>
+          <a:xfrm>
+            <a:off x="6456040" y="4948423"/>
+            <a:ext cx="805904" cy="1152449"/>
+            <a:chOff x="6537274" y="1804921"/>
+            <a:chExt cx="805904" cy="1152449"/>
+          </a:xfrm>
+        </p:grpSpPr>
+        <p:sp>
+          <p:nvSpPr>
+            <p:cNvPr id="14" name="Eckige Klammer rechts 13">
+              <a:extLst>
+                <a:ext uri="{FF2B5EF4-FFF2-40B4-BE49-F238E27FC236}">
+                  <a16:creationId xmlns:a16="http://schemas.microsoft.com/office/drawing/2014/main" id="{91ADA73F-A038-4022-8440-15925D690878}"/>
+                </a:ext>
+              </a:extLst>
+            </p:cNvPr>
+            <p:cNvSpPr/>
+            <p:nvPr/>
+          </p:nvSpPr>
+          <p:spPr bwMode="auto">
+            <a:xfrm>
+              <a:off x="6537274" y="1861079"/>
+              <a:ext cx="432048" cy="972083"/>
+            </a:xfrm>
+            <a:prstGeom prst="rightBracket">
+              <a:avLst/>
+            </a:prstGeom>
+            <a:noFill/>
+            <a:ln w="38100" cap="flat" cmpd="sng" algn="ctr">
+              <a:solidFill>
+                <a:srgbClr val="980528"/>
+              </a:solidFill>
+              <a:prstDash val="solid"/>
+              <a:round/>
+              <a:headEnd type="none" w="med" len="med"/>
+              <a:tailEnd type="none" w="med" len="med"/>
+            </a:ln>
+            <a:effectLst/>
+            <a:extLst>
+              <a:ext uri="{909E8E84-426E-40DD-AFC4-6F175D3DCCD1}">
+                <a14:hiddenFill xmlns:a14="http://schemas.microsoft.com/office/drawing/2010/main">
+                  <a:solidFill>
+                    <a:schemeClr val="accent1"/>
+                  </a:solidFill>
+                </a14:hiddenFill>
+              </a:ext>
+              <a:ext uri="{AF507438-7753-43E0-B8FC-AC1667EBCBE1}">
+                <a14:hiddenEffects xmlns:a14="http://schemas.microsoft.com/office/drawing/2010/main">
+                  <a:effectLst>
+                    <a:outerShdw blurRad="63500" dist="38099" dir="2700000" algn="ctr" rotWithShape="0">
+                      <a:schemeClr val="bg2">
+                        <a:alpha val="74998"/>
+                      </a:schemeClr>
+                    </a:outerShdw>
+                  </a:effectLst>
+                </a14:hiddenEffects>
+              </a:ext>
+            </a:extLst>
+          </p:spPr>
+          <p:txBody>
+            <a:bodyPr vert="horz" wrap="square" lIns="0" tIns="0" rIns="0" bIns="0" numCol="1" rtlCol="0" anchor="ctr" anchorCtr="0" compatLnSpc="1">
+              <a:prstTxWarp prst="textNoShape">
+                <a:avLst/>
+              </a:prstTxWarp>
+            </a:bodyPr>
+            <a:lstStyle/>
+            <a:p>
+              <a:pPr marL="0" marR="0" indent="0" algn="ctr" defTabSz="914400" rtl="0" eaLnBrk="1" fontAlgn="base" latinLnBrk="0" hangingPunct="1">
+                <a:lnSpc>
+                  <a:spcPct val="100000"/>
+                </a:lnSpc>
+                <a:spcBef>
+                  <a:spcPct val="0"/>
+                </a:spcBef>
+                <a:spcAft>
+                  <a:spcPct val="0"/>
+                </a:spcAft>
+                <a:buClrTx/>
+                <a:buSzTx/>
+                <a:buFontTx/>
+                <a:buNone/>
+                <a:tabLst/>
+              </a:pPr>
+              <a:endParaRPr kumimoji="0" lang="de-DE" sz="1100" b="0" i="0" u="none" strike="noStrike" cap="none" normalizeH="0" baseline="0">
+                <a:ln>
+                  <a:noFill/>
+                </a:ln>
+                <a:solidFill>
+                  <a:srgbClr val="C00000"/>
+                </a:solidFill>
+                <a:effectLst/>
+                <a:latin typeface="Arial" charset="0"/>
+              </a:endParaRPr>
             </a:p>
           </p:txBody>
         </p:sp>
         <p:sp>
           <p:nvSpPr>
-            <p:cNvPr id="8" name="Textfeld 7">
+            <p:cNvPr id="15" name="Textfeld 14">
               <a:extLst>
                 <a:ext uri="{FF2B5EF4-FFF2-40B4-BE49-F238E27FC236}">
-                  <a16:creationId xmlns:a16="http://schemas.microsoft.com/office/drawing/2014/main" id="{0FF8D8AF-0C0A-44AF-BFAB-49BC3B2E18A3}"/>
+                  <a16:creationId xmlns:a16="http://schemas.microsoft.com/office/drawing/2014/main" id="{45A60D42-D041-4BD0-84B8-495F98EF3B28}"/>
                 </a:ext>
               </a:extLst>
             </p:cNvPr>
@@ -10293,9 +13696,9 @@
             <p:nvPr/>
           </p:nvSpPr>
           <p:spPr>
-            <a:xfrm>
-              <a:off x="11208568" y="6596390"/>
-              <a:ext cx="1224136" cy="261610"/>
+            <a:xfrm rot="5400000">
+              <a:off x="6613065" y="2227257"/>
+              <a:ext cx="1152449" cy="307777"/>
             </a:xfrm>
             <a:prstGeom prst="rect">
               <a:avLst/>
@@ -10308,9 +13711,14 @@
             </a:bodyPr>
             <a:lstStyle/>
             <a:p>
+              <a:pPr algn="ctr"/>
               <a:r>
-                <a:rPr lang="de-DE" dirty="0"/>
-                <a:t>LBR F. 3</a:t>
+                <a:rPr lang="de-DE" sz="1400" b="1" dirty="0">
+                  <a:solidFill>
+                    <a:srgbClr val="980528"/>
+                  </a:solidFill>
+                </a:rPr>
+                <a:t>APP</a:t>
               </a:r>
             </a:p>
           </p:txBody>
@@ -10327,7 +13735,7 @@
 </p:sld>
 </file>
 
-<file path=ppt/slides/slide4.xml><?xml version="1.0" encoding="utf-8"?>
+<file path=ppt/slides/slide7.xml><?xml version="1.0" encoding="utf-8"?>
 <p:sld xmlns:a="http://schemas.openxmlformats.org/drawingml/2006/main" xmlns:r="http://schemas.openxmlformats.org/officeDocument/2006/relationships" xmlns:p="http://schemas.openxmlformats.org/presentationml/2006/main">
   <p:cSld>
     <p:spTree>
@@ -11284,102 +14692,6 @@
           </p:sp>
         </p:grpSp>
       </p:grpSp>
-      <p:grpSp>
-        <p:nvGrpSpPr>
-          <p:cNvPr id="28" name="Gruppieren 27">
-            <a:extLst>
-              <a:ext uri="{FF2B5EF4-FFF2-40B4-BE49-F238E27FC236}">
-                <a16:creationId xmlns:a16="http://schemas.microsoft.com/office/drawing/2014/main" id="{E54D86FB-8249-4F16-B713-F2571B52B5C3}"/>
-              </a:ext>
-            </a:extLst>
-          </p:cNvPr>
-          <p:cNvGrpSpPr/>
-          <p:nvPr/>
-        </p:nvGrpSpPr>
-        <p:grpSpPr>
-          <a:xfrm>
-            <a:off x="8061" y="6596390"/>
-            <a:ext cx="12424643" cy="261610"/>
-            <a:chOff x="8061" y="6596390"/>
-            <a:chExt cx="12424643" cy="261610"/>
-          </a:xfrm>
-        </p:grpSpPr>
-        <p:sp>
-          <p:nvSpPr>
-            <p:cNvPr id="29" name="Textfeld 28">
-              <a:extLst>
-                <a:ext uri="{FF2B5EF4-FFF2-40B4-BE49-F238E27FC236}">
-                  <a16:creationId xmlns:a16="http://schemas.microsoft.com/office/drawing/2014/main" id="{377F7A2F-25C6-44CD-989D-63947E1BC4A1}"/>
-                </a:ext>
-              </a:extLst>
-            </p:cNvPr>
-            <p:cNvSpPr txBox="1"/>
-            <p:nvPr/>
-          </p:nvSpPr>
-          <p:spPr>
-            <a:xfrm>
-              <a:off x="8061" y="6596390"/>
-              <a:ext cx="3600400" cy="261610"/>
-            </a:xfrm>
-            <a:prstGeom prst="rect">
-              <a:avLst/>
-            </a:prstGeom>
-            <a:noFill/>
-          </p:spPr>
-          <p:txBody>
-            <a:bodyPr wrap="square" rtlCol="0">
-              <a:spAutoFit/>
-            </a:bodyPr>
-            <a:lstStyle/>
-            <a:p>
-              <a:r>
-                <a:rPr lang="de-DE" dirty="0"/>
-                <a:t>Leon Richardt, Henrik Gerdes, Johannes B. </a:t>
-              </a:r>
-              <a:r>
-                <a:rPr lang="de-DE" dirty="0" err="1"/>
-                <a:t>Latzel</a:t>
-              </a:r>
-              <a:endParaRPr lang="de-DE" dirty="0"/>
-            </a:p>
-          </p:txBody>
-        </p:sp>
-        <p:sp>
-          <p:nvSpPr>
-            <p:cNvPr id="30" name="Textfeld 29">
-              <a:extLst>
-                <a:ext uri="{FF2B5EF4-FFF2-40B4-BE49-F238E27FC236}">
-                  <a16:creationId xmlns:a16="http://schemas.microsoft.com/office/drawing/2014/main" id="{B2C16646-9EEC-4B6E-A345-E4B419ADA98A}"/>
-                </a:ext>
-              </a:extLst>
-            </p:cNvPr>
-            <p:cNvSpPr txBox="1"/>
-            <p:nvPr/>
-          </p:nvSpPr>
-          <p:spPr>
-            <a:xfrm>
-              <a:off x="11208568" y="6596390"/>
-              <a:ext cx="1224136" cy="261610"/>
-            </a:xfrm>
-            <a:prstGeom prst="rect">
-              <a:avLst/>
-            </a:prstGeom>
-            <a:noFill/>
-          </p:spPr>
-          <p:txBody>
-            <a:bodyPr wrap="square" rtlCol="0">
-              <a:spAutoFit/>
-            </a:bodyPr>
-            <a:lstStyle/>
-            <a:p>
-              <a:r>
-                <a:rPr lang="de-DE" dirty="0"/>
-                <a:t>LBR F. 4</a:t>
-              </a:r>
-            </a:p>
-          </p:txBody>
-        </p:sp>
-      </p:grpSp>
       <p:pic>
         <p:nvPicPr>
           <p:cNvPr id="31" name="Grafik 30">
@@ -11410,205 +14722,12 @@
           </a:prstGeom>
         </p:spPr>
       </p:pic>
-    </p:spTree>
-    <p:extLst>
-      <p:ext uri="{BB962C8B-B14F-4D97-AF65-F5344CB8AC3E}">
-        <p14:creationId xmlns:p14="http://schemas.microsoft.com/office/powerpoint/2010/main" val="1292263903"/>
-      </p:ext>
-    </p:extLst>
-  </p:cSld>
-  <p:clrMapOvr>
-    <a:masterClrMapping/>
-  </p:clrMapOvr>
-  <p:transition>
-    <p:fade/>
-  </p:transition>
-</p:sld>
-</file>
-
-<file path=ppt/slides/slide5.xml><?xml version="1.0" encoding="utf-8"?>
-<p:sld xmlns:a="http://schemas.openxmlformats.org/drawingml/2006/main" xmlns:r="http://schemas.openxmlformats.org/officeDocument/2006/relationships" xmlns:p="http://schemas.openxmlformats.org/presentationml/2006/main">
-  <p:cSld>
-    <p:spTree>
-      <p:nvGrpSpPr>
-        <p:cNvPr id="1" name=""/>
-        <p:cNvGrpSpPr/>
-        <p:nvPr/>
-      </p:nvGrpSpPr>
-      <p:grpSpPr>
-        <a:xfrm>
-          <a:off x="0" y="0"/>
-          <a:ext cx="0" cy="0"/>
-          <a:chOff x="0" y="0"/>
-          <a:chExt cx="0" cy="0"/>
-        </a:xfrm>
-      </p:grpSpPr>
       <p:sp>
         <p:nvSpPr>
-          <p:cNvPr id="6" name="Textplatzhalter 5">
+          <p:cNvPr id="32" name="Textfeld 31">
             <a:extLst>
               <a:ext uri="{FF2B5EF4-FFF2-40B4-BE49-F238E27FC236}">
-                <a16:creationId xmlns:a16="http://schemas.microsoft.com/office/drawing/2014/main" id="{0139592A-E68A-4704-B63B-8018D0D38DF2}"/>
-              </a:ext>
-            </a:extLst>
-          </p:cNvPr>
-          <p:cNvSpPr>
-            <a:spLocks noGrp="1"/>
-          </p:cNvSpPr>
-          <p:nvPr>
-            <p:ph type="body" idx="1"/>
-          </p:nvPr>
-        </p:nvSpPr>
-        <p:spPr/>
-        <p:txBody>
-          <a:bodyPr/>
-          <a:lstStyle/>
-          <a:p>
-            <a:r>
-              <a:rPr lang="de-DE" dirty="0"/>
-              <a:t>Arbeitsteilung</a:t>
-            </a:r>
-          </a:p>
-        </p:txBody>
-      </p:sp>
-      <p:sp>
-        <p:nvSpPr>
-          <p:cNvPr id="7" name="Inhaltsplatzhalter 6">
-            <a:extLst>
-              <a:ext uri="{FF2B5EF4-FFF2-40B4-BE49-F238E27FC236}">
-                <a16:creationId xmlns:a16="http://schemas.microsoft.com/office/drawing/2014/main" id="{43167F95-4244-4E6E-80E5-5C2EF5714ED9}"/>
-              </a:ext>
-            </a:extLst>
-          </p:cNvPr>
-          <p:cNvSpPr>
-            <a:spLocks noGrp="1"/>
-          </p:cNvSpPr>
-          <p:nvPr>
-            <p:ph sz="half" idx="2"/>
-          </p:nvPr>
-        </p:nvSpPr>
-        <p:spPr/>
-        <p:txBody>
-          <a:bodyPr/>
-          <a:lstStyle/>
-          <a:p>
-            <a:r>
-              <a:rPr lang="de-DE" dirty="0"/>
-              <a:t>Schaffe einer gemeinsamen Zielvorstellung</a:t>
-            </a:r>
-          </a:p>
-          <a:p>
-            <a:r>
-              <a:rPr lang="de-DE" dirty="0"/>
-              <a:t>Gemeinsames entwerfen einem Muster-Designs</a:t>
-            </a:r>
-          </a:p>
-          <a:p>
-            <a:r>
-              <a:rPr lang="de-DE" dirty="0"/>
-              <a:t>Aufgabenverteilung der einzelnen Module an unterschiedliche Personen</a:t>
-            </a:r>
-          </a:p>
-        </p:txBody>
-      </p:sp>
-      <p:sp>
-        <p:nvSpPr>
-          <p:cNvPr id="8" name="Textplatzhalter 7">
-            <a:extLst>
-              <a:ext uri="{FF2B5EF4-FFF2-40B4-BE49-F238E27FC236}">
-                <a16:creationId xmlns:a16="http://schemas.microsoft.com/office/drawing/2014/main" id="{A5D5EC24-DE4B-4D21-93C0-21C2A7CA9D0A}"/>
-              </a:ext>
-            </a:extLst>
-          </p:cNvPr>
-          <p:cNvSpPr>
-            <a:spLocks noGrp="1"/>
-          </p:cNvSpPr>
-          <p:nvPr>
-            <p:ph type="body" sz="quarter" idx="3"/>
-          </p:nvPr>
-        </p:nvSpPr>
-        <p:spPr/>
-        <p:txBody>
-          <a:bodyPr/>
-          <a:lstStyle/>
-          <a:p>
-            <a:r>
-              <a:rPr lang="de-DE" dirty="0"/>
-              <a:t>Technische Umsetzung</a:t>
-            </a:r>
-          </a:p>
-        </p:txBody>
-      </p:sp>
-      <p:sp>
-        <p:nvSpPr>
-          <p:cNvPr id="9" name="Inhaltsplatzhalter 8">
-            <a:extLst>
-              <a:ext uri="{FF2B5EF4-FFF2-40B4-BE49-F238E27FC236}">
-                <a16:creationId xmlns:a16="http://schemas.microsoft.com/office/drawing/2014/main" id="{D5649541-72B6-4446-98B4-CD41E581C646}"/>
-              </a:ext>
-            </a:extLst>
-          </p:cNvPr>
-          <p:cNvSpPr>
-            <a:spLocks noGrp="1"/>
-          </p:cNvSpPr>
-          <p:nvPr>
-            <p:ph sz="quarter" idx="4"/>
-          </p:nvPr>
-        </p:nvSpPr>
-        <p:spPr/>
-        <p:txBody>
-          <a:bodyPr/>
-          <a:lstStyle/>
-          <a:p>
-            <a:r>
-              <a:rPr lang="de-DE" dirty="0"/>
-              <a:t>Arbeiten mit gemeinsamen und zentralem Code</a:t>
-            </a:r>
-          </a:p>
-          <a:p>
-            <a:pPr lvl="1">
-              <a:buFont typeface="Wingdings" panose="05000000000000000000" pitchFamily="2" charset="2"/>
-              <a:buChar char="Ø"/>
-            </a:pPr>
-            <a:r>
-              <a:rPr lang="de-DE" dirty="0"/>
-              <a:t>GitHub</a:t>
-            </a:r>
-          </a:p>
-          <a:p>
-            <a:r>
-              <a:rPr lang="de-DE" dirty="0"/>
-              <a:t>Kommunikation</a:t>
-            </a:r>
-          </a:p>
-          <a:p>
-            <a:pPr lvl="1"/>
-            <a:r>
-              <a:rPr lang="de-DE" dirty="0"/>
-              <a:t>WhatsApp und Treffen</a:t>
-            </a:r>
-          </a:p>
-          <a:p>
-            <a:r>
-              <a:rPr lang="de-DE" dirty="0"/>
-              <a:t>Tools:</a:t>
-            </a:r>
-          </a:p>
-          <a:p>
-            <a:pPr lvl="1"/>
-            <a:r>
-              <a:rPr lang="de-DE" dirty="0"/>
-              <a:t>Android-Studio, phpMyAdmin/RazorSQL und unterschiedliche IDE‘s nach Präferenz</a:t>
-            </a:r>
-          </a:p>
-        </p:txBody>
-      </p:sp>
-      <p:sp>
-        <p:nvSpPr>
-          <p:cNvPr id="4" name="Textfeld 3">
-            <a:extLst>
-              <a:ext uri="{FF2B5EF4-FFF2-40B4-BE49-F238E27FC236}">
-                <a16:creationId xmlns:a16="http://schemas.microsoft.com/office/drawing/2014/main" id="{FA474757-7046-435C-B178-417C5B602A24}"/>
+                <a16:creationId xmlns:a16="http://schemas.microsoft.com/office/drawing/2014/main" id="{E315D9F1-E361-4BC6-A23E-177B63095687}"/>
               </a:ext>
             </a:extLst>
           </p:cNvPr>
@@ -11643,7 +14762,7 @@
                   <a:srgbClr val="980528"/>
                 </a:solidFill>
               </a:rPr>
-              <a:t>Vorüberlegungen zur möglichen Arbeitsweise</a:t>
+              <a:t>Plan zur Umsetzung</a:t>
             </a:r>
           </a:p>
         </p:txBody>
@@ -11651,656 +14770,9 @@
     </p:spTree>
     <p:extLst>
       <p:ext uri="{BB962C8B-B14F-4D97-AF65-F5344CB8AC3E}">
-        <p14:creationId xmlns:p14="http://schemas.microsoft.com/office/powerpoint/2010/main" val="3274240568"/>
+        <p14:creationId xmlns:p14="http://schemas.microsoft.com/office/powerpoint/2010/main" val="1292263903"/>
       </p:ext>
     </p:extLst>
-  </p:cSld>
-  <p:clrMapOvr>
-    <a:masterClrMapping/>
-  </p:clrMapOvr>
-  <p:transition>
-    <p:fade/>
-  </p:transition>
-</p:sld>
-</file>
-
-<file path=ppt/slides/slide6.xml><?xml version="1.0" encoding="utf-8"?>
-<p:sld xmlns:a="http://schemas.openxmlformats.org/drawingml/2006/main" xmlns:r="http://schemas.openxmlformats.org/officeDocument/2006/relationships" xmlns:p="http://schemas.openxmlformats.org/presentationml/2006/main">
-  <p:cSld>
-    <p:spTree>
-      <p:nvGrpSpPr>
-        <p:cNvPr id="1" name=""/>
-        <p:cNvGrpSpPr/>
-        <p:nvPr/>
-      </p:nvGrpSpPr>
-      <p:grpSpPr>
-        <a:xfrm>
-          <a:off x="0" y="0"/>
-          <a:ext cx="0" cy="0"/>
-          <a:chOff x="0" y="0"/>
-          <a:chExt cx="0" cy="0"/>
-        </a:xfrm>
-      </p:grpSpPr>
-      <p:sp>
-        <p:nvSpPr>
-          <p:cNvPr id="2" name="Titel 1">
-            <a:extLst>
-              <a:ext uri="{FF2B5EF4-FFF2-40B4-BE49-F238E27FC236}">
-                <a16:creationId xmlns:a16="http://schemas.microsoft.com/office/drawing/2014/main" id="{276FF99C-0F06-484B-848B-B5A4B7625738}"/>
-              </a:ext>
-            </a:extLst>
-          </p:cNvPr>
-          <p:cNvSpPr>
-            <a:spLocks noGrp="1"/>
-          </p:cNvSpPr>
-          <p:nvPr>
-            <p:ph type="title"/>
-          </p:nvPr>
-        </p:nvSpPr>
-        <p:spPr>
-          <a:xfrm>
-            <a:off x="839416" y="1124744"/>
-            <a:ext cx="10261600" cy="762000"/>
-          </a:xfrm>
-        </p:spPr>
-        <p:txBody>
-          <a:bodyPr/>
-          <a:lstStyle/>
-          <a:p>
-            <a:r>
-              <a:rPr lang="de-DE" dirty="0"/>
-              <a:t>Arbeitsweisen</a:t>
-            </a:r>
-          </a:p>
-        </p:txBody>
-      </p:sp>
-      <p:pic>
-        <p:nvPicPr>
-          <p:cNvPr id="1026" name="Picture 2" descr="Bildergebnis fÃ¼r razorsql">
-            <a:extLst>
-              <a:ext uri="{FF2B5EF4-FFF2-40B4-BE49-F238E27FC236}">
-                <a16:creationId xmlns:a16="http://schemas.microsoft.com/office/drawing/2014/main" id="{ADD1D01E-D302-479A-AFE1-879D3D009CD7}"/>
-              </a:ext>
-            </a:extLst>
-          </p:cNvPr>
-          <p:cNvPicPr>
-            <a:picLocks noChangeAspect="1" noChangeArrowheads="1"/>
-          </p:cNvPicPr>
-          <p:nvPr/>
-        </p:nvPicPr>
-        <p:blipFill>
-          <a:blip r:embed="rId2">
-            <a:extLst>
-              <a:ext uri="{28A0092B-C50C-407E-A947-70E740481C1C}">
-                <a14:useLocalDpi xmlns:a14="http://schemas.microsoft.com/office/drawing/2010/main" val="0"/>
-              </a:ext>
-            </a:extLst>
-          </a:blip>
-          <a:srcRect/>
-          <a:stretch>
-            <a:fillRect/>
-          </a:stretch>
-        </p:blipFill>
-        <p:spPr bwMode="auto">
-          <a:xfrm>
-            <a:off x="616810" y="2250895"/>
-            <a:ext cx="4945787" cy="3709340"/>
-          </a:xfrm>
-          <a:prstGeom prst="rect">
-            <a:avLst/>
-          </a:prstGeom>
-          <a:noFill/>
-          <a:extLst>
-            <a:ext uri="{909E8E84-426E-40DD-AFC4-6F175D3DCCD1}">
-              <a14:hiddenFill xmlns:a14="http://schemas.microsoft.com/office/drawing/2010/main">
-                <a:solidFill>
-                  <a:srgbClr val="FFFFFF"/>
-                </a:solidFill>
-              </a14:hiddenFill>
-            </a:ext>
-          </a:extLst>
-        </p:spPr>
-      </p:pic>
-      <p:pic>
-        <p:nvPicPr>
-          <p:cNvPr id="6" name="Inhaltsplatzhalter 5">
-            <a:extLst>
-              <a:ext uri="{FF2B5EF4-FFF2-40B4-BE49-F238E27FC236}">
-                <a16:creationId xmlns:a16="http://schemas.microsoft.com/office/drawing/2014/main" id="{F86C4CC0-E489-478D-ACAA-F6363EB118D8}"/>
-              </a:ext>
-            </a:extLst>
-          </p:cNvPr>
-          <p:cNvPicPr>
-            <a:picLocks noGrp="1" noChangeAspect="1"/>
-          </p:cNvPicPr>
-          <p:nvPr>
-            <p:ph sz="half" idx="1"/>
-          </p:nvPr>
-        </p:nvPicPr>
-        <p:blipFill rotWithShape="1">
-          <a:blip r:embed="rId3">
-            <a:extLst>
-              <a:ext uri="{28A0092B-C50C-407E-A947-70E740481C1C}">
-                <a14:useLocalDpi xmlns:a14="http://schemas.microsoft.com/office/drawing/2010/main" val="0"/>
-              </a:ext>
-            </a:extLst>
-          </a:blip>
-          <a:srcRect r="53306"/>
-          <a:stretch/>
-        </p:blipFill>
-        <p:spPr>
-          <a:xfrm>
-            <a:off x="3982718" y="946668"/>
-            <a:ext cx="4226564" cy="4048057"/>
-          </a:xfrm>
-        </p:spPr>
-      </p:pic>
-      <p:pic>
-        <p:nvPicPr>
-          <p:cNvPr id="9" name="Inhaltsplatzhalter 8">
-            <a:extLst>
-              <a:ext uri="{FF2B5EF4-FFF2-40B4-BE49-F238E27FC236}">
-                <a16:creationId xmlns:a16="http://schemas.microsoft.com/office/drawing/2014/main" id="{95799DC3-242F-4654-BA2F-50C1A3BBF64D}"/>
-              </a:ext>
-            </a:extLst>
-          </p:cNvPr>
-          <p:cNvPicPr>
-            <a:picLocks noGrp="1" noChangeAspect="1"/>
-          </p:cNvPicPr>
-          <p:nvPr>
-            <p:ph sz="half" idx="2"/>
-          </p:nvPr>
-        </p:nvPicPr>
-        <p:blipFill rotWithShape="1">
-          <a:blip r:embed="rId4"/>
-          <a:srcRect r="6511"/>
-          <a:stretch/>
-        </p:blipFill>
-        <p:spPr>
-          <a:xfrm>
-            <a:off x="5663952" y="3295684"/>
-            <a:ext cx="6221784" cy="3253031"/>
-          </a:xfrm>
-          <a:prstGeom prst="rect">
-            <a:avLst/>
-          </a:prstGeom>
-        </p:spPr>
-      </p:pic>
-    </p:spTree>
-    <p:extLst>
-      <p:ext uri="{BB962C8B-B14F-4D97-AF65-F5344CB8AC3E}">
-        <p14:creationId xmlns:p14="http://schemas.microsoft.com/office/powerpoint/2010/main" val="3493114998"/>
-      </p:ext>
-    </p:extLst>
-  </p:cSld>
-  <p:clrMapOvr>
-    <a:masterClrMapping/>
-  </p:clrMapOvr>
-  <p:transition>
-    <p:fade/>
-  </p:transition>
-</p:sld>
-</file>
-
-<file path=ppt/slides/slide7.xml><?xml version="1.0" encoding="utf-8"?>
-<p:sld xmlns:a="http://schemas.openxmlformats.org/drawingml/2006/main" xmlns:r="http://schemas.openxmlformats.org/officeDocument/2006/relationships" xmlns:p="http://schemas.openxmlformats.org/presentationml/2006/main">
-  <p:cSld>
-    <p:spTree>
-      <p:nvGrpSpPr>
-        <p:cNvPr id="1" name=""/>
-        <p:cNvGrpSpPr/>
-        <p:nvPr/>
-      </p:nvGrpSpPr>
-      <p:grpSpPr>
-        <a:xfrm>
-          <a:off x="0" y="0"/>
-          <a:ext cx="0" cy="0"/>
-          <a:chOff x="0" y="0"/>
-          <a:chExt cx="0" cy="0"/>
-        </a:xfrm>
-      </p:grpSpPr>
-      <p:sp>
-        <p:nvSpPr>
-          <p:cNvPr id="11266" name="Rectangle 2">
-            <a:extLst>
-              <a:ext uri="{FF2B5EF4-FFF2-40B4-BE49-F238E27FC236}">
-                <a16:creationId xmlns:a16="http://schemas.microsoft.com/office/drawing/2014/main" id="{31CA22F7-862C-445F-BC0B-7104E6E25223}"/>
-              </a:ext>
-            </a:extLst>
-          </p:cNvPr>
-          <p:cNvSpPr>
-            <a:spLocks noGrp="1" noChangeArrowheads="1"/>
-          </p:cNvSpPr>
-          <p:nvPr>
-            <p:ph type="title"/>
-          </p:nvPr>
-        </p:nvSpPr>
-        <p:spPr>
-          <a:xfrm>
-            <a:off x="965200" y="1271588"/>
-            <a:ext cx="10261600" cy="762000"/>
-          </a:xfrm>
-        </p:spPr>
-        <p:txBody>
-          <a:bodyPr/>
-          <a:lstStyle/>
-          <a:p>
-            <a:pPr marL="342900" indent="-342900" eaLnBrk="1" hangingPunct="1">
-              <a:lnSpc>
-                <a:spcPct val="150000"/>
-              </a:lnSpc>
-            </a:pPr>
-            <a:r>
-              <a:rPr lang="de-DE" altLang="de-DE" sz="2400" dirty="0"/>
-              <a:t>Headline »Muster«</a:t>
-            </a:r>
-            <a:endParaRPr lang="de-DE" altLang="de-DE" sz="1200" dirty="0"/>
-          </a:p>
-        </p:txBody>
-      </p:sp>
-      <p:sp>
-        <p:nvSpPr>
-          <p:cNvPr id="11267" name="Rectangle 7">
-            <a:extLst>
-              <a:ext uri="{FF2B5EF4-FFF2-40B4-BE49-F238E27FC236}">
-                <a16:creationId xmlns:a16="http://schemas.microsoft.com/office/drawing/2014/main" id="{99E8DFA9-2E75-437E-B5BF-243663E7C69D}"/>
-              </a:ext>
-            </a:extLst>
-          </p:cNvPr>
-          <p:cNvSpPr>
-            <a:spLocks noGrp="1" noChangeArrowheads="1"/>
-          </p:cNvSpPr>
-          <p:nvPr>
-            <p:ph idx="1"/>
-          </p:nvPr>
-        </p:nvSpPr>
-        <p:spPr>
-          <a:xfrm>
-            <a:off x="1270000" y="2046288"/>
-            <a:ext cx="9245600" cy="3276600"/>
-          </a:xfrm>
-        </p:spPr>
-        <p:txBody>
-          <a:bodyPr/>
-          <a:lstStyle/>
-          <a:p>
-            <a:pPr eaLnBrk="1" hangingPunct="1">
-              <a:lnSpc>
-                <a:spcPct val="150000"/>
-              </a:lnSpc>
-            </a:pPr>
-            <a:r>
-              <a:rPr lang="de-DE" altLang="de-DE" sz="1800" b="1" dirty="0"/>
-              <a:t>Hier steht ein Blindtext, der später ersetzt wird</a:t>
-            </a:r>
-          </a:p>
-          <a:p>
-            <a:pPr eaLnBrk="1" hangingPunct="1">
-              <a:lnSpc>
-                <a:spcPct val="150000"/>
-              </a:lnSpc>
-              <a:buFont typeface="Arial" panose="020B0604020202020204" pitchFamily="34" charset="0"/>
-              <a:buAutoNum type="arabicPeriod"/>
-            </a:pPr>
-            <a:r>
-              <a:rPr lang="de-DE" altLang="de-DE" sz="1800" dirty="0"/>
-              <a:t>Hier steht ein Blindtext, der später ersetzt wird</a:t>
-            </a:r>
-          </a:p>
-          <a:p>
-            <a:pPr eaLnBrk="1" hangingPunct="1">
-              <a:lnSpc>
-                <a:spcPct val="150000"/>
-              </a:lnSpc>
-              <a:buFont typeface="Arial" panose="020B0604020202020204" pitchFamily="34" charset="0"/>
-              <a:buAutoNum type="arabicPeriod"/>
-            </a:pPr>
-            <a:r>
-              <a:rPr lang="de-DE" altLang="de-DE" sz="1800" dirty="0"/>
-              <a:t>Hier steht ein Blindtext, der später ersetzt wird</a:t>
-            </a:r>
-          </a:p>
-          <a:p>
-            <a:pPr eaLnBrk="1" hangingPunct="1">
-              <a:lnSpc>
-                <a:spcPct val="150000"/>
-              </a:lnSpc>
-              <a:buFont typeface="Arial" panose="020B0604020202020204" pitchFamily="34" charset="0"/>
-              <a:buAutoNum type="arabicPeriod"/>
-            </a:pPr>
-            <a:r>
-              <a:rPr lang="de-DE" altLang="de-DE" sz="1800" dirty="0"/>
-              <a:t>Hier steht ein Blindtext, der später ersetzt wird</a:t>
-            </a:r>
-          </a:p>
-          <a:p>
-            <a:pPr eaLnBrk="1" hangingPunct="1">
-              <a:lnSpc>
-                <a:spcPct val="150000"/>
-              </a:lnSpc>
-              <a:buFont typeface="Arial" panose="020B0604020202020204" pitchFamily="34" charset="0"/>
-              <a:buAutoNum type="arabicPeriod"/>
-            </a:pPr>
-            <a:r>
-              <a:rPr lang="de-DE" altLang="de-DE" sz="1800" dirty="0"/>
-              <a:t>Hier steht ein Blindtext, der später ersetzt wird</a:t>
-            </a:r>
-          </a:p>
-          <a:p>
-            <a:pPr eaLnBrk="1" hangingPunct="1">
-              <a:lnSpc>
-                <a:spcPct val="150000"/>
-              </a:lnSpc>
-              <a:buFont typeface="Arial" panose="020B0604020202020204" pitchFamily="34" charset="0"/>
-              <a:buAutoNum type="arabicPeriod"/>
-            </a:pPr>
-            <a:r>
-              <a:rPr lang="de-DE" altLang="de-DE" sz="1800" dirty="0"/>
-              <a:t>Hier steht ein Blindtext, der später ersetzt wird</a:t>
-            </a:r>
-          </a:p>
-          <a:p>
-            <a:pPr eaLnBrk="1" hangingPunct="1">
-              <a:lnSpc>
-                <a:spcPct val="150000"/>
-              </a:lnSpc>
-            </a:pPr>
-            <a:endParaRPr lang="de-DE" altLang="de-DE" sz="1600" dirty="0"/>
-          </a:p>
-          <a:p>
-            <a:pPr eaLnBrk="1" hangingPunct="1">
-              <a:lnSpc>
-                <a:spcPct val="150000"/>
-              </a:lnSpc>
-            </a:pPr>
-            <a:r>
-              <a:rPr lang="de-DE" altLang="de-DE" sz="1800" dirty="0"/>
-              <a:t>                   Mustertext </a:t>
-            </a:r>
-          </a:p>
-        </p:txBody>
-      </p:sp>
-      <p:sp>
-        <p:nvSpPr>
-          <p:cNvPr id="2" name="Pfeil nach rechts 1">
-            <a:extLst>
-              <a:ext uri="{FF2B5EF4-FFF2-40B4-BE49-F238E27FC236}">
-                <a16:creationId xmlns:a16="http://schemas.microsoft.com/office/drawing/2014/main" id="{47FD096D-CDBE-4636-9186-D39E7A8DA971}"/>
-              </a:ext>
-            </a:extLst>
-          </p:cNvPr>
-          <p:cNvSpPr/>
-          <p:nvPr/>
-        </p:nvSpPr>
-        <p:spPr bwMode="auto">
-          <a:xfrm>
-            <a:off x="2566988" y="4437063"/>
-            <a:ext cx="1728787" cy="360362"/>
-          </a:xfrm>
-          <a:prstGeom prst="rightArrow">
-            <a:avLst/>
-          </a:prstGeom>
-          <a:noFill/>
-          <a:ln>
-            <a:noFill/>
-          </a:ln>
-          <a:effectLst/>
-          <a:extLst>
-            <a:ext uri="{909E8E84-426E-40DD-AFC4-6F175D3DCCD1}">
-              <a14:hiddenFill xmlns:a14="http://schemas.microsoft.com/office/drawing/2010/main">
-                <a:solidFill>
-                  <a:schemeClr val="accent1"/>
-                </a:solidFill>
-              </a14:hiddenFill>
-            </a:ext>
-            <a:ext uri="{91240B29-F687-4F45-9708-019B960494DF}">
-              <a14:hiddenLine xmlns:a14="http://schemas.microsoft.com/office/drawing/2010/main" w="9525" cap="flat" cmpd="sng" algn="ctr">
-                <a:solidFill>
-                  <a:schemeClr val="tx1"/>
-                </a:solidFill>
-                <a:prstDash val="solid"/>
-                <a:round/>
-                <a:headEnd type="none" w="med" len="med"/>
-                <a:tailEnd type="none" w="med" len="med"/>
-              </a14:hiddenLine>
-            </a:ext>
-            <a:ext uri="{AF507438-7753-43E0-B8FC-AC1667EBCBE1}">
-              <a14:hiddenEffects xmlns:a14="http://schemas.microsoft.com/office/drawing/2010/main">
-                <a:effectLst>
-                  <a:outerShdw blurRad="63500" dist="38099" dir="2700000" algn="ctr" rotWithShape="0">
-                    <a:schemeClr val="bg2">
-                      <a:alpha val="74998"/>
-                    </a:schemeClr>
-                  </a:outerShdw>
-                </a:effectLst>
-              </a14:hiddenEffects>
-            </a:ext>
-          </a:extLst>
-        </p:spPr>
-        <p:txBody>
-          <a:bodyPr lIns="0" tIns="0" rIns="0" bIns="0" anchor="ctr"/>
-          <a:lstStyle/>
-          <a:p>
-            <a:pPr algn="ctr" eaLnBrk="1" hangingPunct="1">
-              <a:defRPr/>
-            </a:pPr>
-            <a:endParaRPr lang="de-DE" dirty="0">
-              <a:latin typeface="Arial" charset="0"/>
-            </a:endParaRPr>
-          </a:p>
-        </p:txBody>
-      </p:sp>
-      <p:sp>
-        <p:nvSpPr>
-          <p:cNvPr id="11269" name="Pfeil nach rechts 4">
-            <a:extLst>
-              <a:ext uri="{FF2B5EF4-FFF2-40B4-BE49-F238E27FC236}">
-                <a16:creationId xmlns:a16="http://schemas.microsoft.com/office/drawing/2014/main" id="{073F2EE8-CF01-43F1-8016-33A8DE7D5F97}"/>
-              </a:ext>
-            </a:extLst>
-          </p:cNvPr>
-          <p:cNvSpPr>
-            <a:spLocks noChangeArrowheads="1"/>
-          </p:cNvSpPr>
-          <p:nvPr/>
-        </p:nvSpPr>
-        <p:spPr bwMode="auto">
-          <a:xfrm>
-            <a:off x="1644650" y="5256213"/>
-            <a:ext cx="979488" cy="484187"/>
-          </a:xfrm>
-          <a:prstGeom prst="rightArrow">
-            <a:avLst>
-              <a:gd name="adj1" fmla="val 50000"/>
-              <a:gd name="adj2" fmla="val 50106"/>
-            </a:avLst>
-          </a:prstGeom>
-          <a:solidFill>
-            <a:schemeClr val="accent2"/>
-          </a:solidFill>
-          <a:ln w="9525" algn="ctr">
-            <a:solidFill>
-              <a:schemeClr val="tx1"/>
-            </a:solidFill>
-            <a:round/>
-            <a:headEnd/>
-            <a:tailEnd/>
-          </a:ln>
-        </p:spPr>
-        <p:txBody>
-          <a:bodyPr lIns="0" tIns="0" rIns="0" bIns="0" anchor="ctr"/>
-          <a:lstStyle>
-            <a:lvl1pPr>
-              <a:spcBef>
-                <a:spcPct val="20000"/>
-              </a:spcBef>
-              <a:buClr>
-                <a:schemeClr val="accent2"/>
-              </a:buClr>
-              <a:buFont typeface="Wingdings" panose="05000000000000000000" pitchFamily="2" charset="2"/>
-              <a:buChar char="§"/>
-              <a:defRPr sz="2400">
-                <a:solidFill>
-                  <a:schemeClr val="tx1"/>
-                </a:solidFill>
-                <a:latin typeface="Arial" panose="020B0604020202020204" pitchFamily="34" charset="0"/>
-              </a:defRPr>
-            </a:lvl1pPr>
-            <a:lvl2pPr marL="742950" indent="-285750">
-              <a:spcBef>
-                <a:spcPct val="20000"/>
-              </a:spcBef>
-              <a:buClr>
-                <a:schemeClr val="accent2"/>
-              </a:buClr>
-              <a:buFont typeface="Wingdings" panose="05000000000000000000" pitchFamily="2" charset="2"/>
-              <a:buChar char="§"/>
-              <a:defRPr sz="2000">
-                <a:solidFill>
-                  <a:schemeClr val="tx1"/>
-                </a:solidFill>
-                <a:latin typeface="Arial" panose="020B0604020202020204" pitchFamily="34" charset="0"/>
-              </a:defRPr>
-            </a:lvl2pPr>
-            <a:lvl3pPr marL="1143000" indent="-228600">
-              <a:spcBef>
-                <a:spcPct val="20000"/>
-              </a:spcBef>
-              <a:buClr>
-                <a:schemeClr val="accent2"/>
-              </a:buClr>
-              <a:buFont typeface="Wingdings" panose="05000000000000000000" pitchFamily="2" charset="2"/>
-              <a:buChar char="§"/>
-              <a:defRPr>
-                <a:solidFill>
-                  <a:schemeClr val="tx1"/>
-                </a:solidFill>
-                <a:latin typeface="Arial" panose="020B0604020202020204" pitchFamily="34" charset="0"/>
-              </a:defRPr>
-            </a:lvl3pPr>
-            <a:lvl4pPr marL="1600200" indent="-228600">
-              <a:spcBef>
-                <a:spcPct val="20000"/>
-              </a:spcBef>
-              <a:buClr>
-                <a:schemeClr val="accent2"/>
-              </a:buClr>
-              <a:buFont typeface="Wingdings" panose="05000000000000000000" pitchFamily="2" charset="2"/>
-              <a:buChar char="§"/>
-              <a:defRPr sz="1400">
-                <a:solidFill>
-                  <a:schemeClr val="tx1"/>
-                </a:solidFill>
-                <a:latin typeface="Arial" panose="020B0604020202020204" pitchFamily="34" charset="0"/>
-              </a:defRPr>
-            </a:lvl4pPr>
-            <a:lvl5pPr marL="2057400" indent="-228600">
-              <a:spcBef>
-                <a:spcPct val="20000"/>
-              </a:spcBef>
-              <a:buClr>
-                <a:schemeClr val="accent2"/>
-              </a:buClr>
-              <a:buFont typeface="Wingdings" panose="05000000000000000000" pitchFamily="2" charset="2"/>
-              <a:buChar char="§"/>
-              <a:defRPr sz="1400">
-                <a:solidFill>
-                  <a:schemeClr val="tx1"/>
-                </a:solidFill>
-                <a:latin typeface="Arial" panose="020B0604020202020204" pitchFamily="34" charset="0"/>
-              </a:defRPr>
-            </a:lvl5pPr>
-            <a:lvl6pPr marL="2514600" indent="-228600" eaLnBrk="0" fontAlgn="base" hangingPunct="0">
-              <a:spcBef>
-                <a:spcPct val="20000"/>
-              </a:spcBef>
-              <a:spcAft>
-                <a:spcPct val="0"/>
-              </a:spcAft>
-              <a:buClr>
-                <a:schemeClr val="accent2"/>
-              </a:buClr>
-              <a:buFont typeface="Wingdings" panose="05000000000000000000" pitchFamily="2" charset="2"/>
-              <a:buChar char="§"/>
-              <a:defRPr sz="1400">
-                <a:solidFill>
-                  <a:schemeClr val="tx1"/>
-                </a:solidFill>
-                <a:latin typeface="Arial" panose="020B0604020202020204" pitchFamily="34" charset="0"/>
-              </a:defRPr>
-            </a:lvl6pPr>
-            <a:lvl7pPr marL="2971800" indent="-228600" eaLnBrk="0" fontAlgn="base" hangingPunct="0">
-              <a:spcBef>
-                <a:spcPct val="20000"/>
-              </a:spcBef>
-              <a:spcAft>
-                <a:spcPct val="0"/>
-              </a:spcAft>
-              <a:buClr>
-                <a:schemeClr val="accent2"/>
-              </a:buClr>
-              <a:buFont typeface="Wingdings" panose="05000000000000000000" pitchFamily="2" charset="2"/>
-              <a:buChar char="§"/>
-              <a:defRPr sz="1400">
-                <a:solidFill>
-                  <a:schemeClr val="tx1"/>
-                </a:solidFill>
-                <a:latin typeface="Arial" panose="020B0604020202020204" pitchFamily="34" charset="0"/>
-              </a:defRPr>
-            </a:lvl7pPr>
-            <a:lvl8pPr marL="3429000" indent="-228600" eaLnBrk="0" fontAlgn="base" hangingPunct="0">
-              <a:spcBef>
-                <a:spcPct val="20000"/>
-              </a:spcBef>
-              <a:spcAft>
-                <a:spcPct val="0"/>
-              </a:spcAft>
-              <a:buClr>
-                <a:schemeClr val="accent2"/>
-              </a:buClr>
-              <a:buFont typeface="Wingdings" panose="05000000000000000000" pitchFamily="2" charset="2"/>
-              <a:buChar char="§"/>
-              <a:defRPr sz="1400">
-                <a:solidFill>
-                  <a:schemeClr val="tx1"/>
-                </a:solidFill>
-                <a:latin typeface="Arial" panose="020B0604020202020204" pitchFamily="34" charset="0"/>
-              </a:defRPr>
-            </a:lvl8pPr>
-            <a:lvl9pPr marL="3886200" indent="-228600" eaLnBrk="0" fontAlgn="base" hangingPunct="0">
-              <a:spcBef>
-                <a:spcPct val="20000"/>
-              </a:spcBef>
-              <a:spcAft>
-                <a:spcPct val="0"/>
-              </a:spcAft>
-              <a:buClr>
-                <a:schemeClr val="accent2"/>
-              </a:buClr>
-              <a:buFont typeface="Wingdings" panose="05000000000000000000" pitchFamily="2" charset="2"/>
-              <a:buChar char="§"/>
-              <a:defRPr sz="1400">
-                <a:solidFill>
-                  <a:schemeClr val="tx1"/>
-                </a:solidFill>
-                <a:latin typeface="Arial" panose="020B0604020202020204" pitchFamily="34" charset="0"/>
-              </a:defRPr>
-            </a:lvl9pPr>
-          </a:lstStyle>
-          <a:p>
-            <a:pPr algn="ctr" eaLnBrk="1" hangingPunct="1">
-              <a:spcBef>
-                <a:spcPct val="0"/>
-              </a:spcBef>
-              <a:buClrTx/>
-              <a:buFontTx/>
-              <a:buNone/>
-            </a:pPr>
-            <a:endParaRPr lang="de-DE" altLang="de-DE" sz="1100" dirty="0"/>
-          </a:p>
-        </p:txBody>
-      </p:sp>
-    </p:spTree>
   </p:cSld>
   <p:clrMapOvr>
     <a:masterClrMapping/>
@@ -12330,514 +14802,440 @@
       </p:grpSpPr>
       <p:sp>
         <p:nvSpPr>
-          <p:cNvPr id="13314" name="Rectangle 2">
+          <p:cNvPr id="2" name="Titel 1">
             <a:extLst>
               <a:ext uri="{FF2B5EF4-FFF2-40B4-BE49-F238E27FC236}">
-                <a16:creationId xmlns:a16="http://schemas.microsoft.com/office/drawing/2014/main" id="{5D5731D2-4F8F-4A32-8006-9EE329AF7C28}"/>
+                <a16:creationId xmlns:a16="http://schemas.microsoft.com/office/drawing/2014/main" id="{AFEDBDB3-EB1F-4D56-88AA-389A74F6A870}"/>
               </a:ext>
             </a:extLst>
           </p:cNvPr>
           <p:cNvSpPr>
-            <a:spLocks noGrp="1" noChangeArrowheads="1"/>
+            <a:spLocks noGrp="1"/>
           </p:cNvSpPr>
           <p:nvPr>
             <p:ph type="title"/>
           </p:nvPr>
         </p:nvSpPr>
+        <p:spPr/>
+        <p:txBody>
+          <a:bodyPr/>
+          <a:lstStyle/>
+          <a:p>
+            <a:pPr marL="285750" indent="-285750" eaLnBrk="1" hangingPunct="1">
+              <a:lnSpc>
+                <a:spcPct val="150000"/>
+              </a:lnSpc>
+              <a:defRPr/>
+            </a:pPr>
+            <a:r>
+              <a:rPr lang="de-DE" dirty="0"/>
+              <a:t>Bestandteile des Projekts</a:t>
+            </a:r>
+          </a:p>
+        </p:txBody>
+      </p:sp>
+      <p:sp>
+        <p:nvSpPr>
+          <p:cNvPr id="3" name="Inhaltsplatzhalter 2">
+            <a:extLst>
+              <a:ext uri="{FF2B5EF4-FFF2-40B4-BE49-F238E27FC236}">
+                <a16:creationId xmlns:a16="http://schemas.microsoft.com/office/drawing/2014/main" id="{D0198355-1BBB-4856-9C60-4FCF17E4DD44}"/>
+              </a:ext>
+            </a:extLst>
+          </p:cNvPr>
+          <p:cNvSpPr>
+            <a:spLocks noGrp="1"/>
+          </p:cNvSpPr>
+          <p:nvPr>
+            <p:ph idx="1"/>
+          </p:nvPr>
+        </p:nvSpPr>
         <p:spPr>
           <a:xfrm>
-            <a:off x="965200" y="1271588"/>
-            <a:ext cx="10261600" cy="544512"/>
+            <a:off x="1625749" y="2312640"/>
+            <a:ext cx="9245600" cy="3276600"/>
           </a:xfrm>
         </p:spPr>
         <p:txBody>
           <a:bodyPr/>
           <a:lstStyle/>
           <a:p>
-            <a:pPr marL="342900" indent="-342900" eaLnBrk="1" hangingPunct="1">
+            <a:pPr marL="685800" lvl="1" eaLnBrk="1" hangingPunct="1">
               <a:lnSpc>
                 <a:spcPct val="150000"/>
               </a:lnSpc>
+              <a:defRPr/>
             </a:pPr>
             <a:r>
-              <a:rPr lang="de-DE" altLang="de-DE" sz="2400" dirty="0"/>
-              <a:t>Muster »Grafik«</a:t>
-            </a:r>
-            <a:endParaRPr lang="de-DE" altLang="de-DE" sz="1400" dirty="0"/>
+              <a:rPr lang="de-DE" sz="2800" dirty="0"/>
+              <a:t>Datenbank</a:t>
+            </a:r>
+          </a:p>
+          <a:p>
+            <a:pPr marL="685800" lvl="1" eaLnBrk="1" hangingPunct="1">
+              <a:lnSpc>
+                <a:spcPct val="150000"/>
+              </a:lnSpc>
+              <a:defRPr/>
+            </a:pPr>
+            <a:r>
+              <a:rPr lang="de-DE" sz="2800" dirty="0"/>
+              <a:t>LBR-Server</a:t>
+            </a:r>
+          </a:p>
+          <a:p>
+            <a:pPr marL="685800" lvl="1" eaLnBrk="1" hangingPunct="1">
+              <a:lnSpc>
+                <a:spcPct val="150000"/>
+              </a:lnSpc>
+              <a:defRPr/>
+            </a:pPr>
+            <a:r>
+              <a:rPr lang="de-DE" sz="2800" dirty="0"/>
+              <a:t>Client-Server-Schnittstelle (CSI)</a:t>
+            </a:r>
+          </a:p>
+          <a:p>
+            <a:pPr marL="685800" lvl="1" eaLnBrk="1" hangingPunct="1">
+              <a:lnSpc>
+                <a:spcPct val="150000"/>
+              </a:lnSpc>
+              <a:defRPr/>
+            </a:pPr>
+            <a:r>
+              <a:rPr lang="de-DE" sz="2800" dirty="0"/>
+              <a:t>APP</a:t>
+            </a:r>
+          </a:p>
+          <a:p>
+            <a:endParaRPr lang="de-DE" sz="2800" dirty="0"/>
           </a:p>
         </p:txBody>
       </p:sp>
-      <p:graphicFrame>
-        <p:nvGraphicFramePr>
-          <p:cNvPr id="5" name="Diagramm 4">
+      <p:sp>
+        <p:nvSpPr>
+          <p:cNvPr id="4" name="Textfeld 3">
             <a:extLst>
               <a:ext uri="{FF2B5EF4-FFF2-40B4-BE49-F238E27FC236}">
-                <a16:creationId xmlns:a16="http://schemas.microsoft.com/office/drawing/2014/main" id="{1EF792B1-CE38-4D4B-8E01-FAA863DA01EE}"/>
+                <a16:creationId xmlns:a16="http://schemas.microsoft.com/office/drawing/2014/main" id="{75FB5C37-EF4D-45EA-BC58-2EC98C8CE386}"/>
               </a:ext>
             </a:extLst>
           </p:cNvPr>
-          <p:cNvGraphicFramePr/>
-          <p:nvPr/>
-        </p:nvGraphicFramePr>
-        <p:xfrm>
-          <a:off x="3048000" y="1397000"/>
-          <a:ext cx="6096000" cy="4064000"/>
-        </p:xfrm>
-        <a:graphic>
-          <a:graphicData uri="http://schemas.openxmlformats.org/drawingml/2006/diagram">
-            <dgm:relIds xmlns:dgm="http://schemas.openxmlformats.org/drawingml/2006/diagram" xmlns:r="http://schemas.openxmlformats.org/officeDocument/2006/relationships" r:dm="rId3" r:lo="rId4" r:qs="rId5" r:cs="rId6"/>
-          </a:graphicData>
-        </a:graphic>
-      </p:graphicFrame>
-      <p:sp>
-        <p:nvSpPr>
-          <p:cNvPr id="13316" name="Textfeld 6">
-            <a:extLst>
-              <a:ext uri="{FF2B5EF4-FFF2-40B4-BE49-F238E27FC236}">
-                <a16:creationId xmlns:a16="http://schemas.microsoft.com/office/drawing/2014/main" id="{4DD937A8-9CD8-41FB-917A-7D2CB19EF3E5}"/>
-              </a:ext>
-            </a:extLst>
-          </p:cNvPr>
-          <p:cNvSpPr txBox="1">
-            <a:spLocks noChangeArrowheads="1"/>
-          </p:cNvSpPr>
+          <p:cNvSpPr txBox="1"/>
           <p:nvPr/>
         </p:nvSpPr>
-        <p:spPr bwMode="auto">
+        <p:spPr>
           <a:xfrm>
-            <a:off x="9191625" y="2133600"/>
-            <a:ext cx="1441450" cy="260350"/>
+            <a:off x="2135560" y="51684"/>
+            <a:ext cx="7488832" cy="496996"/>
           </a:xfrm>
           <a:prstGeom prst="rect">
             <a:avLst/>
           </a:prstGeom>
           <a:noFill/>
-          <a:ln>
-            <a:noFill/>
-          </a:ln>
-          <a:extLst>
-            <a:ext uri="{909E8E84-426E-40DD-AFC4-6F175D3DCCD1}">
-              <a14:hiddenFill xmlns:a14="http://schemas.microsoft.com/office/drawing/2010/main">
-                <a:solidFill>
-                  <a:srgbClr val="FFFFFF"/>
-                </a:solidFill>
-              </a14:hiddenFill>
-            </a:ext>
-            <a:ext uri="{91240B29-F687-4F45-9708-019B960494DF}">
-              <a14:hiddenLine xmlns:a14="http://schemas.microsoft.com/office/drawing/2010/main" w="9525">
-                <a:solidFill>
-                  <a:srgbClr val="000000"/>
-                </a:solidFill>
-                <a:miter lim="800000"/>
-                <a:headEnd/>
-                <a:tailEnd/>
-              </a14:hiddenLine>
-            </a:ext>
-          </a:extLst>
         </p:spPr>
         <p:txBody>
-          <a:bodyPr>
+          <a:bodyPr wrap="square" rtlCol="0">
             <a:spAutoFit/>
           </a:bodyPr>
-          <a:lstStyle>
-            <a:lvl1pPr>
-              <a:spcBef>
-                <a:spcPct val="20000"/>
-              </a:spcBef>
-              <a:buClr>
-                <a:schemeClr val="accent2"/>
-              </a:buClr>
+          <a:lstStyle/>
+          <a:p>
+            <a:pPr marL="285750" indent="-285750" eaLnBrk="1" hangingPunct="1">
+              <a:lnSpc>
+                <a:spcPct val="150000"/>
+              </a:lnSpc>
+              <a:defRPr/>
+            </a:pPr>
+            <a:r>
+              <a:rPr lang="de-DE" sz="2000" b="1" dirty="0">
+                <a:solidFill>
+                  <a:srgbClr val="980528"/>
+                </a:solidFill>
+              </a:rPr>
+              <a:t>Einzelne Systembestandteile</a:t>
+            </a:r>
+          </a:p>
+        </p:txBody>
+      </p:sp>
+    </p:spTree>
+    <p:extLst>
+      <p:ext uri="{BB962C8B-B14F-4D97-AF65-F5344CB8AC3E}">
+        <p14:creationId xmlns:p14="http://schemas.microsoft.com/office/powerpoint/2010/main" val="179387556"/>
+      </p:ext>
+    </p:extLst>
+  </p:cSld>
+  <p:clrMapOvr>
+    <a:masterClrMapping/>
+  </p:clrMapOvr>
+  <p:transition>
+    <p:fade/>
+  </p:transition>
+</p:sld>
+</file>
+
+<file path=ppt/slides/slide9.xml><?xml version="1.0" encoding="utf-8"?>
+<p:sld xmlns:a="http://schemas.openxmlformats.org/drawingml/2006/main" xmlns:r="http://schemas.openxmlformats.org/officeDocument/2006/relationships" xmlns:p="http://schemas.openxmlformats.org/presentationml/2006/main">
+  <p:cSld>
+    <p:spTree>
+      <p:nvGrpSpPr>
+        <p:cNvPr id="1" name=""/>
+        <p:cNvGrpSpPr/>
+        <p:nvPr/>
+      </p:nvGrpSpPr>
+      <p:grpSpPr>
+        <a:xfrm>
+          <a:off x="0" y="0"/>
+          <a:ext cx="0" cy="0"/>
+          <a:chOff x="0" y="0"/>
+          <a:chExt cx="0" cy="0"/>
+        </a:xfrm>
+      </p:grpSpPr>
+      <p:sp>
+        <p:nvSpPr>
+          <p:cNvPr id="2" name="Titel 1">
+            <a:extLst>
+              <a:ext uri="{FF2B5EF4-FFF2-40B4-BE49-F238E27FC236}">
+                <a16:creationId xmlns:a16="http://schemas.microsoft.com/office/drawing/2014/main" id="{AFEDBDB3-EB1F-4D56-88AA-389A74F6A870}"/>
+              </a:ext>
+            </a:extLst>
+          </p:cNvPr>
+          <p:cNvSpPr>
+            <a:spLocks noGrp="1"/>
+          </p:cNvSpPr>
+          <p:nvPr>
+            <p:ph type="title"/>
+          </p:nvPr>
+        </p:nvSpPr>
+        <p:spPr/>
+        <p:txBody>
+          <a:bodyPr/>
+          <a:lstStyle/>
+          <a:p>
+            <a:pPr marL="285750" indent="-285750" eaLnBrk="1" hangingPunct="1">
+              <a:lnSpc>
+                <a:spcPct val="150000"/>
+              </a:lnSpc>
+              <a:defRPr/>
+            </a:pPr>
+            <a:r>
+              <a:rPr lang="de-DE" dirty="0"/>
+              <a:t>Auswahl und Design der DB</a:t>
+            </a:r>
+          </a:p>
+        </p:txBody>
+      </p:sp>
+      <p:pic>
+        <p:nvPicPr>
+          <p:cNvPr id="8" name="Inhaltsplatzhalter 7">
+            <a:extLst>
+              <a:ext uri="{FF2B5EF4-FFF2-40B4-BE49-F238E27FC236}">
+                <a16:creationId xmlns:a16="http://schemas.microsoft.com/office/drawing/2014/main" id="{CF9BA47C-BC54-4800-8AE5-9017CBA7997C}"/>
+              </a:ext>
+            </a:extLst>
+          </p:cNvPr>
+          <p:cNvPicPr>
+            <a:picLocks noGrp="1" noChangeAspect="1"/>
+          </p:cNvPicPr>
+          <p:nvPr>
+            <p:ph idx="1"/>
+          </p:nvPr>
+        </p:nvPicPr>
+        <p:blipFill>
+          <a:blip r:embed="rId2">
+            <a:extLst>
+              <a:ext uri="{28A0092B-C50C-407E-A947-70E740481C1C}">
+                <a14:useLocalDpi xmlns:a14="http://schemas.microsoft.com/office/drawing/2010/main" val="0"/>
+              </a:ext>
+            </a:extLst>
+          </a:blip>
+          <a:stretch>
+            <a:fillRect/>
+          </a:stretch>
+        </p:blipFill>
+        <p:spPr>
+          <a:xfrm>
+            <a:off x="4583832" y="1124744"/>
+            <a:ext cx="7290612" cy="4811910"/>
+          </a:xfrm>
+        </p:spPr>
+      </p:pic>
+      <p:sp>
+        <p:nvSpPr>
+          <p:cNvPr id="6" name="Textplatzhalter 5">
+            <a:extLst>
+              <a:ext uri="{FF2B5EF4-FFF2-40B4-BE49-F238E27FC236}">
+                <a16:creationId xmlns:a16="http://schemas.microsoft.com/office/drawing/2014/main" id="{A92A4EC9-7615-4718-8D98-161E49C7B91C}"/>
+              </a:ext>
+            </a:extLst>
+          </p:cNvPr>
+          <p:cNvSpPr>
+            <a:spLocks noGrp="1"/>
+          </p:cNvSpPr>
+          <p:nvPr>
+            <p:ph type="body" sz="half" idx="2"/>
+          </p:nvPr>
+        </p:nvSpPr>
+        <p:spPr>
+          <a:xfrm>
+            <a:off x="609601" y="1618257"/>
+            <a:ext cx="4011084" cy="4259015"/>
+          </a:xfrm>
+        </p:spPr>
+        <p:txBody>
+          <a:bodyPr/>
+          <a:lstStyle/>
+          <a:p>
+            <a:pPr marL="285750" indent="-285750">
               <a:buFont typeface="Wingdings" panose="05000000000000000000" pitchFamily="2" charset="2"/>
               <a:buChar char="§"/>
-              <a:defRPr sz="2400">
-                <a:solidFill>
-                  <a:schemeClr val="tx1"/>
-                </a:solidFill>
-                <a:latin typeface="Arial" panose="020B0604020202020204" pitchFamily="34" charset="0"/>
-              </a:defRPr>
-            </a:lvl1pPr>
-            <a:lvl2pPr marL="742950" indent="-285750">
-              <a:spcBef>
-                <a:spcPct val="20000"/>
-              </a:spcBef>
-              <a:buClr>
-                <a:schemeClr val="accent2"/>
-              </a:buClr>
+            </a:pPr>
+            <a:r>
+              <a:rPr lang="de-DE" sz="2000" dirty="0"/>
+              <a:t>Datenbanken mit einem SQL ähnlichem Syntax.</a:t>
+            </a:r>
+          </a:p>
+          <a:p>
+            <a:pPr marL="285750" indent="-285750">
               <a:buFont typeface="Wingdings" panose="05000000000000000000" pitchFamily="2" charset="2"/>
               <a:buChar char="§"/>
-              <a:defRPr sz="2000">
-                <a:solidFill>
-                  <a:schemeClr val="tx1"/>
-                </a:solidFill>
-                <a:latin typeface="Arial" panose="020B0604020202020204" pitchFamily="34" charset="0"/>
-              </a:defRPr>
-            </a:lvl2pPr>
-            <a:lvl3pPr marL="1143000" indent="-228600">
+            </a:pPr>
+            <a:r>
+              <a:rPr lang="de-DE" sz="2000" dirty="0"/>
+              <a:t>Möglichkeiten:</a:t>
+            </a:r>
+          </a:p>
+          <a:p>
+            <a:pPr marL="742950" lvl="1" indent="-285750">
               <a:spcBef>
-                <a:spcPct val="20000"/>
+                <a:spcPts val="800"/>
               </a:spcBef>
-              <a:buClr>
-                <a:schemeClr val="accent2"/>
-              </a:buClr>
               <a:buFont typeface="Wingdings" panose="05000000000000000000" pitchFamily="2" charset="2"/>
               <a:buChar char="§"/>
-              <a:defRPr>
-                <a:solidFill>
-                  <a:schemeClr val="tx1"/>
-                </a:solidFill>
-                <a:latin typeface="Arial" panose="020B0604020202020204" pitchFamily="34" charset="0"/>
-              </a:defRPr>
-            </a:lvl3pPr>
-            <a:lvl4pPr marL="1600200" indent="-228600">
+            </a:pPr>
+            <a:r>
+              <a:rPr lang="de-DE" sz="1800" dirty="0"/>
+              <a:t>MS SQL in Azure (Bildungsversion)</a:t>
+            </a:r>
+          </a:p>
+          <a:p>
+            <a:pPr marL="742950" lvl="1" indent="-285750">
               <a:spcBef>
-                <a:spcPct val="20000"/>
+                <a:spcPts val="800"/>
               </a:spcBef>
-              <a:buClr>
-                <a:schemeClr val="accent2"/>
-              </a:buClr>
               <a:buFont typeface="Wingdings" panose="05000000000000000000" pitchFamily="2" charset="2"/>
               <a:buChar char="§"/>
-              <a:defRPr sz="1400">
-                <a:solidFill>
-                  <a:schemeClr val="tx1"/>
-                </a:solidFill>
-                <a:latin typeface="Arial" panose="020B0604020202020204" pitchFamily="34" charset="0"/>
-              </a:defRPr>
-            </a:lvl4pPr>
-            <a:lvl5pPr marL="2057400" indent="-228600">
-              <a:spcBef>
-                <a:spcPct val="20000"/>
-              </a:spcBef>
-              <a:buClr>
-                <a:schemeClr val="accent2"/>
-              </a:buClr>
+            </a:pPr>
+            <a:r>
+              <a:rPr lang="de-DE" sz="1800" dirty="0" err="1"/>
+              <a:t>MariaDB</a:t>
+            </a:r>
+            <a:r>
+              <a:rPr lang="de-DE" sz="1800" dirty="0"/>
+              <a:t> (Frei)</a:t>
+            </a:r>
+          </a:p>
+          <a:p>
+            <a:pPr lvl="1"/>
+            <a:endParaRPr lang="de-DE" sz="1800" dirty="0"/>
+          </a:p>
+          <a:p>
+            <a:pPr marL="285750" indent="-285750">
               <a:buFont typeface="Wingdings" panose="05000000000000000000" pitchFamily="2" charset="2"/>
               <a:buChar char="§"/>
-              <a:defRPr sz="1400">
-                <a:solidFill>
-                  <a:schemeClr val="tx1"/>
-                </a:solidFill>
-                <a:latin typeface="Arial" panose="020B0604020202020204" pitchFamily="34" charset="0"/>
-              </a:defRPr>
-            </a:lvl5pPr>
-            <a:lvl6pPr marL="2514600" indent="-228600" eaLnBrk="0" fontAlgn="base" hangingPunct="0">
-              <a:spcBef>
-                <a:spcPct val="20000"/>
-              </a:spcBef>
-              <a:spcAft>
-                <a:spcPct val="0"/>
-              </a:spcAft>
-              <a:buClr>
-                <a:schemeClr val="accent2"/>
-              </a:buClr>
+            </a:pPr>
+            <a:r>
+              <a:rPr lang="de-DE" sz="2000" dirty="0"/>
+              <a:t>Entschieden für </a:t>
+            </a:r>
+            <a:r>
+              <a:rPr lang="de-DE" sz="2000" dirty="0" err="1"/>
+              <a:t>MariaDB</a:t>
+            </a:r>
+            <a:endParaRPr lang="de-DE" sz="2000" dirty="0"/>
+          </a:p>
+          <a:p>
+            <a:pPr marL="285750" indent="-285750">
               <a:buFont typeface="Wingdings" panose="05000000000000000000" pitchFamily="2" charset="2"/>
               <a:buChar char="§"/>
-              <a:defRPr sz="1400">
-                <a:solidFill>
-                  <a:schemeClr val="tx1"/>
-                </a:solidFill>
-                <a:latin typeface="Arial" panose="020B0604020202020204" pitchFamily="34" charset="0"/>
-              </a:defRPr>
-            </a:lvl6pPr>
-            <a:lvl7pPr marL="2971800" indent="-228600" eaLnBrk="0" fontAlgn="base" hangingPunct="0">
-              <a:spcBef>
-                <a:spcPct val="20000"/>
-              </a:spcBef>
-              <a:spcAft>
-                <a:spcPct val="0"/>
-              </a:spcAft>
-              <a:buClr>
-                <a:schemeClr val="accent2"/>
-              </a:buClr>
+            </a:pPr>
+            <a:r>
+              <a:rPr lang="de-DE" sz="2000" dirty="0"/>
+              <a:t>Anlegen von Benutzern</a:t>
+            </a:r>
+          </a:p>
+          <a:p>
+            <a:pPr marL="285750" indent="-285750">
               <a:buFont typeface="Wingdings" panose="05000000000000000000" pitchFamily="2" charset="2"/>
               <a:buChar char="§"/>
-              <a:defRPr sz="1400">
-                <a:solidFill>
-                  <a:schemeClr val="tx1"/>
-                </a:solidFill>
-                <a:latin typeface="Arial" panose="020B0604020202020204" pitchFamily="34" charset="0"/>
-              </a:defRPr>
-            </a:lvl7pPr>
-            <a:lvl8pPr marL="3429000" indent="-228600" eaLnBrk="0" fontAlgn="base" hangingPunct="0">
-              <a:spcBef>
-                <a:spcPct val="20000"/>
-              </a:spcBef>
-              <a:spcAft>
-                <a:spcPct val="0"/>
-              </a:spcAft>
-              <a:buClr>
-                <a:schemeClr val="accent2"/>
-              </a:buClr>
+            </a:pPr>
+            <a:r>
+              <a:rPr lang="de-DE" sz="2000" dirty="0"/>
+              <a:t>Anlegen von Schemata</a:t>
+            </a:r>
+          </a:p>
+          <a:p>
+            <a:pPr marL="285750" indent="-285750">
               <a:buFont typeface="Wingdings" panose="05000000000000000000" pitchFamily="2" charset="2"/>
               <a:buChar char="§"/>
-              <a:defRPr sz="1400">
-                <a:solidFill>
-                  <a:schemeClr val="tx1"/>
-                </a:solidFill>
-                <a:latin typeface="Arial" panose="020B0604020202020204" pitchFamily="34" charset="0"/>
-              </a:defRPr>
-            </a:lvl8pPr>
-            <a:lvl9pPr marL="3886200" indent="-228600" eaLnBrk="0" fontAlgn="base" hangingPunct="0">
-              <a:spcBef>
-                <a:spcPct val="20000"/>
-              </a:spcBef>
-              <a:spcAft>
-                <a:spcPct val="0"/>
-              </a:spcAft>
-              <a:buClr>
-                <a:schemeClr val="accent2"/>
-              </a:buClr>
-              <a:buFont typeface="Wingdings" panose="05000000000000000000" pitchFamily="2" charset="2"/>
-              <a:buChar char="§"/>
-              <a:defRPr sz="1400">
-                <a:solidFill>
-                  <a:schemeClr val="tx1"/>
-                </a:solidFill>
-                <a:latin typeface="Arial" panose="020B0604020202020204" pitchFamily="34" charset="0"/>
-              </a:defRPr>
-            </a:lvl9pPr>
-          </a:lstStyle>
-          <a:p>
-            <a:pPr eaLnBrk="1" hangingPunct="1">
-              <a:spcBef>
-                <a:spcPct val="0"/>
-              </a:spcBef>
-              <a:buClrTx/>
-              <a:buFontTx/>
-              <a:buNone/>
             </a:pPr>
             <a:r>
-              <a:rPr lang="de-DE" altLang="de-DE" sz="1100" dirty="0"/>
-              <a:t>Mustertext</a:t>
+              <a:rPr lang="de-DE" sz="2000" dirty="0"/>
+              <a:t>Einfügen von Beispielen</a:t>
             </a:r>
           </a:p>
         </p:txBody>
       </p:sp>
       <p:sp>
         <p:nvSpPr>
-          <p:cNvPr id="13317" name="Textfeld 9">
+          <p:cNvPr id="4" name="Textfeld 3">
             <a:extLst>
               <a:ext uri="{FF2B5EF4-FFF2-40B4-BE49-F238E27FC236}">
-                <a16:creationId xmlns:a16="http://schemas.microsoft.com/office/drawing/2014/main" id="{DA83DA27-F594-4AB0-BAA5-63D698BEC4B4}"/>
+                <a16:creationId xmlns:a16="http://schemas.microsoft.com/office/drawing/2014/main" id="{75FB5C37-EF4D-45EA-BC58-2EC98C8CE386}"/>
               </a:ext>
             </a:extLst>
           </p:cNvPr>
-          <p:cNvSpPr txBox="1">
-            <a:spLocks noChangeArrowheads="1"/>
-          </p:cNvSpPr>
+          <p:cNvSpPr txBox="1"/>
           <p:nvPr/>
         </p:nvSpPr>
-        <p:spPr bwMode="auto">
+        <p:spPr>
           <a:xfrm>
-            <a:off x="2927350" y="5373688"/>
-            <a:ext cx="2160588" cy="261937"/>
+            <a:off x="2135560" y="51684"/>
+            <a:ext cx="7488832" cy="496996"/>
           </a:xfrm>
           <a:prstGeom prst="rect">
             <a:avLst/>
           </a:prstGeom>
           <a:noFill/>
-          <a:ln>
-            <a:noFill/>
-          </a:ln>
-          <a:extLst>
-            <a:ext uri="{909E8E84-426E-40DD-AFC4-6F175D3DCCD1}">
-              <a14:hiddenFill xmlns:a14="http://schemas.microsoft.com/office/drawing/2010/main">
-                <a:solidFill>
-                  <a:srgbClr val="FFFFFF"/>
-                </a:solidFill>
-              </a14:hiddenFill>
-            </a:ext>
-            <a:ext uri="{91240B29-F687-4F45-9708-019B960494DF}">
-              <a14:hiddenLine xmlns:a14="http://schemas.microsoft.com/office/drawing/2010/main" w="9525">
-                <a:solidFill>
-                  <a:srgbClr val="000000"/>
-                </a:solidFill>
-                <a:miter lim="800000"/>
-                <a:headEnd/>
-                <a:tailEnd/>
-              </a14:hiddenLine>
-            </a:ext>
-          </a:extLst>
         </p:spPr>
         <p:txBody>
-          <a:bodyPr>
+          <a:bodyPr wrap="square" rtlCol="0">
             <a:spAutoFit/>
           </a:bodyPr>
-          <a:lstStyle>
-            <a:lvl1pPr>
-              <a:spcBef>
-                <a:spcPct val="20000"/>
-              </a:spcBef>
-              <a:buClr>
-                <a:schemeClr val="accent2"/>
-              </a:buClr>
-              <a:buFont typeface="Wingdings" panose="05000000000000000000" pitchFamily="2" charset="2"/>
-              <a:buChar char="§"/>
-              <a:defRPr sz="2400">
+          <a:lstStyle/>
+          <a:p>
+            <a:pPr marL="285750" indent="-285750" eaLnBrk="1" hangingPunct="1">
+              <a:lnSpc>
+                <a:spcPct val="150000"/>
+              </a:lnSpc>
+              <a:defRPr/>
+            </a:pPr>
+            <a:r>
+              <a:rPr lang="de-DE" sz="2000" b="1" dirty="0">
                 <a:solidFill>
-                  <a:schemeClr val="tx1"/>
+                  <a:srgbClr val="980528"/>
                 </a:solidFill>
-                <a:latin typeface="Arial" panose="020B0604020202020204" pitchFamily="34" charset="0"/>
-              </a:defRPr>
-            </a:lvl1pPr>
-            <a:lvl2pPr marL="742950" indent="-285750">
-              <a:spcBef>
-                <a:spcPct val="20000"/>
-              </a:spcBef>
-              <a:buClr>
-                <a:schemeClr val="accent2"/>
-              </a:buClr>
-              <a:buFont typeface="Wingdings" panose="05000000000000000000" pitchFamily="2" charset="2"/>
-              <a:buChar char="§"/>
-              <a:defRPr sz="2000">
-                <a:solidFill>
-                  <a:schemeClr val="tx1"/>
-                </a:solidFill>
-                <a:latin typeface="Arial" panose="020B0604020202020204" pitchFamily="34" charset="0"/>
-              </a:defRPr>
-            </a:lvl2pPr>
-            <a:lvl3pPr marL="1143000" indent="-228600">
-              <a:spcBef>
-                <a:spcPct val="20000"/>
-              </a:spcBef>
-              <a:buClr>
-                <a:schemeClr val="accent2"/>
-              </a:buClr>
-              <a:buFont typeface="Wingdings" panose="05000000000000000000" pitchFamily="2" charset="2"/>
-              <a:buChar char="§"/>
-              <a:defRPr>
-                <a:solidFill>
-                  <a:schemeClr val="tx1"/>
-                </a:solidFill>
-                <a:latin typeface="Arial" panose="020B0604020202020204" pitchFamily="34" charset="0"/>
-              </a:defRPr>
-            </a:lvl3pPr>
-            <a:lvl4pPr marL="1600200" indent="-228600">
-              <a:spcBef>
-                <a:spcPct val="20000"/>
-              </a:spcBef>
-              <a:buClr>
-                <a:schemeClr val="accent2"/>
-              </a:buClr>
-              <a:buFont typeface="Wingdings" panose="05000000000000000000" pitchFamily="2" charset="2"/>
-              <a:buChar char="§"/>
-              <a:defRPr sz="1400">
-                <a:solidFill>
-                  <a:schemeClr val="tx1"/>
-                </a:solidFill>
-                <a:latin typeface="Arial" panose="020B0604020202020204" pitchFamily="34" charset="0"/>
-              </a:defRPr>
-            </a:lvl4pPr>
-            <a:lvl5pPr marL="2057400" indent="-228600">
-              <a:spcBef>
-                <a:spcPct val="20000"/>
-              </a:spcBef>
-              <a:buClr>
-                <a:schemeClr val="accent2"/>
-              </a:buClr>
-              <a:buFont typeface="Wingdings" panose="05000000000000000000" pitchFamily="2" charset="2"/>
-              <a:buChar char="§"/>
-              <a:defRPr sz="1400">
-                <a:solidFill>
-                  <a:schemeClr val="tx1"/>
-                </a:solidFill>
-                <a:latin typeface="Arial" panose="020B0604020202020204" pitchFamily="34" charset="0"/>
-              </a:defRPr>
-            </a:lvl5pPr>
-            <a:lvl6pPr marL="2514600" indent="-228600" eaLnBrk="0" fontAlgn="base" hangingPunct="0">
-              <a:spcBef>
-                <a:spcPct val="20000"/>
-              </a:spcBef>
-              <a:spcAft>
-                <a:spcPct val="0"/>
-              </a:spcAft>
-              <a:buClr>
-                <a:schemeClr val="accent2"/>
-              </a:buClr>
-              <a:buFont typeface="Wingdings" panose="05000000000000000000" pitchFamily="2" charset="2"/>
-              <a:buChar char="§"/>
-              <a:defRPr sz="1400">
-                <a:solidFill>
-                  <a:schemeClr val="tx1"/>
-                </a:solidFill>
-                <a:latin typeface="Arial" panose="020B0604020202020204" pitchFamily="34" charset="0"/>
-              </a:defRPr>
-            </a:lvl6pPr>
-            <a:lvl7pPr marL="2971800" indent="-228600" eaLnBrk="0" fontAlgn="base" hangingPunct="0">
-              <a:spcBef>
-                <a:spcPct val="20000"/>
-              </a:spcBef>
-              <a:spcAft>
-                <a:spcPct val="0"/>
-              </a:spcAft>
-              <a:buClr>
-                <a:schemeClr val="accent2"/>
-              </a:buClr>
-              <a:buFont typeface="Wingdings" panose="05000000000000000000" pitchFamily="2" charset="2"/>
-              <a:buChar char="§"/>
-              <a:defRPr sz="1400">
-                <a:solidFill>
-                  <a:schemeClr val="tx1"/>
-                </a:solidFill>
-                <a:latin typeface="Arial" panose="020B0604020202020204" pitchFamily="34" charset="0"/>
-              </a:defRPr>
-            </a:lvl7pPr>
-            <a:lvl8pPr marL="3429000" indent="-228600" eaLnBrk="0" fontAlgn="base" hangingPunct="0">
-              <a:spcBef>
-                <a:spcPct val="20000"/>
-              </a:spcBef>
-              <a:spcAft>
-                <a:spcPct val="0"/>
-              </a:spcAft>
-              <a:buClr>
-                <a:schemeClr val="accent2"/>
-              </a:buClr>
-              <a:buFont typeface="Wingdings" panose="05000000000000000000" pitchFamily="2" charset="2"/>
-              <a:buChar char="§"/>
-              <a:defRPr sz="1400">
-                <a:solidFill>
-                  <a:schemeClr val="tx1"/>
-                </a:solidFill>
-                <a:latin typeface="Arial" panose="020B0604020202020204" pitchFamily="34" charset="0"/>
-              </a:defRPr>
-            </a:lvl8pPr>
-            <a:lvl9pPr marL="3886200" indent="-228600" eaLnBrk="0" fontAlgn="base" hangingPunct="0">
-              <a:spcBef>
-                <a:spcPct val="20000"/>
-              </a:spcBef>
-              <a:spcAft>
-                <a:spcPct val="0"/>
-              </a:spcAft>
-              <a:buClr>
-                <a:schemeClr val="accent2"/>
-              </a:buClr>
-              <a:buFont typeface="Wingdings" panose="05000000000000000000" pitchFamily="2" charset="2"/>
-              <a:buChar char="§"/>
-              <a:defRPr sz="1400">
-                <a:solidFill>
-                  <a:schemeClr val="tx1"/>
-                </a:solidFill>
-                <a:latin typeface="Arial" panose="020B0604020202020204" pitchFamily="34" charset="0"/>
-              </a:defRPr>
-            </a:lvl9pPr>
-          </a:lstStyle>
-          <a:p>
-            <a:pPr eaLnBrk="1" hangingPunct="1">
-              <a:spcBef>
-                <a:spcPct val="0"/>
-              </a:spcBef>
-              <a:buClrTx/>
-              <a:buFontTx/>
-              <a:buNone/>
-            </a:pPr>
-            <a:r>
-              <a:rPr lang="de-DE" altLang="de-DE" sz="1100" dirty="0"/>
-              <a:t>Mustertext</a:t>
+              </a:rPr>
+              <a:t>Einzelne Systembestandteile - Datenbank</a:t>
             </a:r>
           </a:p>
         </p:txBody>
       </p:sp>
     </p:spTree>
+    <p:extLst>
+      <p:ext uri="{BB962C8B-B14F-4D97-AF65-F5344CB8AC3E}">
+        <p14:creationId xmlns:p14="http://schemas.microsoft.com/office/powerpoint/2010/main" val="4033691851"/>
+      </p:ext>
+    </p:extLst>
   </p:cSld>
   <p:clrMapOvr>
     <a:masterClrMapping/>
